--- a/Git.pptx
+++ b/Git.pptx
@@ -5,7 +5,7 @@
     <p:sldMasterId id="2147483648" r:id="rId1"/>
   </p:sldMasterIdLst>
   <p:notesMasterIdLst>
-    <p:notesMasterId r:id="rId13"/>
+    <p:notesMasterId r:id="rId16"/>
   </p:notesMasterIdLst>
   <p:sldIdLst>
     <p:sldId id="256" r:id="rId2"/>
@@ -13,12 +13,15 @@
     <p:sldId id="261" r:id="rId4"/>
     <p:sldId id="262" r:id="rId5"/>
     <p:sldId id="260" r:id="rId6"/>
-    <p:sldId id="258" r:id="rId7"/>
-    <p:sldId id="265" r:id="rId8"/>
-    <p:sldId id="266" r:id="rId9"/>
-    <p:sldId id="267" r:id="rId10"/>
-    <p:sldId id="264" r:id="rId11"/>
-    <p:sldId id="263" r:id="rId12"/>
+    <p:sldId id="269" r:id="rId7"/>
+    <p:sldId id="270" r:id="rId8"/>
+    <p:sldId id="264" r:id="rId9"/>
+    <p:sldId id="258" r:id="rId10"/>
+    <p:sldId id="265" r:id="rId11"/>
+    <p:sldId id="266" r:id="rId12"/>
+    <p:sldId id="267" r:id="rId13"/>
+    <p:sldId id="263" r:id="rId14"/>
+    <p:sldId id="268" r:id="rId15"/>
   </p:sldIdLst>
   <p:sldSz cx="9144000" cy="6858000" type="screen4x3"/>
   <p:notesSz cx="6858000" cy="9144000"/>
@@ -117,6 +120,22 @@
       </a:defRPr>
     </a:lvl9pPr>
   </p:defaultTextStyle>
+  <p:extLst>
+    <p:ext uri="{EFAFB233-063F-42B5-8137-9DF3F51BA10A}">
+      <p15:sldGuideLst xmlns:p15="http://schemas.microsoft.com/office/powerpoint/2012/main" xmlns="">
+        <p15:guide id="1" orient="horz" pos="2160">
+          <p15:clr>
+            <a:srgbClr val="A4A3A4"/>
+          </p15:clr>
+        </p15:guide>
+        <p15:guide id="2" pos="2880">
+          <p15:clr>
+            <a:srgbClr val="A4A3A4"/>
+          </p15:clr>
+        </p15:guide>
+      </p15:sldGuideLst>
+    </p:ext>
+  </p:extLst>
 </p:presentation>
 </file>
 
@@ -202,7 +221,7 @@
           <a:p>
             <a:fld id="{FB13D481-C861-461E-9367-1C4270E8C1D3}" type="datetimeFigureOut">
               <a:rPr lang="sv-SE" smtClean="0"/>
-              <a:t>2016-11-16</a:t>
+              <a:t>2017-01-11</a:t>
             </a:fld>
             <a:endParaRPr lang="sv-SE"/>
           </a:p>
@@ -266,35 +285,35 @@
           <a:p>
             <a:pPr lvl="0"/>
             <a:r>
-              <a:rPr lang="en-US" smtClean="0"/>
+              <a:rPr lang="en-US"/>
               <a:t>Click to edit Master text styles</a:t>
             </a:r>
           </a:p>
           <a:p>
             <a:pPr lvl="1"/>
             <a:r>
-              <a:rPr lang="en-US" smtClean="0"/>
+              <a:rPr lang="en-US"/>
               <a:t>Second level</a:t>
             </a:r>
           </a:p>
           <a:p>
             <a:pPr lvl="2"/>
             <a:r>
-              <a:rPr lang="en-US" smtClean="0"/>
+              <a:rPr lang="en-US"/>
               <a:t>Third level</a:t>
             </a:r>
           </a:p>
           <a:p>
             <a:pPr lvl="3"/>
             <a:r>
-              <a:rPr lang="en-US" smtClean="0"/>
+              <a:rPr lang="en-US"/>
               <a:t>Fourth level</a:t>
             </a:r>
           </a:p>
           <a:p>
             <a:pPr lvl="4"/>
             <a:r>
-              <a:rPr lang="en-US" smtClean="0"/>
+              <a:rPr lang="en-US"/>
               <a:t>Fifth level</a:t>
             </a:r>
             <a:endParaRPr lang="sv-SE"/>
@@ -370,7 +389,7 @@
     </p:spTree>
     <p:extLst>
       <p:ext uri="{BB962C8B-B14F-4D97-AF65-F5344CB8AC3E}">
-        <p14:creationId xmlns:p14="http://schemas.microsoft.com/office/powerpoint/2010/main" val="502770268"/>
+        <p14:creationId xmlns:p14="http://schemas.microsoft.com/office/powerpoint/2010/main" val="1"/>
       </p:ext>
     </p:extLst>
   </p:cSld>
@@ -515,7 +534,7 @@
           <a:lstStyle/>
           <a:p>
             <a:r>
-              <a:rPr lang="sv-SE" dirty="0" smtClean="0"/>
+              <a:rPr lang="sv-SE"/>
               <a:t>https://git-scm.com/book/en/v2/Getting-Started-A-Short-History-of-Git</a:t>
             </a:r>
           </a:p>
@@ -538,16 +557,16 @@
               <a:defRPr/>
             </a:pPr>
             <a:r>
-              <a:rPr lang="en-US" dirty="0" err="1" smtClean="0"/>
+              <a:rPr lang="en-US" err="1"/>
               <a:t>BitKeeper</a:t>
             </a:r>
             <a:r>
-              <a:rPr lang="en-US" dirty="0" smtClean="0"/>
+              <a:rPr lang="en-US"/>
               <a:t> revoked its free-of charge status </a:t>
             </a:r>
           </a:p>
           <a:p>
-            <a:endParaRPr lang="sv-SE" dirty="0"/>
+            <a:endParaRPr lang="sv-SE"/>
           </a:p>
         </p:txBody>
       </p:sp>
@@ -578,6 +597,116 @@
     <p:extLst>
       <p:ext uri="{BB962C8B-B14F-4D97-AF65-F5344CB8AC3E}">
         <p14:creationId xmlns:p14="http://schemas.microsoft.com/office/powerpoint/2010/main" val="823872864"/>
+      </p:ext>
+    </p:extLst>
+  </p:cSld>
+  <p:clrMapOvr>
+    <a:masterClrMapping/>
+  </p:clrMapOvr>
+</p:notes>
+</file>
+
+<file path=ppt/notesSlides/notesSlide10.xml><?xml version="1.0" encoding="utf-8"?>
+<p:notes xmlns:a="http://schemas.openxmlformats.org/drawingml/2006/main" xmlns:r="http://schemas.openxmlformats.org/officeDocument/2006/relationships" xmlns:p="http://schemas.openxmlformats.org/presentationml/2006/main">
+  <p:cSld>
+    <p:spTree>
+      <p:nvGrpSpPr>
+        <p:cNvPr id="1" name=""/>
+        <p:cNvGrpSpPr/>
+        <p:nvPr/>
+      </p:nvGrpSpPr>
+      <p:grpSpPr>
+        <a:xfrm>
+          <a:off x="0" y="0"/>
+          <a:ext cx="0" cy="0"/>
+          <a:chOff x="0" y="0"/>
+          <a:chExt cx="0" cy="0"/>
+        </a:xfrm>
+      </p:grpSpPr>
+      <p:sp>
+        <p:nvSpPr>
+          <p:cNvPr id="2" name="Slide Image Placeholder 1"/>
+          <p:cNvSpPr>
+            <a:spLocks noGrp="1" noRot="1" noChangeAspect="1"/>
+          </p:cNvSpPr>
+          <p:nvPr>
+            <p:ph type="sldImg"/>
+          </p:nvPr>
+        </p:nvSpPr>
+        <p:spPr/>
+      </p:sp>
+      <p:sp>
+        <p:nvSpPr>
+          <p:cNvPr id="3" name="Notes Placeholder 2"/>
+          <p:cNvSpPr>
+            <a:spLocks noGrp="1"/>
+          </p:cNvSpPr>
+          <p:nvPr>
+            <p:ph type="body" idx="1"/>
+          </p:nvPr>
+        </p:nvSpPr>
+        <p:spPr/>
+        <p:txBody>
+          <a:bodyPr/>
+          <a:lstStyle/>
+          <a:p>
+            <a:r>
+              <a:rPr lang="en-US"/>
+              <a:t>Originally designed as a command line tool and graphical clients came later.</a:t>
+            </a:r>
+          </a:p>
+          <a:p>
+            <a:r>
+              <a:rPr lang="en-US"/>
+              <a:t>More and newer features in the command line.</a:t>
+            </a:r>
+          </a:p>
+          <a:p>
+            <a:r>
+              <a:rPr lang="en-US"/>
+              <a:t>Most often, </a:t>
+            </a:r>
+            <a:r>
+              <a:rPr lang="en-US" err="1"/>
+              <a:t>git</a:t>
+            </a:r>
+            <a:r>
+              <a:rPr lang="en-US"/>
+              <a:t> features are explained using the command line online.</a:t>
+            </a:r>
+          </a:p>
+          <a:p>
+            <a:endParaRPr lang="en-US"/>
+          </a:p>
+        </p:txBody>
+      </p:sp>
+      <p:sp>
+        <p:nvSpPr>
+          <p:cNvPr id="4" name="Slide Number Placeholder 3"/>
+          <p:cNvSpPr>
+            <a:spLocks noGrp="1"/>
+          </p:cNvSpPr>
+          <p:nvPr>
+            <p:ph type="sldNum" sz="quarter" idx="10"/>
+          </p:nvPr>
+        </p:nvSpPr>
+        <p:spPr/>
+        <p:txBody>
+          <a:bodyPr/>
+          <a:lstStyle/>
+          <a:p>
+            <a:fld id="{FFBB3B00-6EC5-46E0-B113-428B4088268D}" type="slidenum">
+              <a:rPr lang="sv-SE" smtClean="0"/>
+              <a:t>14</a:t>
+            </a:fld>
+            <a:endParaRPr lang="sv-SE"/>
+          </a:p>
+        </p:txBody>
+      </p:sp>
+    </p:spTree>
+    <p:extLst>
+      <p:ext uri="{BB962C8B-B14F-4D97-AF65-F5344CB8AC3E}">
+        <p14:creationId xmlns:p14="http://schemas.microsoft.com/office/powerpoint/2010/main" val="2311385896"/>
       </p:ext>
     </p:extLst>
   </p:cSld>
@@ -631,88 +760,160 @@
           <a:bodyPr/>
           <a:lstStyle/>
           <a:p>
-            <a:r>
-              <a:rPr lang="en-US" b="1" dirty="0" smtClean="0"/>
-              <a:t>Split work into separate commits.</a:t>
-            </a:r>
+            <a:pPr marL="0" marR="0" indent="0" algn="l" defTabSz="914400" rtl="0" eaLnBrk="1" fontAlgn="auto" latinLnBrk="0" hangingPunct="1">
+              <a:lnSpc>
+                <a:spcPct val="100000"/>
+              </a:lnSpc>
+              <a:spcBef>
+                <a:spcPts val="0"/>
+              </a:spcBef>
+              <a:spcAft>
+                <a:spcPts val="0"/>
+              </a:spcAft>
+              <a:buClrTx/>
+              <a:buSzTx/>
+              <a:buFontTx/>
+              <a:buNone/>
+              <a:tabLst/>
+              <a:defRPr/>
+            </a:pPr>
             <a:r>
               <a:rPr lang="en-US" dirty="0" smtClean="0"/>
-              <a:t> You've probably many times opened a file to write a single-line fix, but at the same time you spotted that the formatting was wrong, some documentation could be improved, or some other unrelated fix. With other </a:t>
+              <a:t>De </a:t>
             </a:r>
             <a:r>
               <a:rPr lang="en-US" dirty="0" err="1" smtClean="0"/>
-              <a:t>RCSes</a:t>
+              <a:t>flesta</a:t>
             </a:r>
             <a:r>
               <a:rPr lang="en-US" dirty="0" smtClean="0"/>
-              <a:t> you'd have to write that down or commit it to memory, finish the fix you came for, commit that, and then return to fix the other stuff (or create a ball-of-mud commit with unrelated stuff). With </a:t>
+              <a:t> VCS (ex. SVN) </a:t>
             </a:r>
             <a:r>
               <a:rPr lang="en-US" dirty="0" err="1" smtClean="0"/>
-              <a:t>Git</a:t>
+              <a:t>ser</a:t>
             </a:r>
             <a:r>
               <a:rPr lang="en-US" dirty="0" smtClean="0"/>
-              <a:t> you just fix all of it at once, and </a:t>
+              <a:t> </a:t>
             </a:r>
             <a:r>
               <a:rPr lang="en-US" dirty="0" err="1" smtClean="0"/>
-              <a:t>stage+commit</a:t>
+              <a:t>på</a:t>
             </a:r>
             <a:r>
               <a:rPr lang="en-US" dirty="0" smtClean="0"/>
-              <a:t> the single line separately, with </a:t>
+              <a:t> </a:t>
             </a:r>
             <a:r>
               <a:rPr lang="en-US" dirty="0" err="1" smtClean="0"/>
-              <a:t>git</a:t>
+              <a:t>lagrad</a:t>
             </a:r>
             <a:r>
               <a:rPr lang="en-US" dirty="0" smtClean="0"/>
-              <a:t> add -</a:t>
+              <a:t> data </a:t>
             </a:r>
             <a:r>
               <a:rPr lang="en-US" dirty="0" err="1" smtClean="0"/>
-              <a:t>i</a:t>
+              <a:t>som</a:t>
             </a:r>
             <a:r>
               <a:rPr lang="en-US" dirty="0" smtClean="0"/>
-              <a:t> or </a:t>
+              <a:t> </a:t>
             </a:r>
             <a:r>
               <a:rPr lang="en-US" dirty="0" err="1" smtClean="0"/>
-              <a:t>git-gui</a:t>
+              <a:t>en</a:t>
             </a:r>
             <a:r>
               <a:rPr lang="en-US" dirty="0" smtClean="0"/>
-              <a:t>.</a:t>
-            </a:r>
-          </a:p>
-          <a:p>
-            <a:r>
-              <a:rPr lang="en-US" b="1" dirty="0" smtClean="0"/>
-              <a:t>Don't break the build.</a:t>
+              <a:t> </a:t>
+            </a:r>
+            <a:r>
+              <a:rPr lang="en-US" dirty="0" err="1" smtClean="0"/>
+              <a:t>lista</a:t>
             </a:r>
             <a:r>
               <a:rPr lang="en-US" dirty="0" smtClean="0"/>
-              <a:t> You're working on a complicated modification. So you try different things, some of which work better than others, some which break things. With </a:t>
+              <a:t> </a:t>
             </a:r>
             <a:r>
               <a:rPr lang="en-US" dirty="0" err="1" smtClean="0"/>
-              <a:t>Git</a:t>
+              <a:t>av</a:t>
             </a:r>
             <a:r>
               <a:rPr lang="en-US" dirty="0" smtClean="0"/>
-              <a:t> you'd stage things when the modification made things better, and checkout (or tweak some more) when the modification didn't work. You won't have to rely on the editor's undo functionality, you can checkout the entire repo instead of just file-by-file, and any file-level mistakes (such as removing a file that has not been committed or </a:t>
+              <a:t> filer </a:t>
             </a:r>
             <a:r>
               <a:rPr lang="en-US" dirty="0" err="1" smtClean="0"/>
-              <a:t>saving+closing</a:t>
+              <a:t>och</a:t>
             </a:r>
             <a:r>
               <a:rPr lang="en-US" dirty="0" smtClean="0"/>
-              <a:t> after a bad modification) does not lead to lots of work lost.</a:t>
-            </a:r>
+              <a:t> </a:t>
+            </a:r>
+            <a:r>
+              <a:rPr lang="en-US" dirty="0" err="1" smtClean="0"/>
+              <a:t>ändringarna</a:t>
+            </a:r>
+            <a:r>
+              <a:rPr lang="en-US" dirty="0" smtClean="0"/>
+              <a:t> </a:t>
+            </a:r>
+            <a:r>
+              <a:rPr lang="en-US" dirty="0" err="1" smtClean="0"/>
+              <a:t>som</a:t>
+            </a:r>
+            <a:r>
+              <a:rPr lang="en-US" dirty="0" smtClean="0"/>
+              <a:t> </a:t>
+            </a:r>
+            <a:r>
+              <a:rPr lang="en-US" dirty="0" err="1" smtClean="0"/>
+              <a:t>är</a:t>
+            </a:r>
+            <a:r>
+              <a:rPr lang="en-US" dirty="0" smtClean="0"/>
+              <a:t> </a:t>
+            </a:r>
+            <a:r>
+              <a:rPr lang="en-US" dirty="0" err="1" smtClean="0"/>
+              <a:t>gjorda</a:t>
+            </a:r>
+            <a:r>
+              <a:rPr lang="en-US" dirty="0" smtClean="0"/>
+              <a:t> </a:t>
+            </a:r>
+            <a:r>
+              <a:rPr lang="en-US" dirty="0" err="1" smtClean="0"/>
+              <a:t>på</a:t>
+            </a:r>
+            <a:r>
+              <a:rPr lang="en-US" dirty="0" smtClean="0"/>
+              <a:t> </a:t>
+            </a:r>
+            <a:r>
+              <a:rPr lang="en-US" dirty="0" err="1" smtClean="0"/>
+              <a:t>varje</a:t>
+            </a:r>
+            <a:r>
+              <a:rPr lang="en-US" dirty="0" smtClean="0"/>
+              <a:t> fil </a:t>
+            </a:r>
+            <a:r>
+              <a:rPr lang="en-US" dirty="0" err="1" smtClean="0"/>
+              <a:t>över</a:t>
+            </a:r>
+            <a:r>
+              <a:rPr lang="en-US" dirty="0" smtClean="0"/>
+              <a:t> </a:t>
+            </a:r>
+            <a:r>
+              <a:rPr lang="en-US" dirty="0" err="1" smtClean="0"/>
+              <a:t>tid</a:t>
+            </a:r>
+            <a:endParaRPr lang="en-US" dirty="0" smtClean="0"/>
           </a:p>
           <a:p>
             <a:endParaRPr lang="sv-SE" dirty="0"/>
@@ -736,7 +937,7 @@
           <a:p>
             <a:fld id="{FFBB3B00-6EC5-46E0-B113-428B4088268D}" type="slidenum">
               <a:rPr lang="sv-SE" smtClean="0"/>
-              <a:t>7</a:t>
+              <a:t>3</a:t>
             </a:fld>
             <a:endParaRPr lang="sv-SE"/>
           </a:p>
@@ -745,7 +946,7 @@
     </p:spTree>
     <p:extLst>
       <p:ext uri="{BB962C8B-B14F-4D97-AF65-F5344CB8AC3E}">
-        <p14:creationId xmlns:p14="http://schemas.microsoft.com/office/powerpoint/2010/main" val="3574361280"/>
+        <p14:creationId xmlns:p14="http://schemas.microsoft.com/office/powerpoint/2010/main" val="4057034256"/>
       </p:ext>
     </p:extLst>
   </p:cSld>
@@ -800,42 +1001,734 @@
           <a:lstStyle/>
           <a:p>
             <a:r>
+              <a:rPr lang="sv-SE" dirty="0" smtClean="0"/>
+              <a:t>Vid varje </a:t>
+            </a:r>
+            <a:r>
+              <a:rPr lang="sv-SE" dirty="0" err="1" smtClean="0"/>
+              <a:t>commit</a:t>
+            </a:r>
+            <a:r>
+              <a:rPr lang="sv-SE" dirty="0" smtClean="0"/>
+              <a:t> lagras</a:t>
+            </a:r>
+            <a:r>
+              <a:rPr lang="sv-SE" baseline="0" dirty="0" smtClean="0"/>
+              <a:t> en ögonblicksbild av hur alla filer ser ut vid det tillfället och lagrar en referens till den ögonblicksbilden. </a:t>
+            </a:r>
+          </a:p>
+          <a:p>
+            <a:r>
+              <a:rPr lang="sv-SE" baseline="0" dirty="0" smtClean="0"/>
+              <a:t>Om en fil inte ändras, sparar bara </a:t>
+            </a:r>
+            <a:r>
+              <a:rPr lang="sv-SE" baseline="0" dirty="0" err="1" smtClean="0"/>
+              <a:t>git</a:t>
+            </a:r>
+            <a:r>
+              <a:rPr lang="sv-SE" baseline="0" dirty="0" smtClean="0"/>
+              <a:t> en </a:t>
+            </a:r>
+            <a:r>
+              <a:rPr lang="sv-SE" baseline="0" dirty="0" err="1" smtClean="0"/>
+              <a:t>länkt</a:t>
+            </a:r>
+            <a:r>
+              <a:rPr lang="sv-SE" baseline="0" dirty="0" smtClean="0"/>
+              <a:t> till den föregående versionen av filen.</a:t>
+            </a:r>
+          </a:p>
+          <a:p>
+            <a:r>
+              <a:rPr lang="sv-SE" baseline="0" dirty="0" smtClean="0"/>
+              <a:t>Git förhåller sig till sitt data som en ström av ögonblicksbilder.</a:t>
+            </a:r>
+          </a:p>
+          <a:p>
+            <a:r>
+              <a:rPr lang="sv-SE" baseline="0" dirty="0" smtClean="0"/>
+              <a:t>Snapshot i </a:t>
+            </a:r>
+            <a:r>
+              <a:rPr lang="sv-SE" baseline="0" dirty="0" err="1" smtClean="0"/>
+              <a:t>git</a:t>
+            </a:r>
+            <a:r>
+              <a:rPr lang="sv-SE" baseline="0" dirty="0" smtClean="0"/>
+              <a:t> är motsvarande revision i SVN.</a:t>
+            </a:r>
+            <a:endParaRPr lang="sv-SE" dirty="0"/>
+          </a:p>
+        </p:txBody>
+      </p:sp>
+      <p:sp>
+        <p:nvSpPr>
+          <p:cNvPr id="4" name="Slide Number Placeholder 3"/>
+          <p:cNvSpPr>
+            <a:spLocks noGrp="1"/>
+          </p:cNvSpPr>
+          <p:nvPr>
+            <p:ph type="sldNum" sz="quarter" idx="10"/>
+          </p:nvPr>
+        </p:nvSpPr>
+        <p:spPr/>
+        <p:txBody>
+          <a:bodyPr/>
+          <a:lstStyle/>
+          <a:p>
+            <a:fld id="{FFBB3B00-6EC5-46E0-B113-428B4088268D}" type="slidenum">
+              <a:rPr lang="sv-SE" smtClean="0"/>
+              <a:t>4</a:t>
+            </a:fld>
+            <a:endParaRPr lang="sv-SE"/>
+          </a:p>
+        </p:txBody>
+      </p:sp>
+    </p:spTree>
+    <p:extLst>
+      <p:ext uri="{BB962C8B-B14F-4D97-AF65-F5344CB8AC3E}">
+        <p14:creationId xmlns:p14="http://schemas.microsoft.com/office/powerpoint/2010/main" val="1196283968"/>
+      </p:ext>
+    </p:extLst>
+  </p:cSld>
+  <p:clrMapOvr>
+    <a:masterClrMapping/>
+  </p:clrMapOvr>
+</p:notes>
+</file>
+
+<file path=ppt/notesSlides/notesSlide4.xml><?xml version="1.0" encoding="utf-8"?>
+<p:notes xmlns:a="http://schemas.openxmlformats.org/drawingml/2006/main" xmlns:r="http://schemas.openxmlformats.org/officeDocument/2006/relationships" xmlns:p="http://schemas.openxmlformats.org/presentationml/2006/main">
+  <p:cSld>
+    <p:spTree>
+      <p:nvGrpSpPr>
+        <p:cNvPr id="1" name=""/>
+        <p:cNvGrpSpPr/>
+        <p:nvPr/>
+      </p:nvGrpSpPr>
+      <p:grpSpPr>
+        <a:xfrm>
+          <a:off x="0" y="0"/>
+          <a:ext cx="0" cy="0"/>
+          <a:chOff x="0" y="0"/>
+          <a:chExt cx="0" cy="0"/>
+        </a:xfrm>
+      </p:grpSpPr>
+      <p:sp>
+        <p:nvSpPr>
+          <p:cNvPr id="2" name="Slide Image Placeholder 1"/>
+          <p:cNvSpPr>
+            <a:spLocks noGrp="1" noRot="1" noChangeAspect="1"/>
+          </p:cNvSpPr>
+          <p:nvPr>
+            <p:ph type="sldImg"/>
+          </p:nvPr>
+        </p:nvSpPr>
+        <p:spPr/>
+      </p:sp>
+      <p:sp>
+        <p:nvSpPr>
+          <p:cNvPr id="3" name="Notes Placeholder 2"/>
+          <p:cNvSpPr>
+            <a:spLocks noGrp="1"/>
+          </p:cNvSpPr>
+          <p:nvPr>
+            <p:ph type="body" idx="1"/>
+          </p:nvPr>
+        </p:nvSpPr>
+        <p:spPr/>
+        <p:txBody>
+          <a:bodyPr/>
+          <a:lstStyle/>
+          <a:p>
+            <a:r>
+              <a:rPr lang="en-US" err="1"/>
+              <a:t>Git</a:t>
+            </a:r>
+            <a:r>
+              <a:rPr lang="en-US"/>
+              <a:t> has integrity built in (everything is check-summed before it is stored and is then </a:t>
+            </a:r>
+            <a:r>
+              <a:rPr lang="en-US" err="1"/>
+              <a:t>reffered</a:t>
+            </a:r>
+            <a:r>
+              <a:rPr lang="en-US"/>
+              <a:t> to by that checksum)</a:t>
+            </a:r>
+          </a:p>
+        </p:txBody>
+      </p:sp>
+      <p:sp>
+        <p:nvSpPr>
+          <p:cNvPr id="4" name="Slide Number Placeholder 3"/>
+          <p:cNvSpPr>
+            <a:spLocks noGrp="1"/>
+          </p:cNvSpPr>
+          <p:nvPr>
+            <p:ph type="sldNum" sz="quarter" idx="10"/>
+          </p:nvPr>
+        </p:nvSpPr>
+        <p:spPr/>
+        <p:txBody>
+          <a:bodyPr/>
+          <a:lstStyle/>
+          <a:p>
+            <a:fld id="{FFBB3B00-6EC5-46E0-B113-428B4088268D}" type="slidenum">
+              <a:rPr lang="sv-SE" smtClean="0"/>
+              <a:t>5</a:t>
+            </a:fld>
+            <a:endParaRPr lang="sv-SE"/>
+          </a:p>
+        </p:txBody>
+      </p:sp>
+    </p:spTree>
+    <p:extLst>
+      <p:ext uri="{BB962C8B-B14F-4D97-AF65-F5344CB8AC3E}">
+        <p14:creationId xmlns:p14="http://schemas.microsoft.com/office/powerpoint/2010/main" val="2846276860"/>
+      </p:ext>
+    </p:extLst>
+  </p:cSld>
+  <p:clrMapOvr>
+    <a:masterClrMapping/>
+  </p:clrMapOvr>
+</p:notes>
+</file>
+
+<file path=ppt/notesSlides/notesSlide5.xml><?xml version="1.0" encoding="utf-8"?>
+<p:notes xmlns:a="http://schemas.openxmlformats.org/drawingml/2006/main" xmlns:r="http://schemas.openxmlformats.org/officeDocument/2006/relationships" xmlns:p="http://schemas.openxmlformats.org/presentationml/2006/main">
+  <p:cSld>
+    <p:spTree>
+      <p:nvGrpSpPr>
+        <p:cNvPr id="1" name=""/>
+        <p:cNvGrpSpPr/>
+        <p:nvPr/>
+      </p:nvGrpSpPr>
+      <p:grpSpPr>
+        <a:xfrm>
+          <a:off x="0" y="0"/>
+          <a:ext cx="0" cy="0"/>
+          <a:chOff x="0" y="0"/>
+          <a:chExt cx="0" cy="0"/>
+        </a:xfrm>
+      </p:grpSpPr>
+      <p:sp>
+        <p:nvSpPr>
+          <p:cNvPr id="2" name="Slide Image Placeholder 1"/>
+          <p:cNvSpPr>
+            <a:spLocks noGrp="1" noRot="1" noChangeAspect="1"/>
+          </p:cNvSpPr>
+          <p:nvPr>
+            <p:ph type="sldImg"/>
+          </p:nvPr>
+        </p:nvSpPr>
+        <p:spPr/>
+      </p:sp>
+      <p:sp>
+        <p:nvSpPr>
+          <p:cNvPr id="3" name="Notes Placeholder 2"/>
+          <p:cNvSpPr>
+            <a:spLocks noGrp="1"/>
+          </p:cNvSpPr>
+          <p:nvPr>
+            <p:ph type="body" idx="1"/>
+          </p:nvPr>
+        </p:nvSpPr>
+        <p:spPr/>
+        <p:txBody>
+          <a:bodyPr/>
+          <a:lstStyle/>
+          <a:p>
+            <a:r>
+              <a:rPr lang="en-US" dirty="0" err="1"/>
+              <a:t>Git</a:t>
+            </a:r>
+            <a:r>
+              <a:rPr lang="en-US" dirty="0"/>
+              <a:t> has integrity built in (everything is check-summed before it is stored and is then </a:t>
+            </a:r>
+            <a:r>
+              <a:rPr lang="en-US" dirty="0" err="1"/>
+              <a:t>reffered</a:t>
+            </a:r>
+            <a:r>
+              <a:rPr lang="en-US" dirty="0"/>
+              <a:t> to by that checksum)</a:t>
+            </a:r>
+          </a:p>
+        </p:txBody>
+      </p:sp>
+      <p:sp>
+        <p:nvSpPr>
+          <p:cNvPr id="4" name="Slide Number Placeholder 3"/>
+          <p:cNvSpPr>
+            <a:spLocks noGrp="1"/>
+          </p:cNvSpPr>
+          <p:nvPr>
+            <p:ph type="sldNum" sz="quarter" idx="10"/>
+          </p:nvPr>
+        </p:nvSpPr>
+        <p:spPr/>
+        <p:txBody>
+          <a:bodyPr/>
+          <a:lstStyle/>
+          <a:p>
+            <a:fld id="{FFBB3B00-6EC5-46E0-B113-428B4088268D}" type="slidenum">
+              <a:rPr lang="sv-SE" smtClean="0"/>
+              <a:t>6</a:t>
+            </a:fld>
+            <a:endParaRPr lang="sv-SE"/>
+          </a:p>
+        </p:txBody>
+      </p:sp>
+    </p:spTree>
+    <p:extLst>
+      <p:ext uri="{BB962C8B-B14F-4D97-AF65-F5344CB8AC3E}">
+        <p14:creationId xmlns:p14="http://schemas.microsoft.com/office/powerpoint/2010/main" val="927241312"/>
+      </p:ext>
+    </p:extLst>
+  </p:cSld>
+  <p:clrMapOvr>
+    <a:masterClrMapping/>
+  </p:clrMapOvr>
+</p:notes>
+</file>
+
+<file path=ppt/notesSlides/notesSlide6.xml><?xml version="1.0" encoding="utf-8"?>
+<p:notes xmlns:a="http://schemas.openxmlformats.org/drawingml/2006/main" xmlns:r="http://schemas.openxmlformats.org/officeDocument/2006/relationships" xmlns:p="http://schemas.openxmlformats.org/presentationml/2006/main">
+  <p:cSld>
+    <p:spTree>
+      <p:nvGrpSpPr>
+        <p:cNvPr id="1" name=""/>
+        <p:cNvGrpSpPr/>
+        <p:nvPr/>
+      </p:nvGrpSpPr>
+      <p:grpSpPr>
+        <a:xfrm>
+          <a:off x="0" y="0"/>
+          <a:ext cx="0" cy="0"/>
+          <a:chOff x="0" y="0"/>
+          <a:chExt cx="0" cy="0"/>
+        </a:xfrm>
+      </p:grpSpPr>
+      <p:sp>
+        <p:nvSpPr>
+          <p:cNvPr id="2" name="Slide Image Placeholder 1"/>
+          <p:cNvSpPr>
+            <a:spLocks noGrp="1" noRot="1" noChangeAspect="1"/>
+          </p:cNvSpPr>
+          <p:nvPr>
+            <p:ph type="sldImg"/>
+          </p:nvPr>
+        </p:nvSpPr>
+        <p:spPr/>
+      </p:sp>
+      <p:sp>
+        <p:nvSpPr>
+          <p:cNvPr id="3" name="Notes Placeholder 2"/>
+          <p:cNvSpPr>
+            <a:spLocks noGrp="1"/>
+          </p:cNvSpPr>
+          <p:nvPr>
+            <p:ph type="body" idx="1"/>
+          </p:nvPr>
+        </p:nvSpPr>
+        <p:spPr/>
+        <p:txBody>
+          <a:bodyPr/>
+          <a:lstStyle/>
+          <a:p>
+            <a:r>
               <a:rPr lang="en-US" dirty="0" smtClean="0"/>
+              <a:t>Committed means that the data is safely stored in your local database. </a:t>
+            </a:r>
+          </a:p>
+          <a:p>
+            <a:r>
+              <a:rPr lang="en-US" dirty="0" smtClean="0"/>
+              <a:t>Modified means that you have changed the file but have not committed it to your database yet. </a:t>
+            </a:r>
+          </a:p>
+          <a:p>
+            <a:r>
+              <a:rPr lang="en-US" dirty="0" smtClean="0"/>
+              <a:t>Staged means that you have marked a modified file in its current version to go into your next commit snapshot.</a:t>
+            </a:r>
+            <a:endParaRPr lang="en-US" dirty="0"/>
+          </a:p>
+        </p:txBody>
+      </p:sp>
+      <p:sp>
+        <p:nvSpPr>
+          <p:cNvPr id="4" name="Slide Number Placeholder 3"/>
+          <p:cNvSpPr>
+            <a:spLocks noGrp="1"/>
+          </p:cNvSpPr>
+          <p:nvPr>
+            <p:ph type="sldNum" sz="quarter" idx="10"/>
+          </p:nvPr>
+        </p:nvSpPr>
+        <p:spPr/>
+        <p:txBody>
+          <a:bodyPr/>
+          <a:lstStyle/>
+          <a:p>
+            <a:fld id="{FFBB3B00-6EC5-46E0-B113-428B4088268D}" type="slidenum">
+              <a:rPr lang="sv-SE" smtClean="0"/>
+              <a:t>7</a:t>
+            </a:fld>
+            <a:endParaRPr lang="sv-SE"/>
+          </a:p>
+        </p:txBody>
+      </p:sp>
+    </p:spTree>
+    <p:extLst>
+      <p:ext uri="{BB962C8B-B14F-4D97-AF65-F5344CB8AC3E}">
+        <p14:creationId xmlns:p14="http://schemas.microsoft.com/office/powerpoint/2010/main" val="927241312"/>
+      </p:ext>
+    </p:extLst>
+  </p:cSld>
+  <p:clrMapOvr>
+    <a:masterClrMapping/>
+  </p:clrMapOvr>
+</p:notes>
+</file>
+
+<file path=ppt/notesSlides/notesSlide7.xml><?xml version="1.0" encoding="utf-8"?>
+<p:notes xmlns:a="http://schemas.openxmlformats.org/drawingml/2006/main" xmlns:r="http://schemas.openxmlformats.org/officeDocument/2006/relationships" xmlns:p="http://schemas.openxmlformats.org/presentationml/2006/main">
+  <p:cSld>
+    <p:spTree>
+      <p:nvGrpSpPr>
+        <p:cNvPr id="1" name=""/>
+        <p:cNvGrpSpPr/>
+        <p:nvPr/>
+      </p:nvGrpSpPr>
+      <p:grpSpPr>
+        <a:xfrm>
+          <a:off x="0" y="0"/>
+          <a:ext cx="0" cy="0"/>
+          <a:chOff x="0" y="0"/>
+          <a:chExt cx="0" cy="0"/>
+        </a:xfrm>
+      </p:grpSpPr>
+      <p:sp>
+        <p:nvSpPr>
+          <p:cNvPr id="2" name="Slide Image Placeholder 1"/>
+          <p:cNvSpPr>
+            <a:spLocks noGrp="1" noRot="1" noChangeAspect="1"/>
+          </p:cNvSpPr>
+          <p:nvPr>
+            <p:ph type="sldImg"/>
+          </p:nvPr>
+        </p:nvSpPr>
+        <p:spPr/>
+      </p:sp>
+      <p:sp>
+        <p:nvSpPr>
+          <p:cNvPr id="3" name="Notes Placeholder 2"/>
+          <p:cNvSpPr>
+            <a:spLocks noGrp="1"/>
+          </p:cNvSpPr>
+          <p:nvPr>
+            <p:ph type="body" idx="1"/>
+          </p:nvPr>
+        </p:nvSpPr>
+        <p:spPr/>
+        <p:txBody>
+          <a:bodyPr/>
+          <a:lstStyle/>
+          <a:p>
+            <a:r>
+              <a:rPr lang="en-US"/>
               <a:t>This</a:t>
             </a:r>
             <a:r>
-              <a:rPr lang="en-US" baseline="0" dirty="0" smtClean="0"/>
+              <a:rPr lang="en-US" baseline="0"/>
               <a:t> slide might not be needed</a:t>
             </a:r>
           </a:p>
           <a:p>
             <a:r>
-              <a:rPr lang="en-US" dirty="0" smtClean="0"/>
+              <a:rPr lang="en-US"/>
               <a:t>You modify files in your working directory.</a:t>
             </a:r>
           </a:p>
           <a:p>
             <a:r>
-              <a:rPr lang="en-US" dirty="0" smtClean="0"/>
+              <a:rPr lang="en-US"/>
               <a:t>You stage the files, adding snapshots of them to your staging area.</a:t>
             </a:r>
           </a:p>
           <a:p>
             <a:r>
-              <a:rPr lang="en-US" dirty="0" smtClean="0"/>
+              <a:rPr lang="en-US"/>
               <a:t>You do a commit, which takes the files as they are in the staging area and stores that snapshot permanently to your </a:t>
             </a:r>
             <a:r>
-              <a:rPr lang="en-US" dirty="0" err="1" smtClean="0"/>
+              <a:rPr lang="en-US" err="1"/>
               <a:t>Git</a:t>
             </a:r>
             <a:r>
-              <a:rPr lang="en-US" dirty="0" smtClean="0"/>
+              <a:rPr lang="en-US"/>
               <a:t> directory.</a:t>
             </a:r>
           </a:p>
           <a:p>
+            <a:endParaRPr lang="sv-SE"/>
+          </a:p>
+        </p:txBody>
+      </p:sp>
+      <p:sp>
+        <p:nvSpPr>
+          <p:cNvPr id="4" name="Slide Number Placeholder 3"/>
+          <p:cNvSpPr>
+            <a:spLocks noGrp="1"/>
+          </p:cNvSpPr>
+          <p:nvPr>
+            <p:ph type="sldNum" sz="quarter" idx="10"/>
+          </p:nvPr>
+        </p:nvSpPr>
+        <p:spPr/>
+        <p:txBody>
+          <a:bodyPr/>
+          <a:lstStyle/>
+          <a:p>
+            <a:fld id="{FFBB3B00-6EC5-46E0-B113-428B4088268D}" type="slidenum">
+              <a:rPr lang="sv-SE" smtClean="0"/>
+              <a:t>8</a:t>
+            </a:fld>
+            <a:endParaRPr lang="sv-SE"/>
+          </a:p>
+        </p:txBody>
+      </p:sp>
+    </p:spTree>
+    <p:extLst>
+      <p:ext uri="{BB962C8B-B14F-4D97-AF65-F5344CB8AC3E}">
+        <p14:creationId xmlns:p14="http://schemas.microsoft.com/office/powerpoint/2010/main" val="218841991"/>
+      </p:ext>
+    </p:extLst>
+  </p:cSld>
+  <p:clrMapOvr>
+    <a:masterClrMapping/>
+  </p:clrMapOvr>
+</p:notes>
+</file>
+
+<file path=ppt/notesSlides/notesSlide8.xml><?xml version="1.0" encoding="utf-8"?>
+<p:notes xmlns:a="http://schemas.openxmlformats.org/drawingml/2006/main" xmlns:r="http://schemas.openxmlformats.org/officeDocument/2006/relationships" xmlns:p="http://schemas.openxmlformats.org/presentationml/2006/main">
+  <p:cSld>
+    <p:spTree>
+      <p:nvGrpSpPr>
+        <p:cNvPr id="1" name=""/>
+        <p:cNvGrpSpPr/>
+        <p:nvPr/>
+      </p:nvGrpSpPr>
+      <p:grpSpPr>
+        <a:xfrm>
+          <a:off x="0" y="0"/>
+          <a:ext cx="0" cy="0"/>
+          <a:chOff x="0" y="0"/>
+          <a:chExt cx="0" cy="0"/>
+        </a:xfrm>
+      </p:grpSpPr>
+      <p:sp>
+        <p:nvSpPr>
+          <p:cNvPr id="2" name="Slide Image Placeholder 1"/>
+          <p:cNvSpPr>
+            <a:spLocks noGrp="1" noRot="1" noChangeAspect="1"/>
+          </p:cNvSpPr>
+          <p:nvPr>
+            <p:ph type="sldImg"/>
+          </p:nvPr>
+        </p:nvSpPr>
+        <p:spPr/>
+      </p:sp>
+      <p:sp>
+        <p:nvSpPr>
+          <p:cNvPr id="3" name="Notes Placeholder 2"/>
+          <p:cNvSpPr>
+            <a:spLocks noGrp="1"/>
+          </p:cNvSpPr>
+          <p:nvPr>
+            <p:ph type="body" idx="1"/>
+          </p:nvPr>
+        </p:nvSpPr>
+        <p:spPr/>
+        <p:txBody>
+          <a:bodyPr/>
+          <a:lstStyle/>
+          <a:p>
             <a:endParaRPr lang="sv-SE" dirty="0"/>
+          </a:p>
+        </p:txBody>
+      </p:sp>
+      <p:sp>
+        <p:nvSpPr>
+          <p:cNvPr id="4" name="Slide Number Placeholder 3"/>
+          <p:cNvSpPr>
+            <a:spLocks noGrp="1"/>
+          </p:cNvSpPr>
+          <p:nvPr>
+            <p:ph type="sldNum" sz="quarter" idx="10"/>
+          </p:nvPr>
+        </p:nvSpPr>
+        <p:spPr/>
+        <p:txBody>
+          <a:bodyPr/>
+          <a:lstStyle/>
+          <a:p>
+            <a:fld id="{FFBB3B00-6EC5-46E0-B113-428B4088268D}" type="slidenum">
+              <a:rPr lang="sv-SE" smtClean="0"/>
+              <a:t>9</a:t>
+            </a:fld>
+            <a:endParaRPr lang="sv-SE"/>
+          </a:p>
+        </p:txBody>
+      </p:sp>
+    </p:spTree>
+    <p:extLst>
+      <p:ext uri="{BB962C8B-B14F-4D97-AF65-F5344CB8AC3E}">
+        <p14:creationId xmlns:p14="http://schemas.microsoft.com/office/powerpoint/2010/main" val="1996492299"/>
+      </p:ext>
+    </p:extLst>
+  </p:cSld>
+  <p:clrMapOvr>
+    <a:masterClrMapping/>
+  </p:clrMapOvr>
+</p:notes>
+</file>
+
+<file path=ppt/notesSlides/notesSlide9.xml><?xml version="1.0" encoding="utf-8"?>
+<p:notes xmlns:a="http://schemas.openxmlformats.org/drawingml/2006/main" xmlns:r="http://schemas.openxmlformats.org/officeDocument/2006/relationships" xmlns:p="http://schemas.openxmlformats.org/presentationml/2006/main">
+  <p:cSld>
+    <p:spTree>
+      <p:nvGrpSpPr>
+        <p:cNvPr id="1" name=""/>
+        <p:cNvGrpSpPr/>
+        <p:nvPr/>
+      </p:nvGrpSpPr>
+      <p:grpSpPr>
+        <a:xfrm>
+          <a:off x="0" y="0"/>
+          <a:ext cx="0" cy="0"/>
+          <a:chOff x="0" y="0"/>
+          <a:chExt cx="0" cy="0"/>
+        </a:xfrm>
+      </p:grpSpPr>
+      <p:sp>
+        <p:nvSpPr>
+          <p:cNvPr id="2" name="Slide Image Placeholder 1"/>
+          <p:cNvSpPr>
+            <a:spLocks noGrp="1" noRot="1" noChangeAspect="1"/>
+          </p:cNvSpPr>
+          <p:nvPr>
+            <p:ph type="sldImg"/>
+          </p:nvPr>
+        </p:nvSpPr>
+        <p:spPr/>
+      </p:sp>
+      <p:sp>
+        <p:nvSpPr>
+          <p:cNvPr id="3" name="Notes Placeholder 2"/>
+          <p:cNvSpPr>
+            <a:spLocks noGrp="1"/>
+          </p:cNvSpPr>
+          <p:nvPr>
+            <p:ph type="body" idx="1"/>
+          </p:nvPr>
+        </p:nvSpPr>
+        <p:spPr/>
+        <p:txBody>
+          <a:bodyPr/>
+          <a:lstStyle/>
+          <a:p>
+            <a:r>
+              <a:rPr lang="en-US" b="1"/>
+              <a:t>Split work into separate commits.</a:t>
+            </a:r>
+            <a:r>
+              <a:rPr lang="en-US"/>
+              <a:t> You've probably many times opened a file to write a single-line fix, but at the same time you spotted that the formatting was wrong, some documentation could be improved, or some other unrelated fix. With other </a:t>
+            </a:r>
+            <a:r>
+              <a:rPr lang="en-US" err="1"/>
+              <a:t>RCSes</a:t>
+            </a:r>
+            <a:r>
+              <a:rPr lang="en-US"/>
+              <a:t> you'd have to write that down or commit it to memory, finish the fix you came for, commit that, and then return to fix the other stuff (or create a ball-of-mud commit with unrelated stuff). With </a:t>
+            </a:r>
+            <a:r>
+              <a:rPr lang="en-US" err="1"/>
+              <a:t>Git</a:t>
+            </a:r>
+            <a:r>
+              <a:rPr lang="en-US"/>
+              <a:t> you just fix all of it at once, and </a:t>
+            </a:r>
+            <a:r>
+              <a:rPr lang="en-US" err="1"/>
+              <a:t>stage+commit</a:t>
+            </a:r>
+            <a:r>
+              <a:rPr lang="en-US"/>
+              <a:t> the single line separately, with </a:t>
+            </a:r>
+            <a:r>
+              <a:rPr lang="en-US" err="1"/>
+              <a:t>git</a:t>
+            </a:r>
+            <a:r>
+              <a:rPr lang="en-US"/>
+              <a:t> add -</a:t>
+            </a:r>
+            <a:r>
+              <a:rPr lang="en-US" err="1"/>
+              <a:t>i</a:t>
+            </a:r>
+            <a:r>
+              <a:rPr lang="en-US"/>
+              <a:t> or </a:t>
+            </a:r>
+            <a:r>
+              <a:rPr lang="en-US" err="1"/>
+              <a:t>git-gui</a:t>
+            </a:r>
+            <a:r>
+              <a:rPr lang="en-US"/>
+              <a:t>.</a:t>
+            </a:r>
+          </a:p>
+          <a:p>
+            <a:r>
+              <a:rPr lang="en-US" b="1"/>
+              <a:t>Don't break the build.</a:t>
+            </a:r>
+            <a:r>
+              <a:rPr lang="en-US"/>
+              <a:t> You're working on a complicated modification. So you try different things, some of which work better than others, some which break things. With </a:t>
+            </a:r>
+            <a:r>
+              <a:rPr lang="en-US" err="1"/>
+              <a:t>Git</a:t>
+            </a:r>
+            <a:r>
+              <a:rPr lang="en-US"/>
+              <a:t> you'd stage things when the modification made things better, and checkout (or tweak some more) when the modification didn't work. You won't have to rely on the editor's undo functionality, you can checkout the entire repo instead of just file-by-file, and any file-level mistakes (such as removing a file that has not been committed or </a:t>
+            </a:r>
+            <a:r>
+              <a:rPr lang="en-US" err="1"/>
+              <a:t>saving+closing</a:t>
+            </a:r>
+            <a:r>
+              <a:rPr lang="en-US"/>
+              <a:t> after a bad modification) does not lead to lots of work lost.</a:t>
+            </a:r>
+          </a:p>
+          <a:p>
+            <a:endParaRPr lang="sv-SE"/>
           </a:p>
         </p:txBody>
       </p:sp>
@@ -865,7 +1758,7 @@
     </p:spTree>
     <p:extLst>
       <p:ext uri="{BB962C8B-B14F-4D97-AF65-F5344CB8AC3E}">
-        <p14:creationId xmlns:p14="http://schemas.microsoft.com/office/powerpoint/2010/main" val="218841991"/>
+        <p14:creationId xmlns:p14="http://schemas.microsoft.com/office/powerpoint/2010/main" val="3574361280"/>
       </p:ext>
     </p:extLst>
   </p:cSld>
@@ -913,7 +1806,7 @@
           <a:lstStyle/>
           <a:p>
             <a:r>
-              <a:rPr lang="en-US" smtClean="0"/>
+              <a:rPr lang="en-US"/>
               <a:t>Click to edit Master title style</a:t>
             </a:r>
             <a:endParaRPr lang="sv-SE"/>
@@ -1032,7 +1925,7 @@
           </a:lstStyle>
           <a:p>
             <a:r>
-              <a:rPr lang="en-US" smtClean="0"/>
+              <a:rPr lang="en-US"/>
               <a:t>Click to edit Master subtitle style</a:t>
             </a:r>
             <a:endParaRPr lang="sv-SE"/>
@@ -1056,7 +1949,7 @@
           <a:p>
             <a:fld id="{B67DDF3B-85C2-4249-B808-FD60DCFF80C1}" type="datetimeFigureOut">
               <a:rPr lang="sv-SE" smtClean="0"/>
-              <a:t>2016-11-16</a:t>
+              <a:t>2017-01-11</a:t>
             </a:fld>
             <a:endParaRPr lang="sv-SE"/>
           </a:p>
@@ -1150,7 +2043,7 @@
           <a:lstStyle/>
           <a:p>
             <a:r>
-              <a:rPr lang="en-US" smtClean="0"/>
+              <a:rPr lang="en-US"/>
               <a:t>Click to edit Master title style</a:t>
             </a:r>
             <a:endParaRPr lang="sv-SE"/>
@@ -1174,35 +2067,35 @@
           <a:p>
             <a:pPr lvl="0"/>
             <a:r>
-              <a:rPr lang="en-US" smtClean="0"/>
+              <a:rPr lang="en-US"/>
               <a:t>Click to edit Master text styles</a:t>
             </a:r>
           </a:p>
           <a:p>
             <a:pPr lvl="1"/>
             <a:r>
-              <a:rPr lang="en-US" smtClean="0"/>
+              <a:rPr lang="en-US"/>
               <a:t>Second level</a:t>
             </a:r>
           </a:p>
           <a:p>
             <a:pPr lvl="2"/>
             <a:r>
-              <a:rPr lang="en-US" smtClean="0"/>
+              <a:rPr lang="en-US"/>
               <a:t>Third level</a:t>
             </a:r>
           </a:p>
           <a:p>
             <a:pPr lvl="3"/>
             <a:r>
-              <a:rPr lang="en-US" smtClean="0"/>
+              <a:rPr lang="en-US"/>
               <a:t>Fourth level</a:t>
             </a:r>
           </a:p>
           <a:p>
             <a:pPr lvl="4"/>
             <a:r>
-              <a:rPr lang="en-US" smtClean="0"/>
+              <a:rPr lang="en-US"/>
               <a:t>Fifth level</a:t>
             </a:r>
             <a:endParaRPr lang="sv-SE"/>
@@ -1226,7 +2119,7 @@
           <a:p>
             <a:fld id="{B67DDF3B-85C2-4249-B808-FD60DCFF80C1}" type="datetimeFigureOut">
               <a:rPr lang="sv-SE" smtClean="0"/>
-              <a:t>2016-11-16</a:t>
+              <a:t>2017-01-11</a:t>
             </a:fld>
             <a:endParaRPr lang="sv-SE"/>
           </a:p>
@@ -1325,7 +2218,7 @@
           <a:lstStyle/>
           <a:p>
             <a:r>
-              <a:rPr lang="en-US" smtClean="0"/>
+              <a:rPr lang="en-US"/>
               <a:t>Click to edit Master title style</a:t>
             </a:r>
             <a:endParaRPr lang="sv-SE"/>
@@ -1354,35 +2247,35 @@
           <a:p>
             <a:pPr lvl="0"/>
             <a:r>
-              <a:rPr lang="en-US" smtClean="0"/>
+              <a:rPr lang="en-US"/>
               <a:t>Click to edit Master text styles</a:t>
             </a:r>
           </a:p>
           <a:p>
             <a:pPr lvl="1"/>
             <a:r>
-              <a:rPr lang="en-US" smtClean="0"/>
+              <a:rPr lang="en-US"/>
               <a:t>Second level</a:t>
             </a:r>
           </a:p>
           <a:p>
             <a:pPr lvl="2"/>
             <a:r>
-              <a:rPr lang="en-US" smtClean="0"/>
+              <a:rPr lang="en-US"/>
               <a:t>Third level</a:t>
             </a:r>
           </a:p>
           <a:p>
             <a:pPr lvl="3"/>
             <a:r>
-              <a:rPr lang="en-US" smtClean="0"/>
+              <a:rPr lang="en-US"/>
               <a:t>Fourth level</a:t>
             </a:r>
           </a:p>
           <a:p>
             <a:pPr lvl="4"/>
             <a:r>
-              <a:rPr lang="en-US" smtClean="0"/>
+              <a:rPr lang="en-US"/>
               <a:t>Fifth level</a:t>
             </a:r>
             <a:endParaRPr lang="sv-SE"/>
@@ -1406,7 +2299,7 @@
           <a:p>
             <a:fld id="{B67DDF3B-85C2-4249-B808-FD60DCFF80C1}" type="datetimeFigureOut">
               <a:rPr lang="sv-SE" smtClean="0"/>
-              <a:t>2016-11-16</a:t>
+              <a:t>2017-01-11</a:t>
             </a:fld>
             <a:endParaRPr lang="sv-SE"/>
           </a:p>
@@ -1500,7 +2393,7 @@
           <a:lstStyle/>
           <a:p>
             <a:r>
-              <a:rPr lang="en-US" smtClean="0"/>
+              <a:rPr lang="en-US"/>
               <a:t>Click to edit Master title style</a:t>
             </a:r>
             <a:endParaRPr lang="sv-SE"/>
@@ -1524,35 +2417,35 @@
           <a:p>
             <a:pPr lvl="0"/>
             <a:r>
-              <a:rPr lang="en-US" smtClean="0"/>
+              <a:rPr lang="en-US"/>
               <a:t>Click to edit Master text styles</a:t>
             </a:r>
           </a:p>
           <a:p>
             <a:pPr lvl="1"/>
             <a:r>
-              <a:rPr lang="en-US" smtClean="0"/>
+              <a:rPr lang="en-US"/>
               <a:t>Second level</a:t>
             </a:r>
           </a:p>
           <a:p>
             <a:pPr lvl="2"/>
             <a:r>
-              <a:rPr lang="en-US" smtClean="0"/>
+              <a:rPr lang="en-US"/>
               <a:t>Third level</a:t>
             </a:r>
           </a:p>
           <a:p>
             <a:pPr lvl="3"/>
             <a:r>
-              <a:rPr lang="en-US" smtClean="0"/>
+              <a:rPr lang="en-US"/>
               <a:t>Fourth level</a:t>
             </a:r>
           </a:p>
           <a:p>
             <a:pPr lvl="4"/>
             <a:r>
-              <a:rPr lang="en-US" smtClean="0"/>
+              <a:rPr lang="en-US"/>
               <a:t>Fifth level</a:t>
             </a:r>
             <a:endParaRPr lang="sv-SE"/>
@@ -1576,7 +2469,7 @@
           <a:p>
             <a:fld id="{B67DDF3B-85C2-4249-B808-FD60DCFF80C1}" type="datetimeFigureOut">
               <a:rPr lang="sv-SE" smtClean="0"/>
-              <a:t>2016-11-16</a:t>
+              <a:t>2017-01-11</a:t>
             </a:fld>
             <a:endParaRPr lang="sv-SE"/>
           </a:p>
@@ -1679,7 +2572,7 @@
           </a:lstStyle>
           <a:p>
             <a:r>
-              <a:rPr lang="en-US" smtClean="0"/>
+              <a:rPr lang="en-US"/>
               <a:t>Click to edit Master title style</a:t>
             </a:r>
             <a:endParaRPr lang="sv-SE"/>
@@ -1799,7 +2692,7 @@
           <a:p>
             <a:pPr lvl="0"/>
             <a:r>
-              <a:rPr lang="en-US" smtClean="0"/>
+              <a:rPr lang="en-US"/>
               <a:t>Click to edit Master text styles</a:t>
             </a:r>
           </a:p>
@@ -1822,7 +2715,7 @@
           <a:p>
             <a:fld id="{B67DDF3B-85C2-4249-B808-FD60DCFF80C1}" type="datetimeFigureOut">
               <a:rPr lang="sv-SE" smtClean="0"/>
-              <a:t>2016-11-16</a:t>
+              <a:t>2017-01-11</a:t>
             </a:fld>
             <a:endParaRPr lang="sv-SE"/>
           </a:p>
@@ -1916,7 +2809,7 @@
           <a:lstStyle/>
           <a:p>
             <a:r>
-              <a:rPr lang="en-US" smtClean="0"/>
+              <a:rPr lang="en-US"/>
               <a:t>Click to edit Master title style</a:t>
             </a:r>
             <a:endParaRPr lang="sv-SE"/>
@@ -1973,35 +2866,35 @@
           <a:p>
             <a:pPr lvl="0"/>
             <a:r>
-              <a:rPr lang="en-US" smtClean="0"/>
+              <a:rPr lang="en-US"/>
               <a:t>Click to edit Master text styles</a:t>
             </a:r>
           </a:p>
           <a:p>
             <a:pPr lvl="1"/>
             <a:r>
-              <a:rPr lang="en-US" smtClean="0"/>
+              <a:rPr lang="en-US"/>
               <a:t>Second level</a:t>
             </a:r>
           </a:p>
           <a:p>
             <a:pPr lvl="2"/>
             <a:r>
-              <a:rPr lang="en-US" smtClean="0"/>
+              <a:rPr lang="en-US"/>
               <a:t>Third level</a:t>
             </a:r>
           </a:p>
           <a:p>
             <a:pPr lvl="3"/>
             <a:r>
-              <a:rPr lang="en-US" smtClean="0"/>
+              <a:rPr lang="en-US"/>
               <a:t>Fourth level</a:t>
             </a:r>
           </a:p>
           <a:p>
             <a:pPr lvl="4"/>
             <a:r>
-              <a:rPr lang="en-US" smtClean="0"/>
+              <a:rPr lang="en-US"/>
               <a:t>Fifth level</a:t>
             </a:r>
             <a:endParaRPr lang="sv-SE"/>
@@ -2058,35 +2951,35 @@
           <a:p>
             <a:pPr lvl="0"/>
             <a:r>
-              <a:rPr lang="en-US" smtClean="0"/>
+              <a:rPr lang="en-US"/>
               <a:t>Click to edit Master text styles</a:t>
             </a:r>
           </a:p>
           <a:p>
             <a:pPr lvl="1"/>
             <a:r>
-              <a:rPr lang="en-US" smtClean="0"/>
+              <a:rPr lang="en-US"/>
               <a:t>Second level</a:t>
             </a:r>
           </a:p>
           <a:p>
             <a:pPr lvl="2"/>
             <a:r>
-              <a:rPr lang="en-US" smtClean="0"/>
+              <a:rPr lang="en-US"/>
               <a:t>Third level</a:t>
             </a:r>
           </a:p>
           <a:p>
             <a:pPr lvl="3"/>
             <a:r>
-              <a:rPr lang="en-US" smtClean="0"/>
+              <a:rPr lang="en-US"/>
               <a:t>Fourth level</a:t>
             </a:r>
           </a:p>
           <a:p>
             <a:pPr lvl="4"/>
             <a:r>
-              <a:rPr lang="en-US" smtClean="0"/>
+              <a:rPr lang="en-US"/>
               <a:t>Fifth level</a:t>
             </a:r>
             <a:endParaRPr lang="sv-SE"/>
@@ -2110,7 +3003,7 @@
           <a:p>
             <a:fld id="{B67DDF3B-85C2-4249-B808-FD60DCFF80C1}" type="datetimeFigureOut">
               <a:rPr lang="sv-SE" smtClean="0"/>
-              <a:t>2016-11-16</a:t>
+              <a:t>2017-01-11</a:t>
             </a:fld>
             <a:endParaRPr lang="sv-SE"/>
           </a:p>
@@ -2208,7 +3101,7 @@
           </a:lstStyle>
           <a:p>
             <a:r>
-              <a:rPr lang="en-US" smtClean="0"/>
+              <a:rPr lang="en-US"/>
               <a:t>Click to edit Master title style</a:t>
             </a:r>
             <a:endParaRPr lang="sv-SE"/>
@@ -2274,7 +3167,7 @@
           <a:p>
             <a:pPr lvl="0"/>
             <a:r>
-              <a:rPr lang="en-US" smtClean="0"/>
+              <a:rPr lang="en-US"/>
               <a:t>Click to edit Master text styles</a:t>
             </a:r>
           </a:p>
@@ -2330,35 +3223,35 @@
           <a:p>
             <a:pPr lvl="0"/>
             <a:r>
-              <a:rPr lang="en-US" smtClean="0"/>
+              <a:rPr lang="en-US"/>
               <a:t>Click to edit Master text styles</a:t>
             </a:r>
           </a:p>
           <a:p>
             <a:pPr lvl="1"/>
             <a:r>
-              <a:rPr lang="en-US" smtClean="0"/>
+              <a:rPr lang="en-US"/>
               <a:t>Second level</a:t>
             </a:r>
           </a:p>
           <a:p>
             <a:pPr lvl="2"/>
             <a:r>
-              <a:rPr lang="en-US" smtClean="0"/>
+              <a:rPr lang="en-US"/>
               <a:t>Third level</a:t>
             </a:r>
           </a:p>
           <a:p>
             <a:pPr lvl="3"/>
             <a:r>
-              <a:rPr lang="en-US" smtClean="0"/>
+              <a:rPr lang="en-US"/>
               <a:t>Fourth level</a:t>
             </a:r>
           </a:p>
           <a:p>
             <a:pPr lvl="4"/>
             <a:r>
-              <a:rPr lang="en-US" smtClean="0"/>
+              <a:rPr lang="en-US"/>
               <a:t>Fifth level</a:t>
             </a:r>
             <a:endParaRPr lang="sv-SE"/>
@@ -2424,7 +3317,7 @@
           <a:p>
             <a:pPr lvl="0"/>
             <a:r>
-              <a:rPr lang="en-US" smtClean="0"/>
+              <a:rPr lang="en-US"/>
               <a:t>Click to edit Master text styles</a:t>
             </a:r>
           </a:p>
@@ -2480,35 +3373,35 @@
           <a:p>
             <a:pPr lvl="0"/>
             <a:r>
-              <a:rPr lang="en-US" smtClean="0"/>
+              <a:rPr lang="en-US"/>
               <a:t>Click to edit Master text styles</a:t>
             </a:r>
           </a:p>
           <a:p>
             <a:pPr lvl="1"/>
             <a:r>
-              <a:rPr lang="en-US" smtClean="0"/>
+              <a:rPr lang="en-US"/>
               <a:t>Second level</a:t>
             </a:r>
           </a:p>
           <a:p>
             <a:pPr lvl="2"/>
             <a:r>
-              <a:rPr lang="en-US" smtClean="0"/>
+              <a:rPr lang="en-US"/>
               <a:t>Third level</a:t>
             </a:r>
           </a:p>
           <a:p>
             <a:pPr lvl="3"/>
             <a:r>
-              <a:rPr lang="en-US" smtClean="0"/>
+              <a:rPr lang="en-US"/>
               <a:t>Fourth level</a:t>
             </a:r>
           </a:p>
           <a:p>
             <a:pPr lvl="4"/>
             <a:r>
-              <a:rPr lang="en-US" smtClean="0"/>
+              <a:rPr lang="en-US"/>
               <a:t>Fifth level</a:t>
             </a:r>
             <a:endParaRPr lang="sv-SE"/>
@@ -2532,7 +3425,7 @@
           <a:p>
             <a:fld id="{B67DDF3B-85C2-4249-B808-FD60DCFF80C1}" type="datetimeFigureOut">
               <a:rPr lang="sv-SE" smtClean="0"/>
-              <a:t>2016-11-16</a:t>
+              <a:t>2017-01-11</a:t>
             </a:fld>
             <a:endParaRPr lang="sv-SE"/>
           </a:p>
@@ -2626,7 +3519,7 @@
           <a:lstStyle/>
           <a:p>
             <a:r>
-              <a:rPr lang="en-US" smtClean="0"/>
+              <a:rPr lang="en-US"/>
               <a:t>Click to edit Master title style</a:t>
             </a:r>
             <a:endParaRPr lang="sv-SE"/>
@@ -2650,7 +3543,7 @@
           <a:p>
             <a:fld id="{B67DDF3B-85C2-4249-B808-FD60DCFF80C1}" type="datetimeFigureOut">
               <a:rPr lang="sv-SE" smtClean="0"/>
-              <a:t>2016-11-16</a:t>
+              <a:t>2017-01-11</a:t>
             </a:fld>
             <a:endParaRPr lang="sv-SE"/>
           </a:p>
@@ -2745,7 +3638,7 @@
           <a:p>
             <a:fld id="{B67DDF3B-85C2-4249-B808-FD60DCFF80C1}" type="datetimeFigureOut">
               <a:rPr lang="sv-SE" smtClean="0"/>
-              <a:t>2016-11-16</a:t>
+              <a:t>2017-01-11</a:t>
             </a:fld>
             <a:endParaRPr lang="sv-SE"/>
           </a:p>
@@ -2848,7 +3741,7 @@
           </a:lstStyle>
           <a:p>
             <a:r>
-              <a:rPr lang="en-US" smtClean="0"/>
+              <a:rPr lang="en-US"/>
               <a:t>Click to edit Master title style</a:t>
             </a:r>
             <a:endParaRPr lang="sv-SE"/>
@@ -2905,35 +3798,35 @@
           <a:p>
             <a:pPr lvl="0"/>
             <a:r>
-              <a:rPr lang="en-US" smtClean="0"/>
+              <a:rPr lang="en-US"/>
               <a:t>Click to edit Master text styles</a:t>
             </a:r>
           </a:p>
           <a:p>
             <a:pPr lvl="1"/>
             <a:r>
-              <a:rPr lang="en-US" smtClean="0"/>
+              <a:rPr lang="en-US"/>
               <a:t>Second level</a:t>
             </a:r>
           </a:p>
           <a:p>
             <a:pPr lvl="2"/>
             <a:r>
-              <a:rPr lang="en-US" smtClean="0"/>
+              <a:rPr lang="en-US"/>
               <a:t>Third level</a:t>
             </a:r>
           </a:p>
           <a:p>
             <a:pPr lvl="3"/>
             <a:r>
-              <a:rPr lang="en-US" smtClean="0"/>
+              <a:rPr lang="en-US"/>
               <a:t>Fourth level</a:t>
             </a:r>
           </a:p>
           <a:p>
             <a:pPr lvl="4"/>
             <a:r>
-              <a:rPr lang="en-US" smtClean="0"/>
+              <a:rPr lang="en-US"/>
               <a:t>Fifth level</a:t>
             </a:r>
             <a:endParaRPr lang="sv-SE"/>
@@ -2999,7 +3892,7 @@
           <a:p>
             <a:pPr lvl="0"/>
             <a:r>
-              <a:rPr lang="en-US" smtClean="0"/>
+              <a:rPr lang="en-US"/>
               <a:t>Click to edit Master text styles</a:t>
             </a:r>
           </a:p>
@@ -3022,7 +3915,7 @@
           <a:p>
             <a:fld id="{B67DDF3B-85C2-4249-B808-FD60DCFF80C1}" type="datetimeFigureOut">
               <a:rPr lang="sv-SE" smtClean="0"/>
-              <a:t>2016-11-16</a:t>
+              <a:t>2017-01-11</a:t>
             </a:fld>
             <a:endParaRPr lang="sv-SE"/>
           </a:p>
@@ -3125,7 +4018,7 @@
           </a:lstStyle>
           <a:p>
             <a:r>
-              <a:rPr lang="en-US" smtClean="0"/>
+              <a:rPr lang="en-US"/>
               <a:t>Click to edit Master title style</a:t>
             </a:r>
             <a:endParaRPr lang="sv-SE"/>
@@ -3252,7 +4145,7 @@
           <a:p>
             <a:pPr lvl="0"/>
             <a:r>
-              <a:rPr lang="en-US" smtClean="0"/>
+              <a:rPr lang="en-US"/>
               <a:t>Click to edit Master text styles</a:t>
             </a:r>
           </a:p>
@@ -3275,7 +4168,7 @@
           <a:p>
             <a:fld id="{B67DDF3B-85C2-4249-B808-FD60DCFF80C1}" type="datetimeFigureOut">
               <a:rPr lang="sv-SE" smtClean="0"/>
-              <a:t>2016-11-16</a:t>
+              <a:t>2017-01-11</a:t>
             </a:fld>
             <a:endParaRPr lang="sv-SE"/>
           </a:p>
@@ -3384,7 +4277,7 @@
           <a:lstStyle/>
           <a:p>
             <a:r>
-              <a:rPr lang="en-US" smtClean="0"/>
+              <a:rPr lang="en-US"/>
               <a:t>Click to edit Master title style</a:t>
             </a:r>
             <a:endParaRPr lang="sv-SE"/>
@@ -3418,35 +4311,35 @@
           <a:p>
             <a:pPr lvl="0"/>
             <a:r>
-              <a:rPr lang="en-US" smtClean="0"/>
+              <a:rPr lang="en-US"/>
               <a:t>Click to edit Master text styles</a:t>
             </a:r>
           </a:p>
           <a:p>
             <a:pPr lvl="1"/>
             <a:r>
-              <a:rPr lang="en-US" smtClean="0"/>
+              <a:rPr lang="en-US"/>
               <a:t>Second level</a:t>
             </a:r>
           </a:p>
           <a:p>
             <a:pPr lvl="2"/>
             <a:r>
-              <a:rPr lang="en-US" smtClean="0"/>
+              <a:rPr lang="en-US"/>
               <a:t>Third level</a:t>
             </a:r>
           </a:p>
           <a:p>
             <a:pPr lvl="3"/>
             <a:r>
-              <a:rPr lang="en-US" smtClean="0"/>
+              <a:rPr lang="en-US"/>
               <a:t>Fourth level</a:t>
             </a:r>
           </a:p>
           <a:p>
             <a:pPr lvl="4"/>
             <a:r>
-              <a:rPr lang="en-US" smtClean="0"/>
+              <a:rPr lang="en-US"/>
               <a:t>Fifth level</a:t>
             </a:r>
             <a:endParaRPr lang="sv-SE"/>
@@ -3488,7 +4381,7 @@
           <a:p>
             <a:fld id="{B67DDF3B-85C2-4249-B808-FD60DCFF80C1}" type="datetimeFigureOut">
               <a:rPr lang="sv-SE" smtClean="0"/>
-              <a:t>2016-11-16</a:t>
+              <a:t>2017-01-11</a:t>
             </a:fld>
             <a:endParaRPr lang="sv-SE"/>
           </a:p>
@@ -3879,10 +4772,10 @@
           <a:lstStyle/>
           <a:p>
             <a:r>
-              <a:rPr lang="en-US" dirty="0" err="1" smtClean="0"/>
+              <a:rPr lang="en-US" err="1"/>
               <a:t>Git</a:t>
             </a:r>
-            <a:endParaRPr lang="sv-SE" dirty="0"/>
+            <a:endParaRPr lang="sv-SE"/>
           </a:p>
         </p:txBody>
       </p:sp>
@@ -3951,54 +4844,42 @@
           <a:lstStyle/>
           <a:p>
             <a:r>
-              <a:rPr lang="en-US" dirty="0" err="1" smtClean="0"/>
+              <a:rPr lang="en-US" dirty="0" err="1"/>
               <a:t>Git</a:t>
             </a:r>
             <a:r>
-              <a:rPr lang="en-US" dirty="0" smtClean="0"/>
-              <a:t> Basics</a:t>
+              <a:rPr lang="en-US" dirty="0"/>
+              <a:t> Basics(</a:t>
+            </a:r>
+            <a:r>
+              <a:rPr lang="en-US" dirty="0" err="1"/>
+              <a:t>kanske</a:t>
+            </a:r>
+            <a:r>
+              <a:rPr lang="en-US" dirty="0"/>
+              <a:t> ta </a:t>
+            </a:r>
+            <a:r>
+              <a:rPr lang="en-US" dirty="0" err="1"/>
+              <a:t>bort</a:t>
+            </a:r>
+            <a:r>
+              <a:rPr lang="en-US" dirty="0"/>
+              <a:t>)</a:t>
             </a:r>
             <a:endParaRPr lang="sv-SE" dirty="0"/>
-          </a:p>
-        </p:txBody>
-      </p:sp>
-      <p:sp>
-        <p:nvSpPr>
-          <p:cNvPr id="3" name="Content Placeholder 2"/>
-          <p:cNvSpPr>
-            <a:spLocks noGrp="1"/>
-          </p:cNvSpPr>
-          <p:nvPr>
-            <p:ph idx="1"/>
-          </p:nvPr>
-        </p:nvSpPr>
-        <p:spPr/>
-        <p:txBody>
-          <a:bodyPr/>
-          <a:lstStyle/>
-          <a:p>
-            <a:r>
-              <a:rPr lang="en-US" sz="3000" dirty="0" smtClean="0"/>
-              <a:t>Main sections of </a:t>
-            </a:r>
-            <a:r>
-              <a:rPr lang="en-US" sz="3000" dirty="0" err="1" smtClean="0"/>
-              <a:t>Git</a:t>
-            </a:r>
-            <a:endParaRPr lang="en-US" sz="3000" dirty="0" smtClean="0"/>
-          </a:p>
-          <a:p>
-            <a:endParaRPr lang="en-US" sz="3000" dirty="0" smtClean="0"/>
           </a:p>
         </p:txBody>
       </p:sp>
       <p:pic>
         <p:nvPicPr>
-          <p:cNvPr id="4" name="Picture 3"/>
+          <p:cNvPr id="4" name="Content Placeholder 3"/>
           <p:cNvPicPr>
-            <a:picLocks noChangeAspect="1"/>
+            <a:picLocks noGrp="1" noChangeAspect="1"/>
           </p:cNvPicPr>
-          <p:nvPr/>
+          <p:nvPr>
+            <p:ph idx="1"/>
+          </p:nvPr>
         </p:nvPicPr>
         <p:blipFill>
           <a:blip r:embed="rId3">
@@ -4014,18 +4895,15 @@
         </p:blipFill>
         <p:spPr>
           <a:xfrm>
-            <a:off x="1043608" y="2282063"/>
-            <a:ext cx="6912768" cy="3810663"/>
+            <a:off x="544594" y="1600200"/>
+            <a:ext cx="8054811" cy="4525963"/>
           </a:xfrm>
-          <a:prstGeom prst="rect">
-            <a:avLst/>
-          </a:prstGeom>
         </p:spPr>
       </p:pic>
     </p:spTree>
     <p:extLst>
       <p:ext uri="{BB962C8B-B14F-4D97-AF65-F5344CB8AC3E}">
-        <p14:creationId xmlns:p14="http://schemas.microsoft.com/office/powerpoint/2010/main" val="3519528039"/>
+        <p14:creationId xmlns:p14="http://schemas.microsoft.com/office/powerpoint/2010/main" val="687049417"/>
       </p:ext>
     </p:extLst>
   </p:cSld>
@@ -4068,14 +4946,218 @@
           <a:lstStyle/>
           <a:p>
             <a:r>
-              <a:rPr lang="en-US" dirty="0" err="1" smtClean="0"/>
+              <a:rPr lang="en-US" dirty="0" err="1"/>
               <a:t>Git</a:t>
             </a:r>
             <a:r>
-              <a:rPr lang="en-US" dirty="0" smtClean="0"/>
+              <a:rPr lang="en-US" dirty="0"/>
+              <a:t> Basics(</a:t>
+            </a:r>
+            <a:r>
+              <a:rPr lang="en-US" dirty="0" err="1"/>
+              <a:t>kanske</a:t>
+            </a:r>
+            <a:r>
+              <a:rPr lang="en-US" dirty="0"/>
+              <a:t> ta </a:t>
+            </a:r>
+            <a:r>
+              <a:rPr lang="en-US" dirty="0" err="1"/>
+              <a:t>bort</a:t>
+            </a:r>
+            <a:r>
+              <a:rPr lang="en-US" dirty="0"/>
+              <a:t>)</a:t>
+            </a:r>
+            <a:endParaRPr lang="sv-SE" dirty="0"/>
+          </a:p>
+        </p:txBody>
+      </p:sp>
+      <p:pic>
+        <p:nvPicPr>
+          <p:cNvPr id="5" name="Content Placeholder 4"/>
+          <p:cNvPicPr>
+            <a:picLocks noGrp="1" noChangeAspect="1"/>
+          </p:cNvPicPr>
+          <p:nvPr>
+            <p:ph idx="1"/>
+          </p:nvPr>
+        </p:nvPicPr>
+        <p:blipFill>
+          <a:blip r:embed="rId2">
+            <a:extLst>
+              <a:ext uri="{28A0092B-C50C-407E-A947-70E740481C1C}">
+                <a14:useLocalDpi xmlns:a14="http://schemas.microsoft.com/office/drawing/2010/main" val="0"/>
+              </a:ext>
+            </a:extLst>
+          </a:blip>
+          <a:stretch>
+            <a:fillRect/>
+          </a:stretch>
+        </p:blipFill>
+        <p:spPr>
+          <a:xfrm>
+            <a:off x="541552" y="1600200"/>
+            <a:ext cx="8060896" cy="4525963"/>
+          </a:xfrm>
+        </p:spPr>
+      </p:pic>
+    </p:spTree>
+    <p:extLst>
+      <p:ext uri="{BB962C8B-B14F-4D97-AF65-F5344CB8AC3E}">
+        <p14:creationId xmlns:p14="http://schemas.microsoft.com/office/powerpoint/2010/main" val="3152771827"/>
+      </p:ext>
+    </p:extLst>
+  </p:cSld>
+  <p:clrMapOvr>
+    <a:masterClrMapping/>
+  </p:clrMapOvr>
+</p:sld>
+</file>
+
+<file path=ppt/slides/slide12.xml><?xml version="1.0" encoding="utf-8"?>
+<p:sld xmlns:a="http://schemas.openxmlformats.org/drawingml/2006/main" xmlns:r="http://schemas.openxmlformats.org/officeDocument/2006/relationships" xmlns:p="http://schemas.openxmlformats.org/presentationml/2006/main">
+  <p:cSld>
+    <p:spTree>
+      <p:nvGrpSpPr>
+        <p:cNvPr id="1" name=""/>
+        <p:cNvGrpSpPr/>
+        <p:nvPr/>
+      </p:nvGrpSpPr>
+      <p:grpSpPr>
+        <a:xfrm>
+          <a:off x="0" y="0"/>
+          <a:ext cx="0" cy="0"/>
+          <a:chOff x="0" y="0"/>
+          <a:chExt cx="0" cy="0"/>
+        </a:xfrm>
+      </p:grpSpPr>
+      <p:sp>
+        <p:nvSpPr>
+          <p:cNvPr id="2" name="Title 1"/>
+          <p:cNvSpPr>
+            <a:spLocks noGrp="1"/>
+          </p:cNvSpPr>
+          <p:nvPr>
+            <p:ph type="title"/>
+          </p:nvPr>
+        </p:nvSpPr>
+        <p:spPr/>
+        <p:txBody>
+          <a:bodyPr/>
+          <a:lstStyle/>
+          <a:p>
+            <a:r>
+              <a:rPr lang="en-US" dirty="0" err="1"/>
+              <a:t>Git</a:t>
+            </a:r>
+            <a:r>
+              <a:rPr lang="en-US" dirty="0"/>
+              <a:t> Basics(</a:t>
+            </a:r>
+            <a:r>
+              <a:rPr lang="en-US" dirty="0" err="1"/>
+              <a:t>kanske</a:t>
+            </a:r>
+            <a:r>
+              <a:rPr lang="en-US" dirty="0"/>
+              <a:t> ta </a:t>
+            </a:r>
+            <a:r>
+              <a:rPr lang="en-US" dirty="0" err="1"/>
+              <a:t>bort</a:t>
+            </a:r>
+            <a:r>
+              <a:rPr lang="en-US" dirty="0"/>
+              <a:t>)</a:t>
+            </a:r>
+            <a:endParaRPr lang="sv-SE" dirty="0"/>
+          </a:p>
+        </p:txBody>
+      </p:sp>
+      <p:pic>
+        <p:nvPicPr>
+          <p:cNvPr id="4" name="Content Placeholder 3"/>
+          <p:cNvPicPr>
+            <a:picLocks noGrp="1" noChangeAspect="1"/>
+          </p:cNvPicPr>
+          <p:nvPr>
+            <p:ph idx="1"/>
+          </p:nvPr>
+        </p:nvPicPr>
+        <p:blipFill>
+          <a:blip r:embed="rId2">
+            <a:extLst>
+              <a:ext uri="{28A0092B-C50C-407E-A947-70E740481C1C}">
+                <a14:useLocalDpi xmlns:a14="http://schemas.microsoft.com/office/drawing/2010/main" val="0"/>
+              </a:ext>
+            </a:extLst>
+          </a:blip>
+          <a:stretch>
+            <a:fillRect/>
+          </a:stretch>
+        </p:blipFill>
+        <p:spPr>
+          <a:xfrm>
+            <a:off x="555402" y="1600200"/>
+            <a:ext cx="8033195" cy="4525963"/>
+          </a:xfrm>
+        </p:spPr>
+      </p:pic>
+    </p:spTree>
+    <p:extLst>
+      <p:ext uri="{BB962C8B-B14F-4D97-AF65-F5344CB8AC3E}">
+        <p14:creationId xmlns:p14="http://schemas.microsoft.com/office/powerpoint/2010/main" val="391707125"/>
+      </p:ext>
+    </p:extLst>
+  </p:cSld>
+  <p:clrMapOvr>
+    <a:masterClrMapping/>
+  </p:clrMapOvr>
+</p:sld>
+</file>
+
+<file path=ppt/slides/slide13.xml><?xml version="1.0" encoding="utf-8"?>
+<p:sld xmlns:a="http://schemas.openxmlformats.org/drawingml/2006/main" xmlns:r="http://schemas.openxmlformats.org/officeDocument/2006/relationships" xmlns:p="http://schemas.openxmlformats.org/presentationml/2006/main">
+  <p:cSld>
+    <p:spTree>
+      <p:nvGrpSpPr>
+        <p:cNvPr id="1" name=""/>
+        <p:cNvGrpSpPr/>
+        <p:nvPr/>
+      </p:nvGrpSpPr>
+      <p:grpSpPr>
+        <a:xfrm>
+          <a:off x="0" y="0"/>
+          <a:ext cx="0" cy="0"/>
+          <a:chOff x="0" y="0"/>
+          <a:chExt cx="0" cy="0"/>
+        </a:xfrm>
+      </p:grpSpPr>
+      <p:sp>
+        <p:nvSpPr>
+          <p:cNvPr id="2" name="Title 1"/>
+          <p:cNvSpPr>
+            <a:spLocks noGrp="1"/>
+          </p:cNvSpPr>
+          <p:nvPr>
+            <p:ph type="title"/>
+          </p:nvPr>
+        </p:nvSpPr>
+        <p:spPr/>
+        <p:txBody>
+          <a:bodyPr/>
+          <a:lstStyle/>
+          <a:p>
+            <a:r>
+              <a:rPr lang="en-US" err="1"/>
+              <a:t>Git</a:t>
+            </a:r>
+            <a:r>
+              <a:rPr lang="en-US"/>
               <a:t> Basics</a:t>
             </a:r>
-            <a:endParaRPr lang="sv-SE" dirty="0"/>
+            <a:endParaRPr lang="sv-SE"/>
           </a:p>
         </p:txBody>
       </p:sp>
@@ -4095,20 +5177,20 @@
           <a:lstStyle/>
           <a:p>
             <a:r>
-              <a:rPr lang="en-US" sz="3000" dirty="0" smtClean="0"/>
+              <a:rPr lang="en-US" sz="3000"/>
               <a:t>The three states of a file in </a:t>
             </a:r>
             <a:r>
-              <a:rPr lang="en-US" sz="3000" dirty="0" err="1" smtClean="0"/>
+              <a:rPr lang="en-US" sz="3000" err="1"/>
               <a:t>git</a:t>
             </a:r>
             <a:r>
-              <a:rPr lang="en-US" sz="3000" dirty="0" smtClean="0"/>
+              <a:rPr lang="en-US" sz="3000"/>
               <a:t>: committed, modified and staged.</a:t>
             </a:r>
           </a:p>
           <a:p>
-            <a:endParaRPr lang="en-US" sz="3000" dirty="0" smtClean="0"/>
+            <a:endParaRPr lang="en-US" sz="3000"/>
           </a:p>
         </p:txBody>
       </p:sp>
@@ -4155,6 +5237,129 @@
 </p:sld>
 </file>
 
+<file path=ppt/slides/slide14.xml><?xml version="1.0" encoding="utf-8"?>
+<p:sld xmlns:a="http://schemas.openxmlformats.org/drawingml/2006/main" xmlns:r="http://schemas.openxmlformats.org/officeDocument/2006/relationships" xmlns:p="http://schemas.openxmlformats.org/presentationml/2006/main">
+  <p:cSld>
+    <p:spTree>
+      <p:nvGrpSpPr>
+        <p:cNvPr id="1" name=""/>
+        <p:cNvGrpSpPr/>
+        <p:nvPr/>
+      </p:nvGrpSpPr>
+      <p:grpSpPr>
+        <a:xfrm>
+          <a:off x="0" y="0"/>
+          <a:ext cx="0" cy="0"/>
+          <a:chOff x="0" y="0"/>
+          <a:chExt cx="0" cy="0"/>
+        </a:xfrm>
+      </p:grpSpPr>
+      <p:sp>
+        <p:nvSpPr>
+          <p:cNvPr id="2" name="Title 1"/>
+          <p:cNvSpPr>
+            <a:spLocks noGrp="1"/>
+          </p:cNvSpPr>
+          <p:nvPr>
+            <p:ph type="title"/>
+          </p:nvPr>
+        </p:nvSpPr>
+        <p:spPr/>
+        <p:txBody>
+          <a:bodyPr/>
+          <a:lstStyle/>
+          <a:p>
+            <a:r>
+              <a:rPr lang="en-US" err="1"/>
+              <a:t>Git</a:t>
+            </a:r>
+            <a:r>
+              <a:rPr lang="en-US"/>
+              <a:t> Command Line</a:t>
+            </a:r>
+            <a:endParaRPr lang="sv-SE"/>
+          </a:p>
+        </p:txBody>
+      </p:sp>
+      <p:sp>
+        <p:nvSpPr>
+          <p:cNvPr id="3" name="Content Placeholder 2"/>
+          <p:cNvSpPr>
+            <a:spLocks noGrp="1"/>
+          </p:cNvSpPr>
+          <p:nvPr>
+            <p:ph idx="1"/>
+          </p:nvPr>
+        </p:nvSpPr>
+        <p:spPr/>
+        <p:txBody>
+          <a:bodyPr vert="horz" lIns="91440" tIns="45720" rIns="91440" bIns="45720" rtlCol="0" anchor="t">
+            <a:normAutofit/>
+          </a:bodyPr>
+          <a:lstStyle/>
+          <a:p>
+            <a:endParaRPr lang="en-US" sz="3000"/>
+          </a:p>
+          <a:p>
+            <a:r>
+              <a:rPr lang="en-US" sz="3000"/>
+              <a:t>History</a:t>
+            </a:r>
+          </a:p>
+          <a:p>
+            <a:r>
+              <a:rPr lang="en-US" sz="3000"/>
+              <a:t>More features</a:t>
+            </a:r>
+          </a:p>
+          <a:p>
+            <a:r>
+              <a:rPr lang="en-US" sz="3000"/>
+              <a:t>Online help</a:t>
+            </a:r>
+          </a:p>
+          <a:p>
+            <a:r>
+              <a:rPr lang="en-US" sz="3000"/>
+              <a:t>Consistent</a:t>
+            </a:r>
+          </a:p>
+          <a:p>
+            <a:pPr lvl="1"/>
+            <a:r>
+              <a:rPr lang="en-US" sz="2600"/>
+              <a:t>Terminal on Linux</a:t>
+            </a:r>
+          </a:p>
+          <a:p>
+            <a:pPr lvl="1"/>
+            <a:r>
+              <a:rPr lang="en-US" sz="2600" err="1"/>
+              <a:t>Git</a:t>
+            </a:r>
+            <a:r>
+              <a:rPr lang="en-US" sz="2600"/>
+              <a:t> Bash on windows</a:t>
+            </a:r>
+          </a:p>
+          <a:p>
+            <a:endParaRPr lang="en-US" sz="3000"/>
+          </a:p>
+        </p:txBody>
+      </p:sp>
+    </p:spTree>
+    <p:extLst>
+      <p:ext uri="{BB962C8B-B14F-4D97-AF65-F5344CB8AC3E}">
+        <p14:creationId xmlns:p14="http://schemas.microsoft.com/office/powerpoint/2010/main" val="133821280"/>
+      </p:ext>
+    </p:extLst>
+  </p:cSld>
+  <p:clrMapOvr>
+    <a:masterClrMapping/>
+  </p:clrMapOvr>
+</p:sld>
+</file>
+
 <file path=ppt/slides/slide2.xml><?xml version="1.0" encoding="utf-8"?>
 <p:sld xmlns:a="http://schemas.openxmlformats.org/drawingml/2006/main" xmlns:r="http://schemas.openxmlformats.org/officeDocument/2006/relationships" xmlns:p="http://schemas.openxmlformats.org/presentationml/2006/main">
   <p:cSld>
@@ -4193,7 +5398,11 @@
             </a:r>
             <a:r>
               <a:rPr lang="en-US" dirty="0" smtClean="0"/>
-              <a:t> History</a:t>
+              <a:t> </a:t>
+            </a:r>
+            <a:r>
+              <a:rPr lang="en-US" dirty="0" err="1" smtClean="0"/>
+              <a:t>Historia</a:t>
             </a:r>
             <a:endParaRPr lang="sv-SE" dirty="0"/>
           </a:p>
@@ -4212,63 +5421,106 @@
         <p:spPr/>
         <p:txBody>
           <a:bodyPr>
-            <a:normAutofit fontScale="92500" lnSpcReduction="10000"/>
+            <a:normAutofit fontScale="92500" lnSpcReduction="20000"/>
           </a:bodyPr>
           <a:lstStyle/>
           <a:p>
             <a:r>
-              <a:rPr lang="en-US" dirty="0" smtClean="0"/>
-              <a:t>The Linux kernel community first used </a:t>
-            </a:r>
-            <a:r>
-              <a:rPr lang="en-US" dirty="0" err="1" smtClean="0"/>
+              <a:rPr lang="sv-SE" dirty="0" smtClean="0"/>
+              <a:t>Linux-kärnan utvecklades först med </a:t>
+            </a:r>
+            <a:r>
+              <a:rPr lang="sv-SE" dirty="0" err="1" smtClean="0"/>
               <a:t>BitKeeper</a:t>
             </a:r>
-            <a:endParaRPr lang="en-US" dirty="0" smtClean="0"/>
-          </a:p>
-          <a:p>
-            <a:endParaRPr lang="en-US" dirty="0" smtClean="0"/>
-          </a:p>
-          <a:p>
-            <a:r>
-              <a:rPr lang="en-US" dirty="0" smtClean="0"/>
-              <a:t>The community developed their own tool</a:t>
-            </a:r>
-            <a:endParaRPr lang="en-US" dirty="0"/>
+            <a:endParaRPr lang="sv-SE" dirty="0" smtClean="0"/>
+          </a:p>
+          <a:p>
+            <a:endParaRPr lang="sv-SE" dirty="0" smtClean="0"/>
+          </a:p>
+          <a:p>
+            <a:r>
+              <a:rPr lang="sv-SE" dirty="0" smtClean="0"/>
+              <a:t>Linux ‘</a:t>
+            </a:r>
+            <a:r>
+              <a:rPr lang="sv-SE" dirty="0" err="1" smtClean="0"/>
+              <a:t>community</a:t>
+            </a:r>
+            <a:r>
+              <a:rPr lang="sv-SE" dirty="0" smtClean="0"/>
+              <a:t>’ utvecklade sedan ett eget verktyg med fokus på</a:t>
+            </a:r>
           </a:p>
           <a:p>
             <a:pPr lvl="1"/>
             <a:r>
-              <a:rPr lang="en-US" dirty="0" smtClean="0"/>
-              <a:t>Speed</a:t>
+              <a:rPr lang="sv-SE" dirty="0" smtClean="0"/>
+              <a:t>Snabbhet</a:t>
             </a:r>
           </a:p>
           <a:p>
             <a:pPr lvl="1"/>
             <a:r>
-              <a:rPr lang="en-US" dirty="0" smtClean="0"/>
-              <a:t>Simple design</a:t>
+              <a:rPr lang="sv-SE" dirty="0" smtClean="0"/>
+              <a:t>Enkel design</a:t>
             </a:r>
           </a:p>
           <a:p>
             <a:pPr lvl="1"/>
             <a:r>
-              <a:rPr lang="en-US" dirty="0" smtClean="0"/>
-              <a:t>Strong support for non-linear development (thousands of parallel branches)</a:t>
+              <a:rPr lang="sv-SE" dirty="0" err="1" smtClean="0"/>
+              <a:t>Stakrt</a:t>
+            </a:r>
+            <a:r>
+              <a:rPr lang="sv-SE" dirty="0" smtClean="0"/>
+              <a:t> stöd för icke</a:t>
+            </a:r>
+            <a:r>
+              <a:rPr lang="sv-SE" dirty="0" smtClean="0"/>
+              <a:t>linjär utveckling </a:t>
+            </a:r>
+            <a:r>
+              <a:rPr lang="sv-SE" dirty="0" smtClean="0"/>
+              <a:t>(tusentals parallella  </a:t>
+            </a:r>
+            <a:r>
+              <a:rPr lang="sv-SE" dirty="0" err="1" smtClean="0"/>
+              <a:t>brancher</a:t>
+            </a:r>
+            <a:r>
+              <a:rPr lang="sv-SE" dirty="0" smtClean="0"/>
+              <a:t>)</a:t>
             </a:r>
           </a:p>
           <a:p>
             <a:pPr lvl="1"/>
             <a:r>
-              <a:rPr lang="en-US" dirty="0" smtClean="0"/>
-              <a:t>Fully distributed</a:t>
+              <a:rPr lang="sv-SE" dirty="0" smtClean="0"/>
+              <a:t>Fullt distribuerad</a:t>
             </a:r>
           </a:p>
           <a:p>
             <a:pPr lvl="1"/>
             <a:r>
-              <a:rPr lang="en-US" dirty="0" smtClean="0"/>
-              <a:t>Able to handle large projects like the Linux kernel efficiently (speed and data size)</a:t>
+              <a:rPr lang="sv-SE" dirty="0" smtClean="0"/>
+              <a:t>Ha kapacitet att hantera stora projekt som </a:t>
+            </a:r>
+            <a:r>
+              <a:rPr lang="sv-SE" dirty="0" err="1" smtClean="0"/>
+              <a:t>linuxkärnan</a:t>
+            </a:r>
+            <a:r>
+              <a:rPr lang="sv-SE" dirty="0" smtClean="0"/>
+              <a:t> effektivt (speed and data </a:t>
+            </a:r>
+            <a:r>
+              <a:rPr lang="sv-SE" dirty="0" err="1" smtClean="0"/>
+              <a:t>size</a:t>
+            </a:r>
+            <a:r>
+              <a:rPr lang="sv-SE" dirty="0" smtClean="0"/>
+              <a:t>)</a:t>
             </a:r>
           </a:p>
           <a:p>
@@ -4324,44 +5576,73 @@
           <a:lstStyle/>
           <a:p>
             <a:r>
+              <a:rPr lang="en-US" err="1"/>
+              <a:t>Git</a:t>
+            </a:r>
+            <a:r>
+              <a:rPr lang="en-US"/>
+              <a:t> Basics</a:t>
+            </a:r>
+            <a:endParaRPr lang="sv-SE"/>
+          </a:p>
+        </p:txBody>
+      </p:sp>
+      <p:sp>
+        <p:nvSpPr>
+          <p:cNvPr id="3" name="Content Placeholder 2"/>
+          <p:cNvSpPr>
+            <a:spLocks noGrp="1"/>
+          </p:cNvSpPr>
+          <p:nvPr>
+            <p:ph idx="1"/>
+          </p:nvPr>
+        </p:nvSpPr>
+        <p:spPr/>
+        <p:txBody>
+          <a:bodyPr/>
+          <a:lstStyle/>
+          <a:p>
+            <a:r>
               <a:rPr lang="en-US" dirty="0" err="1" smtClean="0"/>
-              <a:t>Git</a:t>
+              <a:t>Hur</a:t>
             </a:r>
             <a:r>
               <a:rPr lang="en-US" dirty="0" smtClean="0"/>
-              <a:t> Basics</a:t>
-            </a:r>
-            <a:endParaRPr lang="sv-SE" dirty="0"/>
-          </a:p>
-        </p:txBody>
-      </p:sp>
-      <p:sp>
-        <p:nvSpPr>
-          <p:cNvPr id="3" name="Content Placeholder 2"/>
-          <p:cNvSpPr>
-            <a:spLocks noGrp="1"/>
-          </p:cNvSpPr>
-          <p:nvPr>
-            <p:ph idx="1"/>
-          </p:nvPr>
-        </p:nvSpPr>
-        <p:spPr/>
-        <p:txBody>
-          <a:bodyPr/>
-          <a:lstStyle/>
-          <a:p>
+              <a:t> SVN </a:t>
+            </a:r>
+            <a:r>
+              <a:rPr lang="en-US" dirty="0" err="1" smtClean="0"/>
+              <a:t>och</a:t>
+            </a:r>
             <a:r>
               <a:rPr lang="en-US" dirty="0" smtClean="0"/>
-              <a:t>Most VCS (</a:t>
+              <a:t> </a:t>
             </a:r>
             <a:r>
               <a:rPr lang="en-US" dirty="0" err="1" smtClean="0"/>
-              <a:t>eg</a:t>
+              <a:t>Clearcase</a:t>
             </a:r>
             <a:r>
               <a:rPr lang="en-US" dirty="0" smtClean="0"/>
-              <a:t>. SVN) stores information as a list of file based changes</a:t>
-            </a:r>
+              <a:t> </a:t>
+            </a:r>
+            <a:r>
+              <a:rPr lang="en-US" dirty="0" err="1" smtClean="0"/>
+              <a:t>ser</a:t>
+            </a:r>
+            <a:r>
+              <a:rPr lang="en-US" dirty="0" smtClean="0"/>
+              <a:t> </a:t>
+            </a:r>
+            <a:r>
+              <a:rPr lang="en-US" dirty="0" err="1" smtClean="0"/>
+              <a:t>på</a:t>
+            </a:r>
+            <a:r>
+              <a:rPr lang="en-US" dirty="0" smtClean="0"/>
+              <a:t> data</a:t>
+            </a:r>
+            <a:endParaRPr lang="en-US" dirty="0"/>
           </a:p>
           <a:p>
             <a:endParaRPr lang="sv-SE" dirty="0"/>
@@ -4377,7 +5658,7 @@
           <p:nvPr/>
         </p:nvPicPr>
         <p:blipFill>
-          <a:blip r:embed="rId2">
+          <a:blip r:embed="rId3">
             <a:extLst>
               <a:ext uri="{28A0092B-C50C-407E-A947-70E740481C1C}">
                 <a14:useLocalDpi xmlns:a14="http://schemas.microsoft.com/office/drawing/2010/main" val="0"/>
@@ -4391,8 +5672,8 @@
         </p:blipFill>
         <p:spPr bwMode="auto">
           <a:xfrm>
-            <a:off x="1619671" y="2780928"/>
-            <a:ext cx="5724633" cy="3629879"/>
+            <a:off x="1720470" y="2466735"/>
+            <a:ext cx="5534415" cy="3509265"/>
           </a:xfrm>
           <a:prstGeom prst="rect">
             <a:avLst/>
@@ -4455,39 +5736,67 @@
           <a:lstStyle/>
           <a:p>
             <a:r>
+              <a:rPr lang="en-US" err="1"/>
+              <a:t>Git</a:t>
+            </a:r>
+            <a:r>
+              <a:rPr lang="en-US"/>
+              <a:t> Basics</a:t>
+            </a:r>
+            <a:endParaRPr lang="sv-SE"/>
+          </a:p>
+        </p:txBody>
+      </p:sp>
+      <p:sp>
+        <p:nvSpPr>
+          <p:cNvPr id="3" name="Content Placeholder 2"/>
+          <p:cNvSpPr>
+            <a:spLocks noGrp="1"/>
+          </p:cNvSpPr>
+          <p:nvPr>
+            <p:ph idx="1"/>
+          </p:nvPr>
+        </p:nvSpPr>
+        <p:spPr/>
+        <p:txBody>
+          <a:bodyPr/>
+          <a:lstStyle/>
+          <a:p>
+            <a:r>
+              <a:rPr lang="en-US" dirty="0" err="1"/>
+              <a:t>Git</a:t>
+            </a:r>
+            <a:r>
+              <a:rPr lang="en-US" dirty="0"/>
+              <a:t> </a:t>
+            </a:r>
+            <a:r>
               <a:rPr lang="en-US" dirty="0" err="1" smtClean="0"/>
-              <a:t>Git</a:t>
+              <a:t>lagrar</a:t>
             </a:r>
             <a:r>
               <a:rPr lang="en-US" dirty="0" smtClean="0"/>
-              <a:t> Basics</a:t>
-            </a:r>
-            <a:endParaRPr lang="sv-SE" dirty="0"/>
-          </a:p>
-        </p:txBody>
-      </p:sp>
-      <p:sp>
-        <p:nvSpPr>
-          <p:cNvPr id="3" name="Content Placeholder 2"/>
-          <p:cNvSpPr>
-            <a:spLocks noGrp="1"/>
-          </p:cNvSpPr>
-          <p:nvPr>
-            <p:ph idx="1"/>
-          </p:nvPr>
-        </p:nvSpPr>
-        <p:spPr/>
-        <p:txBody>
-          <a:bodyPr/>
-          <a:lstStyle/>
-          <a:p>
+              <a:t> </a:t>
+            </a:r>
             <a:r>
               <a:rPr lang="en-US" dirty="0" err="1" smtClean="0"/>
-              <a:t>Git</a:t>
+              <a:t>uppsättningar</a:t>
             </a:r>
             <a:r>
               <a:rPr lang="en-US" dirty="0" smtClean="0"/>
-              <a:t> stores a set of snapshots </a:t>
+              <a:t> </a:t>
+            </a:r>
+            <a:r>
+              <a:rPr lang="en-US" dirty="0" err="1" smtClean="0"/>
+              <a:t>av</a:t>
+            </a:r>
+            <a:r>
+              <a:rPr lang="en-US" dirty="0" smtClean="0"/>
+              <a:t> </a:t>
+            </a:r>
+            <a:r>
+              <a:rPr lang="en-US" dirty="0" err="1" smtClean="0"/>
+              <a:t>ögonblicksbilder</a:t>
             </a:r>
             <a:endParaRPr lang="sv-SE" dirty="0"/>
           </a:p>
@@ -4502,7 +5811,7 @@
           <p:nvPr/>
         </p:nvPicPr>
         <p:blipFill>
-          <a:blip r:embed="rId2">
+          <a:blip r:embed="rId3">
             <a:extLst>
               <a:ext uri="{28A0092B-C50C-407E-A947-70E740481C1C}">
                 <a14:useLocalDpi xmlns:a14="http://schemas.microsoft.com/office/drawing/2010/main" val="0"/>
@@ -4516,8 +5825,8 @@
         </p:blipFill>
         <p:spPr bwMode="auto">
           <a:xfrm>
-            <a:off x="1118815" y="2348880"/>
-            <a:ext cx="6696744" cy="3679267"/>
+            <a:off x="1373256" y="2469912"/>
+            <a:ext cx="6172531" cy="3391258"/>
           </a:xfrm>
           <a:prstGeom prst="rect">
             <a:avLst/>
@@ -4580,14 +5889,14 @@
           <a:lstStyle/>
           <a:p>
             <a:r>
-              <a:rPr lang="en-US" dirty="0" err="1" smtClean="0"/>
+              <a:rPr lang="en-US" err="1"/>
               <a:t>Git</a:t>
             </a:r>
             <a:r>
-              <a:rPr lang="en-US" dirty="0" smtClean="0"/>
+              <a:rPr lang="en-US"/>
               <a:t> Basics</a:t>
             </a:r>
-            <a:endParaRPr lang="sv-SE" dirty="0"/>
+            <a:endParaRPr lang="sv-SE"/>
           </a:p>
         </p:txBody>
       </p:sp>
@@ -4603,32 +5912,53 @@
         </p:nvSpPr>
         <p:spPr/>
         <p:txBody>
-          <a:bodyPr/>
-          <a:lstStyle/>
-          <a:p>
-            <a:r>
-              <a:rPr lang="en-US" sz="3000" dirty="0" smtClean="0"/>
-              <a:t>Nearly every operation is local</a:t>
-            </a:r>
-          </a:p>
-          <a:p>
-            <a:r>
-              <a:rPr lang="en-US" sz="3000" dirty="0" err="1" smtClean="0"/>
+          <a:bodyPr vert="horz" lIns="91440" tIns="45720" rIns="91440" bIns="45720" rtlCol="0" anchor="t">
+            <a:normAutofit lnSpcReduction="10000"/>
+          </a:bodyPr>
+          <a:lstStyle/>
+          <a:p>
+            <a:r>
+              <a:rPr lang="en-US" sz="3000" err="1"/>
               <a:t>Git</a:t>
             </a:r>
             <a:r>
-              <a:rPr lang="en-US" sz="3000" dirty="0" smtClean="0"/>
-              <a:t> has integrity built in (everything is check-summed before it is stored and is then </a:t>
-            </a:r>
-            <a:r>
-              <a:rPr lang="en-US" sz="3000" dirty="0" err="1" smtClean="0"/>
-              <a:t>reffered</a:t>
-            </a:r>
-            <a:r>
-              <a:rPr lang="en-US" sz="3000" dirty="0" smtClean="0"/>
-              <a:t> to by that checksum)</a:t>
-            </a:r>
-            <a:endParaRPr lang="sv-SE" sz="3000" dirty="0"/>
+              <a:rPr lang="en-US" sz="3000"/>
+              <a:t> is Distributed</a:t>
+            </a:r>
+            <a:br>
+              <a:rPr lang="en-US" sz="3000"/>
+            </a:br>
+            <a:r>
+              <a:rPr lang="en-US" sz="3000"/>
+              <a:t>Most operations are local. Central server not needed (but often used).</a:t>
+            </a:r>
+          </a:p>
+          <a:p>
+            <a:endParaRPr lang="en-US" sz="3000"/>
+          </a:p>
+          <a:p>
+            <a:r>
+              <a:rPr lang="en-US" sz="3000"/>
+              <a:t>SVN and Clear Case</a:t>
+            </a:r>
+            <a:br>
+              <a:rPr lang="en-US" sz="3000"/>
+            </a:br>
+            <a:r>
+              <a:rPr lang="en-US" sz="3000"/>
+              <a:t>Centralized server that is the ultimate source of truth. Network connection needed to central server. </a:t>
+            </a:r>
+            <a:br>
+              <a:rPr lang="en-US" sz="3000"/>
+            </a:br>
+            <a:r>
+              <a:rPr lang="en-US" sz="3000"/>
+              <a:t>             </a:t>
+            </a:r>
+            <a:br>
+              <a:rPr lang="en-US" sz="3000"/>
+            </a:br>
+            <a:endParaRPr lang="en-US" sz="3000"/>
           </a:p>
         </p:txBody>
       </p:sp>
@@ -4678,50 +6008,250 @@
           <a:lstStyle/>
           <a:p>
             <a:r>
-              <a:rPr lang="en-US" dirty="0" err="1" smtClean="0"/>
+              <a:rPr lang="en-US" err="1"/>
               <a:t>Git</a:t>
             </a:r>
             <a:r>
-              <a:rPr lang="en-US" dirty="0" smtClean="0"/>
+              <a:rPr lang="en-US"/>
               <a:t> Basics</a:t>
             </a:r>
-            <a:endParaRPr lang="sv-SE" dirty="0"/>
-          </a:p>
-        </p:txBody>
-      </p:sp>
-      <p:pic>
-        <p:nvPicPr>
-          <p:cNvPr id="8" name="Content Placeholder 7"/>
-          <p:cNvPicPr>
-            <a:picLocks noGrp="1" noChangeAspect="1"/>
-          </p:cNvPicPr>
+            <a:endParaRPr lang="sv-SE"/>
+          </a:p>
+        </p:txBody>
+      </p:sp>
+      <p:sp>
+        <p:nvSpPr>
+          <p:cNvPr id="3" name="Content Placeholder 2"/>
+          <p:cNvSpPr>
+            <a:spLocks noGrp="1"/>
+          </p:cNvSpPr>
           <p:nvPr>
             <p:ph idx="1"/>
           </p:nvPr>
-        </p:nvPicPr>
-        <p:blipFill>
-          <a:blip r:embed="rId2">
-            <a:extLst>
-              <a:ext uri="{28A0092B-C50C-407E-A947-70E740481C1C}">
-                <a14:useLocalDpi xmlns:a14="http://schemas.microsoft.com/office/drawing/2010/main" val="0"/>
-              </a:ext>
-            </a:extLst>
-          </a:blip>
-          <a:stretch>
-            <a:fillRect/>
-          </a:stretch>
-        </p:blipFill>
-        <p:spPr>
-          <a:xfrm>
-            <a:off x="569158" y="1600200"/>
-            <a:ext cx="8005684" cy="4525963"/>
-          </a:xfrm>
-        </p:spPr>
-      </p:pic>
+        </p:nvSpPr>
+        <p:spPr/>
+        <p:txBody>
+          <a:bodyPr vert="horz" lIns="91440" tIns="45720" rIns="91440" bIns="45720" rtlCol="0" anchor="t">
+            <a:normAutofit/>
+          </a:bodyPr>
+          <a:lstStyle/>
+          <a:p>
+            <a:r>
+              <a:rPr lang="en-US" sz="3000" dirty="0" err="1"/>
+              <a:t>Git</a:t>
+            </a:r>
+            <a:r>
+              <a:rPr lang="en-US" sz="3000" dirty="0"/>
+              <a:t> </a:t>
+            </a:r>
+            <a:r>
+              <a:rPr lang="en-US" sz="3000" dirty="0" err="1" smtClean="0"/>
+              <a:t>är</a:t>
+            </a:r>
+            <a:r>
+              <a:rPr lang="en-US" sz="3000" dirty="0" smtClean="0"/>
+              <a:t> </a:t>
+            </a:r>
+            <a:r>
+              <a:rPr lang="en-US" sz="3000" dirty="0" err="1" smtClean="0"/>
+              <a:t>distribuerat</a:t>
+            </a:r>
+            <a:endParaRPr lang="en-US" sz="3000" dirty="0"/>
+          </a:p>
+          <a:p>
+            <a:pPr lvl="1"/>
+            <a:r>
+              <a:rPr lang="en-US" sz="2600" dirty="0" smtClean="0"/>
+              <a:t>Mesta </a:t>
+            </a:r>
+            <a:r>
+              <a:rPr lang="en-US" sz="2600" dirty="0" err="1"/>
+              <a:t>delen</a:t>
+            </a:r>
+            <a:r>
+              <a:rPr lang="en-US" sz="2600" dirty="0"/>
+              <a:t> </a:t>
+            </a:r>
+            <a:r>
+              <a:rPr lang="en-US" sz="2600" dirty="0" err="1"/>
+              <a:t>av</a:t>
+            </a:r>
+            <a:r>
+              <a:rPr lang="en-US" sz="2600" dirty="0"/>
+              <a:t> </a:t>
+            </a:r>
+            <a:r>
+              <a:rPr lang="en-US" sz="2600" dirty="0" err="1"/>
+              <a:t>arbetet</a:t>
+            </a:r>
+            <a:r>
+              <a:rPr lang="en-US" sz="2600" dirty="0"/>
+              <a:t> </a:t>
+            </a:r>
+            <a:r>
+              <a:rPr lang="en-US" sz="2600" dirty="0" err="1"/>
+              <a:t>sker</a:t>
+            </a:r>
+            <a:r>
+              <a:rPr lang="en-US" sz="2600" dirty="0"/>
+              <a:t> </a:t>
+            </a:r>
+            <a:r>
+              <a:rPr lang="en-US" sz="2600" dirty="0" err="1"/>
+              <a:t>lokalt</a:t>
+            </a:r>
+            <a:r>
+              <a:rPr lang="en-US" sz="2600" dirty="0"/>
+              <a:t>. </a:t>
+            </a:r>
+            <a:endParaRPr lang="en-US" sz="2600" dirty="0" smtClean="0"/>
+          </a:p>
+          <a:p>
+            <a:pPr lvl="1"/>
+            <a:r>
+              <a:rPr lang="en-US" sz="2600" dirty="0" err="1" smtClean="0"/>
+              <a:t>En</a:t>
+            </a:r>
+            <a:r>
+              <a:rPr lang="en-US" sz="2600" dirty="0" smtClean="0"/>
+              <a:t> </a:t>
+            </a:r>
+            <a:r>
+              <a:rPr lang="en-US" sz="2600" dirty="0"/>
+              <a:t>central </a:t>
+            </a:r>
+            <a:r>
+              <a:rPr lang="en-US" sz="2600" dirty="0"/>
+              <a:t>server </a:t>
+            </a:r>
+            <a:r>
+              <a:rPr lang="en-US" sz="2600" dirty="0" err="1"/>
+              <a:t>behövs</a:t>
+            </a:r>
+            <a:r>
+              <a:rPr lang="en-US" sz="2600" dirty="0"/>
+              <a:t> </a:t>
+            </a:r>
+            <a:r>
+              <a:rPr lang="en-US" sz="2600" dirty="0" err="1"/>
+              <a:t>inte</a:t>
+            </a:r>
+            <a:r>
+              <a:rPr lang="en-US" sz="2600" dirty="0"/>
+              <a:t>, men </a:t>
+            </a:r>
+            <a:r>
+              <a:rPr lang="en-US" sz="2600" dirty="0" err="1"/>
+              <a:t>används</a:t>
+            </a:r>
+            <a:r>
+              <a:rPr lang="en-US" sz="2600" dirty="0"/>
+              <a:t> </a:t>
+            </a:r>
+            <a:r>
+              <a:rPr lang="en-US" sz="2600" dirty="0" err="1"/>
+              <a:t>oftast</a:t>
+            </a:r>
+            <a:r>
+              <a:rPr lang="en-US" sz="2600" dirty="0"/>
+              <a:t>.</a:t>
+            </a:r>
+            <a:endParaRPr lang="en-US" sz="2600" dirty="0"/>
+          </a:p>
+          <a:p>
+            <a:endParaRPr lang="en-US" sz="3000" dirty="0"/>
+          </a:p>
+          <a:p>
+            <a:r>
+              <a:rPr lang="en-US" sz="3000" dirty="0"/>
+              <a:t>SVN </a:t>
+            </a:r>
+            <a:r>
+              <a:rPr lang="en-US" sz="3000" dirty="0" err="1" smtClean="0"/>
+              <a:t>och</a:t>
+            </a:r>
+            <a:r>
+              <a:rPr lang="en-US" sz="3000" dirty="0" smtClean="0"/>
+              <a:t> </a:t>
+            </a:r>
+            <a:r>
+              <a:rPr lang="en-US" sz="3000" dirty="0"/>
+              <a:t>Clear </a:t>
+            </a:r>
+            <a:r>
+              <a:rPr lang="en-US" sz="3000" dirty="0" smtClean="0"/>
+              <a:t>Case</a:t>
+            </a:r>
+            <a:endParaRPr lang="en-US" sz="3000" dirty="0"/>
+          </a:p>
+          <a:p>
+            <a:pPr lvl="1"/>
+            <a:r>
+              <a:rPr lang="en-US" sz="2600" dirty="0" err="1" smtClean="0"/>
+              <a:t>En</a:t>
+            </a:r>
+            <a:r>
+              <a:rPr lang="en-US" sz="2600" dirty="0" smtClean="0"/>
+              <a:t> </a:t>
+            </a:r>
+            <a:r>
+              <a:rPr lang="en-US" sz="2600" dirty="0" err="1" smtClean="0"/>
+              <a:t>nätverksuppkoppling</a:t>
+            </a:r>
+            <a:r>
+              <a:rPr lang="en-US" sz="2600" dirty="0" smtClean="0"/>
+              <a:t> till </a:t>
+            </a:r>
+            <a:r>
+              <a:rPr lang="en-US" sz="2600" dirty="0" err="1" smtClean="0"/>
+              <a:t>en</a:t>
+            </a:r>
+            <a:r>
+              <a:rPr lang="en-US" sz="2600" dirty="0" smtClean="0"/>
+              <a:t> central server </a:t>
+            </a:r>
+            <a:r>
+              <a:rPr lang="en-US" sz="2600" dirty="0" err="1" smtClean="0"/>
+              <a:t>behövs</a:t>
+            </a:r>
+            <a:r>
+              <a:rPr lang="en-US" sz="2600" dirty="0" smtClean="0"/>
+              <a:t> </a:t>
+            </a:r>
+            <a:r>
+              <a:rPr lang="en-US" sz="2600" dirty="0" err="1" smtClean="0"/>
+              <a:t>alltid</a:t>
+            </a:r>
+            <a:r>
+              <a:rPr lang="en-US" sz="2600" dirty="0" smtClean="0"/>
+              <a:t>. </a:t>
+            </a:r>
+            <a:r>
+              <a:rPr lang="en-US" sz="2600" dirty="0" smtClean="0"/>
+              <a:t> </a:t>
+            </a:r>
+            <a:r>
+              <a:rPr lang="en-US" sz="2600" dirty="0"/>
+              <a:t/>
+            </a:r>
+            <a:br>
+              <a:rPr lang="en-US" sz="2600" dirty="0"/>
+            </a:br>
+            <a:r>
+              <a:rPr lang="en-US" sz="2600" dirty="0"/>
+              <a:t>             </a:t>
+            </a:r>
+            <a:br>
+              <a:rPr lang="en-US" sz="2600" dirty="0"/>
+            </a:br>
+            <a:endParaRPr lang="en-US" sz="2600" dirty="0"/>
+          </a:p>
+        </p:txBody>
+      </p:sp>
     </p:spTree>
     <p:extLst>
       <p:ext uri="{BB962C8B-B14F-4D97-AF65-F5344CB8AC3E}">
-        <p14:creationId xmlns:p14="http://schemas.microsoft.com/office/powerpoint/2010/main" val="4261299813"/>
+        <p14:creationId xmlns:p14="http://schemas.microsoft.com/office/powerpoint/2010/main" val="1683249439"/>
       </p:ext>
     </p:extLst>
   </p:cSld>
@@ -4765,49 +6295,83 @@
           <a:p>
             <a:r>
               <a:rPr lang="en-US" dirty="0" err="1" smtClean="0"/>
-              <a:t>Git</a:t>
+              <a:t>Git’s</a:t>
             </a:r>
             <a:r>
               <a:rPr lang="en-US" dirty="0" smtClean="0"/>
-              <a:t> Basics</a:t>
+              <a:t> </a:t>
+            </a:r>
+            <a:r>
+              <a:rPr lang="en-US" dirty="0" err="1" smtClean="0"/>
+              <a:t>tre</a:t>
+            </a:r>
+            <a:r>
+              <a:rPr lang="en-US" dirty="0" smtClean="0"/>
+              <a:t> </a:t>
+            </a:r>
+            <a:r>
+              <a:rPr lang="en-US" dirty="0" err="1" smtClean="0"/>
+              <a:t>tillstånd</a:t>
             </a:r>
             <a:endParaRPr lang="sv-SE" dirty="0"/>
           </a:p>
         </p:txBody>
       </p:sp>
-      <p:pic>
-        <p:nvPicPr>
-          <p:cNvPr id="4" name="Content Placeholder 3"/>
-          <p:cNvPicPr>
-            <a:picLocks noGrp="1" noChangeAspect="1"/>
-          </p:cNvPicPr>
+      <p:sp>
+        <p:nvSpPr>
+          <p:cNvPr id="3" name="Content Placeholder 2"/>
+          <p:cNvSpPr>
+            <a:spLocks noGrp="1"/>
+          </p:cNvSpPr>
           <p:nvPr>
             <p:ph idx="1"/>
           </p:nvPr>
-        </p:nvPicPr>
-        <p:blipFill>
-          <a:blip r:embed="rId3">
-            <a:extLst>
-              <a:ext uri="{28A0092B-C50C-407E-A947-70E740481C1C}">
-                <a14:useLocalDpi xmlns:a14="http://schemas.microsoft.com/office/drawing/2010/main" val="0"/>
-              </a:ext>
-            </a:extLst>
-          </a:blip>
-          <a:stretch>
-            <a:fillRect/>
-          </a:stretch>
-        </p:blipFill>
-        <p:spPr>
-          <a:xfrm>
-            <a:off x="544594" y="1600200"/>
-            <a:ext cx="8054811" cy="4525963"/>
-          </a:xfrm>
-        </p:spPr>
-      </p:pic>
+        </p:nvSpPr>
+        <p:spPr/>
+        <p:txBody>
+          <a:bodyPr vert="horz" lIns="91440" tIns="45720" rIns="91440" bIns="45720" rtlCol="0" anchor="t">
+            <a:normAutofit/>
+          </a:bodyPr>
+          <a:lstStyle/>
+          <a:p>
+            <a:r>
+              <a:rPr lang="en-US" sz="2600" dirty="0" smtClean="0"/>
+              <a:t>Committed </a:t>
+            </a:r>
+          </a:p>
+          <a:p>
+            <a:r>
+              <a:rPr lang="en-US" sz="2600" dirty="0" smtClean="0"/>
+              <a:t>Modified</a:t>
+            </a:r>
+          </a:p>
+          <a:p>
+            <a:r>
+              <a:rPr lang="en-US" sz="2600" dirty="0" smtClean="0"/>
+              <a:t>Staged</a:t>
+            </a:r>
+            <a:r>
+              <a:rPr lang="en-US" sz="2600" dirty="0"/>
+              <a:t/>
+            </a:r>
+            <a:br>
+              <a:rPr lang="en-US" sz="2600" dirty="0"/>
+            </a:br>
+            <a:r>
+              <a:rPr lang="en-US" sz="2600" dirty="0"/>
+              <a:t>             </a:t>
+            </a:r>
+            <a:br>
+              <a:rPr lang="en-US" sz="2600" dirty="0"/>
+            </a:br>
+            <a:endParaRPr lang="en-US" sz="2600" dirty="0"/>
+          </a:p>
+        </p:txBody>
+      </p:sp>
     </p:spTree>
     <p:extLst>
       <p:ext uri="{BB962C8B-B14F-4D97-AF65-F5344CB8AC3E}">
-        <p14:creationId xmlns:p14="http://schemas.microsoft.com/office/powerpoint/2010/main" val="687049417"/>
+        <p14:creationId xmlns:p14="http://schemas.microsoft.com/office/powerpoint/2010/main" val="2645403389"/>
       </p:ext>
     </p:extLst>
   </p:cSld>
@@ -4850,29 +6414,77 @@
           <a:lstStyle/>
           <a:p>
             <a:r>
-              <a:rPr lang="en-US" dirty="0" err="1" smtClean="0"/>
+              <a:rPr lang="en-US" err="1"/>
               <a:t>Git</a:t>
             </a:r>
             <a:r>
-              <a:rPr lang="en-US" dirty="0" smtClean="0"/>
+              <a:rPr lang="en-US"/>
               <a:t> Basics</a:t>
             </a:r>
-            <a:endParaRPr lang="sv-SE" dirty="0"/>
+            <a:endParaRPr lang="sv-SE"/>
+          </a:p>
+        </p:txBody>
+      </p:sp>
+      <p:sp>
+        <p:nvSpPr>
+          <p:cNvPr id="3" name="Content Placeholder 2"/>
+          <p:cNvSpPr>
+            <a:spLocks noGrp="1"/>
+          </p:cNvSpPr>
+          <p:nvPr>
+            <p:ph idx="1"/>
+          </p:nvPr>
+        </p:nvSpPr>
+        <p:spPr/>
+        <p:txBody>
+          <a:bodyPr/>
+          <a:lstStyle/>
+          <a:p>
+            <a:r>
+              <a:rPr lang="en-US" sz="3000" dirty="0" err="1" smtClean="0"/>
+              <a:t>Huvudelarna</a:t>
+            </a:r>
+            <a:r>
+              <a:rPr lang="en-US" sz="3000" dirty="0" smtClean="0"/>
+              <a:t> </a:t>
+            </a:r>
+            <a:r>
+              <a:rPr lang="en-US" sz="3000" dirty="0" err="1" smtClean="0"/>
+              <a:t>i</a:t>
+            </a:r>
+            <a:r>
+              <a:rPr lang="en-US" sz="3000" dirty="0" smtClean="0"/>
+              <a:t> </a:t>
+            </a:r>
+            <a:r>
+              <a:rPr lang="en-US" sz="3000" dirty="0" err="1" smtClean="0"/>
+              <a:t>ett</a:t>
+            </a:r>
+            <a:r>
+              <a:rPr lang="en-US" sz="3000" dirty="0" smtClean="0"/>
+              <a:t> </a:t>
+            </a:r>
+            <a:r>
+              <a:rPr lang="en-US" sz="3000" dirty="0" err="1" smtClean="0"/>
+              <a:t>Git-projekt</a:t>
+            </a:r>
+            <a:endParaRPr lang="en-US" sz="3000" dirty="0"/>
+          </a:p>
+          <a:p>
+            <a:endParaRPr lang="en-US" sz="3000" dirty="0"/>
           </a:p>
         </p:txBody>
       </p:sp>
       <p:pic>
         <p:nvPicPr>
-          <p:cNvPr id="5" name="Content Placeholder 4"/>
+          <p:cNvPr id="4" name="Picture 3"/>
           <p:cNvPicPr>
-            <a:picLocks noGrp="1" noChangeAspect="1"/>
+            <a:picLocks noChangeAspect="1"/>
           </p:cNvPicPr>
-          <p:nvPr>
-            <p:ph idx="1"/>
-          </p:nvPr>
+          <p:nvPr/>
         </p:nvPicPr>
         <p:blipFill>
-          <a:blip r:embed="rId2">
+          <a:blip r:embed="rId3">
             <a:extLst>
               <a:ext uri="{28A0092B-C50C-407E-A947-70E740481C1C}">
                 <a14:useLocalDpi xmlns:a14="http://schemas.microsoft.com/office/drawing/2010/main" val="0"/>
@@ -4885,15 +6497,18 @@
         </p:blipFill>
         <p:spPr>
           <a:xfrm>
-            <a:off x="541552" y="1600200"/>
-            <a:ext cx="8060896" cy="4525963"/>
+            <a:off x="1043608" y="2282063"/>
+            <a:ext cx="6912768" cy="3810663"/>
           </a:xfrm>
+          <a:prstGeom prst="rect">
+            <a:avLst/>
+          </a:prstGeom>
         </p:spPr>
       </p:pic>
     </p:spTree>
     <p:extLst>
       <p:ext uri="{BB962C8B-B14F-4D97-AF65-F5344CB8AC3E}">
-        <p14:creationId xmlns:p14="http://schemas.microsoft.com/office/powerpoint/2010/main" val="3152771827"/>
+        <p14:creationId xmlns:p14="http://schemas.microsoft.com/office/powerpoint/2010/main" val="3519528039"/>
       </p:ext>
     </p:extLst>
   </p:cSld>
@@ -4936,12 +6551,32 @@
           <a:lstStyle/>
           <a:p>
             <a:r>
+              <a:rPr lang="en-US" dirty="0" err="1"/>
+              <a:t>Git</a:t>
+            </a:r>
+            <a:r>
+              <a:rPr lang="en-US" dirty="0"/>
+              <a:t> </a:t>
+            </a:r>
+            <a:r>
+              <a:rPr lang="en-US" dirty="0" smtClean="0"/>
+              <a:t>Basics(</a:t>
+            </a:r>
+            <a:r>
               <a:rPr lang="en-US" dirty="0" err="1" smtClean="0"/>
-              <a:t>Git</a:t>
+              <a:t>kanske</a:t>
             </a:r>
             <a:r>
               <a:rPr lang="en-US" dirty="0" smtClean="0"/>
-              <a:t> Basics</a:t>
+              <a:t> ta </a:t>
+            </a:r>
+            <a:r>
+              <a:rPr lang="en-US" dirty="0" err="1" smtClean="0"/>
+              <a:t>bort</a:t>
+            </a:r>
+            <a:r>
+              <a:rPr lang="en-US" dirty="0" smtClean="0"/>
+              <a:t>)</a:t>
             </a:r>
             <a:endParaRPr lang="sv-SE" dirty="0"/>
           </a:p>
@@ -4949,7 +6584,7 @@
       </p:sp>
       <p:pic>
         <p:nvPicPr>
-          <p:cNvPr id="4" name="Content Placeholder 3"/>
+          <p:cNvPr id="8" name="Content Placeholder 7"/>
           <p:cNvPicPr>
             <a:picLocks noGrp="1" noChangeAspect="1"/>
           </p:cNvPicPr>
@@ -4958,7 +6593,7 @@
           </p:nvPr>
         </p:nvPicPr>
         <p:blipFill>
-          <a:blip r:embed="rId2">
+          <a:blip r:embed="rId3">
             <a:extLst>
               <a:ext uri="{28A0092B-C50C-407E-A947-70E740481C1C}">
                 <a14:useLocalDpi xmlns:a14="http://schemas.microsoft.com/office/drawing/2010/main" val="0"/>
@@ -4971,15 +6606,15 @@
         </p:blipFill>
         <p:spPr>
           <a:xfrm>
-            <a:off x="555402" y="1600200"/>
-            <a:ext cx="8033195" cy="4525963"/>
+            <a:off x="569158" y="1600200"/>
+            <a:ext cx="8005684" cy="4525963"/>
           </a:xfrm>
         </p:spPr>
       </p:pic>
     </p:spTree>
     <p:extLst>
       <p:ext uri="{BB962C8B-B14F-4D97-AF65-F5344CB8AC3E}">
-        <p14:creationId xmlns:p14="http://schemas.microsoft.com/office/powerpoint/2010/main" val="391707125"/>
+        <p14:creationId xmlns:p14="http://schemas.microsoft.com/office/powerpoint/2010/main" val="4261299813"/>
       </p:ext>
     </p:extLst>
   </p:cSld>

--- a/Git.pptx
+++ b/Git.pptx
@@ -5,23 +5,22 @@
     <p:sldMasterId id="2147483648" r:id="rId1"/>
   </p:sldMasterIdLst>
   <p:notesMasterIdLst>
-    <p:notesMasterId r:id="rId16"/>
+    <p:notesMasterId r:id="rId15"/>
   </p:notesMasterIdLst>
   <p:sldIdLst>
     <p:sldId id="256" r:id="rId2"/>
     <p:sldId id="257" r:id="rId3"/>
     <p:sldId id="261" r:id="rId4"/>
     <p:sldId id="262" r:id="rId5"/>
-    <p:sldId id="260" r:id="rId6"/>
-    <p:sldId id="269" r:id="rId7"/>
-    <p:sldId id="270" r:id="rId8"/>
-    <p:sldId id="264" r:id="rId9"/>
-    <p:sldId id="258" r:id="rId10"/>
-    <p:sldId id="265" r:id="rId11"/>
-    <p:sldId id="266" r:id="rId12"/>
-    <p:sldId id="267" r:id="rId13"/>
-    <p:sldId id="263" r:id="rId14"/>
-    <p:sldId id="268" r:id="rId15"/>
+    <p:sldId id="269" r:id="rId6"/>
+    <p:sldId id="270" r:id="rId7"/>
+    <p:sldId id="258" r:id="rId8"/>
+    <p:sldId id="265" r:id="rId9"/>
+    <p:sldId id="266" r:id="rId10"/>
+    <p:sldId id="267" r:id="rId11"/>
+    <p:sldId id="264" r:id="rId12"/>
+    <p:sldId id="263" r:id="rId13"/>
+    <p:sldId id="268" r:id="rId14"/>
   </p:sldIdLst>
   <p:sldSz cx="9144000" cy="6858000" type="screen4x3"/>
   <p:notesSz cx="6858000" cy="9144000"/>
@@ -534,7 +533,7 @@
           <a:lstStyle/>
           <a:p>
             <a:r>
-              <a:rPr lang="sv-SE"/>
+              <a:rPr lang="sv-SE" dirty="0"/>
               <a:t>https://git-scm.com/book/en/v2/Getting-Started-A-Short-History-of-Git</a:t>
             </a:r>
           </a:p>
@@ -557,16 +556,37 @@
               <a:defRPr/>
             </a:pPr>
             <a:r>
-              <a:rPr lang="en-US" err="1"/>
+              <a:rPr lang="en-US" dirty="0" smtClean="0"/>
+              <a:t>Sedan </a:t>
+            </a:r>
+            <a:r>
+              <a:rPr lang="en-US" dirty="0" err="1" smtClean="0"/>
+              <a:t>började</a:t>
+            </a:r>
+            <a:r>
+              <a:rPr lang="en-US" dirty="0" smtClean="0"/>
+              <a:t> </a:t>
+            </a:r>
+            <a:r>
+              <a:rPr lang="en-US" dirty="0" err="1" smtClean="0"/>
               <a:t>BitKeeper</a:t>
             </a:r>
             <a:r>
-              <a:rPr lang="en-US"/>
-              <a:t> revoked its free-of charge status </a:t>
-            </a:r>
-          </a:p>
-          <a:p>
-            <a:endParaRPr lang="sv-SE"/>
+              <a:rPr lang="en-US" dirty="0" smtClean="0"/>
+              <a:t> ta </a:t>
+            </a:r>
+            <a:r>
+              <a:rPr lang="en-US" dirty="0" err="1" smtClean="0"/>
+              <a:t>betalt</a:t>
+            </a:r>
+            <a:r>
+              <a:rPr lang="en-US" dirty="0" smtClean="0"/>
+              <a:t> </a:t>
+            </a:r>
+            <a:endParaRPr lang="en-US" dirty="0"/>
+          </a:p>
+          <a:p>
+            <a:endParaRPr lang="sv-SE" dirty="0"/>
           </a:p>
         </p:txBody>
       </p:sp>
@@ -597,116 +617,6 @@
     <p:extLst>
       <p:ext uri="{BB962C8B-B14F-4D97-AF65-F5344CB8AC3E}">
         <p14:creationId xmlns:p14="http://schemas.microsoft.com/office/powerpoint/2010/main" val="823872864"/>
-      </p:ext>
-    </p:extLst>
-  </p:cSld>
-  <p:clrMapOvr>
-    <a:masterClrMapping/>
-  </p:clrMapOvr>
-</p:notes>
-</file>
-
-<file path=ppt/notesSlides/notesSlide10.xml><?xml version="1.0" encoding="utf-8"?>
-<p:notes xmlns:a="http://schemas.openxmlformats.org/drawingml/2006/main" xmlns:r="http://schemas.openxmlformats.org/officeDocument/2006/relationships" xmlns:p="http://schemas.openxmlformats.org/presentationml/2006/main">
-  <p:cSld>
-    <p:spTree>
-      <p:nvGrpSpPr>
-        <p:cNvPr id="1" name=""/>
-        <p:cNvGrpSpPr/>
-        <p:nvPr/>
-      </p:nvGrpSpPr>
-      <p:grpSpPr>
-        <a:xfrm>
-          <a:off x="0" y="0"/>
-          <a:ext cx="0" cy="0"/>
-          <a:chOff x="0" y="0"/>
-          <a:chExt cx="0" cy="0"/>
-        </a:xfrm>
-      </p:grpSpPr>
-      <p:sp>
-        <p:nvSpPr>
-          <p:cNvPr id="2" name="Slide Image Placeholder 1"/>
-          <p:cNvSpPr>
-            <a:spLocks noGrp="1" noRot="1" noChangeAspect="1"/>
-          </p:cNvSpPr>
-          <p:nvPr>
-            <p:ph type="sldImg"/>
-          </p:nvPr>
-        </p:nvSpPr>
-        <p:spPr/>
-      </p:sp>
-      <p:sp>
-        <p:nvSpPr>
-          <p:cNvPr id="3" name="Notes Placeholder 2"/>
-          <p:cNvSpPr>
-            <a:spLocks noGrp="1"/>
-          </p:cNvSpPr>
-          <p:nvPr>
-            <p:ph type="body" idx="1"/>
-          </p:nvPr>
-        </p:nvSpPr>
-        <p:spPr/>
-        <p:txBody>
-          <a:bodyPr/>
-          <a:lstStyle/>
-          <a:p>
-            <a:r>
-              <a:rPr lang="en-US"/>
-              <a:t>Originally designed as a command line tool and graphical clients came later.</a:t>
-            </a:r>
-          </a:p>
-          <a:p>
-            <a:r>
-              <a:rPr lang="en-US"/>
-              <a:t>More and newer features in the command line.</a:t>
-            </a:r>
-          </a:p>
-          <a:p>
-            <a:r>
-              <a:rPr lang="en-US"/>
-              <a:t>Most often, </a:t>
-            </a:r>
-            <a:r>
-              <a:rPr lang="en-US" err="1"/>
-              <a:t>git</a:t>
-            </a:r>
-            <a:r>
-              <a:rPr lang="en-US"/>
-              <a:t> features are explained using the command line online.</a:t>
-            </a:r>
-          </a:p>
-          <a:p>
-            <a:endParaRPr lang="en-US"/>
-          </a:p>
-        </p:txBody>
-      </p:sp>
-      <p:sp>
-        <p:nvSpPr>
-          <p:cNvPr id="4" name="Slide Number Placeholder 3"/>
-          <p:cNvSpPr>
-            <a:spLocks noGrp="1"/>
-          </p:cNvSpPr>
-          <p:nvPr>
-            <p:ph type="sldNum" sz="quarter" idx="10"/>
-          </p:nvPr>
-        </p:nvSpPr>
-        <p:spPr/>
-        <p:txBody>
-          <a:bodyPr/>
-          <a:lstStyle/>
-          <a:p>
-            <a:fld id="{FFBB3B00-6EC5-46E0-B113-428B4088268D}" type="slidenum">
-              <a:rPr lang="sv-SE" smtClean="0"/>
-              <a:t>14</a:t>
-            </a:fld>
-            <a:endParaRPr lang="sv-SE"/>
-          </a:p>
-        </p:txBody>
-      </p:sp>
-    </p:spTree>
-    <p:extLst>
-      <p:ext uri="{BB962C8B-B14F-4D97-AF65-F5344CB8AC3E}">
-        <p14:creationId xmlns:p14="http://schemas.microsoft.com/office/powerpoint/2010/main" val="2311385896"/>
       </p:ext>
     </p:extLst>
   </p:cSld>
@@ -787,7 +697,15 @@
             </a:r>
             <a:r>
               <a:rPr lang="en-US" dirty="0" smtClean="0"/>
-              <a:t> VCS (ex. SVN) </a:t>
+              <a:t> </a:t>
+            </a:r>
+            <a:r>
+              <a:rPr lang="en-US" dirty="0" err="1" smtClean="0"/>
+              <a:t>versionshanteringssystem</a:t>
+            </a:r>
+            <a:r>
+              <a:rPr lang="en-US" dirty="0" smtClean="0"/>
+              <a:t> </a:t>
             </a:r>
             <a:r>
               <a:rPr lang="en-US" dirty="0" err="1" smtClean="0"/>
@@ -1014,7 +932,7 @@
             </a:r>
             <a:r>
               <a:rPr lang="sv-SE" baseline="0" dirty="0" smtClean="0"/>
-              <a:t> en ögonblicksbild av hur alla filer ser ut vid det tillfället och lagrar en referens till den ögonblicksbilden. </a:t>
+              <a:t> en snapshot av hur alla filer ser ut vid det tillfället och lagrar en referens till den snapshoten. </a:t>
             </a:r>
           </a:p>
           <a:p>
@@ -1143,19 +1061,19 @@
           <a:lstStyle/>
           <a:p>
             <a:r>
-              <a:rPr lang="en-US" err="1"/>
+              <a:rPr lang="en-US" dirty="0" err="1"/>
               <a:t>Git</a:t>
             </a:r>
             <a:r>
-              <a:rPr lang="en-US"/>
+              <a:rPr lang="en-US" dirty="0"/>
               <a:t> has integrity built in (everything is check-summed before it is stored and is then </a:t>
             </a:r>
             <a:r>
-              <a:rPr lang="en-US" err="1"/>
+              <a:rPr lang="en-US" dirty="0" err="1"/>
               <a:t>reffered</a:t>
             </a:r>
             <a:r>
-              <a:rPr lang="en-US"/>
+              <a:rPr lang="en-US" dirty="0"/>
               <a:t> to by that checksum)</a:t>
             </a:r>
           </a:p>
@@ -1187,7 +1105,7 @@
     </p:spTree>
     <p:extLst>
       <p:ext uri="{BB962C8B-B14F-4D97-AF65-F5344CB8AC3E}">
-        <p14:creationId xmlns:p14="http://schemas.microsoft.com/office/powerpoint/2010/main" val="2846276860"/>
+        <p14:creationId xmlns:p14="http://schemas.microsoft.com/office/powerpoint/2010/main" val="927241312"/>
       </p:ext>
     </p:extLst>
   </p:cSld>
@@ -1242,20 +1160,324 @@
           <a:lstStyle/>
           <a:p>
             <a:r>
-              <a:rPr lang="en-US" dirty="0" err="1"/>
-              <a:t>Git</a:t>
-            </a:r>
-            <a:r>
-              <a:rPr lang="en-US" dirty="0"/>
-              <a:t> has integrity built in (everything is check-summed before it is stored and is then </a:t>
-            </a:r>
-            <a:r>
-              <a:rPr lang="en-US" dirty="0" err="1"/>
-              <a:t>reffered</a:t>
-            </a:r>
-            <a:r>
-              <a:rPr lang="en-US" dirty="0"/>
-              <a:t> to by that checksum)</a:t>
+              <a:rPr lang="en-US" dirty="0" smtClean="0"/>
+              <a:t>Committed </a:t>
+            </a:r>
+            <a:r>
+              <a:rPr lang="en-US" dirty="0" err="1" smtClean="0"/>
+              <a:t>innebär</a:t>
+            </a:r>
+            <a:r>
+              <a:rPr lang="en-US" dirty="0" smtClean="0"/>
+              <a:t> </a:t>
+            </a:r>
+            <a:r>
+              <a:rPr lang="en-US" dirty="0" err="1" smtClean="0"/>
+              <a:t>att</a:t>
+            </a:r>
+            <a:r>
+              <a:rPr lang="en-US" baseline="0" dirty="0" smtClean="0"/>
+              <a:t> </a:t>
+            </a:r>
+            <a:r>
+              <a:rPr lang="en-US" baseline="0" dirty="0" err="1" smtClean="0"/>
+              <a:t>filen</a:t>
+            </a:r>
+            <a:r>
+              <a:rPr lang="en-US" baseline="0" dirty="0" smtClean="0"/>
+              <a:t> </a:t>
+            </a:r>
+            <a:r>
+              <a:rPr lang="en-US" baseline="0" dirty="0" err="1" smtClean="0"/>
+              <a:t>är</a:t>
+            </a:r>
+            <a:r>
+              <a:rPr lang="en-US" baseline="0" dirty="0" smtClean="0"/>
+              <a:t> </a:t>
+            </a:r>
+            <a:r>
+              <a:rPr lang="en-US" baseline="0" dirty="0" err="1" smtClean="0"/>
+              <a:t>lagrad</a:t>
+            </a:r>
+            <a:r>
+              <a:rPr lang="en-US" baseline="0" dirty="0" smtClean="0"/>
+              <a:t> </a:t>
+            </a:r>
+            <a:r>
+              <a:rPr lang="en-US" baseline="0" dirty="0" err="1" smtClean="0"/>
+              <a:t>i</a:t>
+            </a:r>
+            <a:r>
+              <a:rPr lang="en-US" baseline="0" dirty="0" smtClean="0"/>
+              <a:t> den </a:t>
+            </a:r>
+            <a:r>
+              <a:rPr lang="en-US" baseline="0" dirty="0" err="1" smtClean="0"/>
+              <a:t>lokala</a:t>
+            </a:r>
+            <a:r>
+              <a:rPr lang="en-US" baseline="0" dirty="0" smtClean="0"/>
+              <a:t> </a:t>
+            </a:r>
+            <a:r>
+              <a:rPr lang="en-US" baseline="0" dirty="0" err="1" smtClean="0"/>
+              <a:t>databasen</a:t>
+            </a:r>
+            <a:r>
+              <a:rPr lang="en-US" baseline="0" dirty="0" smtClean="0"/>
+              <a:t>.</a:t>
+            </a:r>
+            <a:r>
+              <a:rPr lang="en-US" dirty="0" smtClean="0"/>
+              <a:t> </a:t>
+            </a:r>
+          </a:p>
+          <a:p>
+            <a:r>
+              <a:rPr lang="en-US" dirty="0" smtClean="0"/>
+              <a:t>Modified </a:t>
+            </a:r>
+            <a:r>
+              <a:rPr lang="en-US" dirty="0" err="1" smtClean="0"/>
+              <a:t>innebär</a:t>
+            </a:r>
+            <a:r>
+              <a:rPr lang="en-US" dirty="0" smtClean="0"/>
+              <a:t> </a:t>
+            </a:r>
+            <a:r>
+              <a:rPr lang="en-US" dirty="0" err="1" smtClean="0"/>
+              <a:t>att</a:t>
+            </a:r>
+            <a:r>
+              <a:rPr lang="en-US" dirty="0" smtClean="0"/>
+              <a:t> </a:t>
+            </a:r>
+            <a:r>
+              <a:rPr lang="en-US" dirty="0" err="1" smtClean="0"/>
+              <a:t>filen</a:t>
+            </a:r>
+            <a:r>
+              <a:rPr lang="en-US" baseline="0" dirty="0" smtClean="0"/>
+              <a:t> </a:t>
+            </a:r>
+            <a:r>
+              <a:rPr lang="en-US" baseline="0" dirty="0" err="1" smtClean="0"/>
+              <a:t>har</a:t>
+            </a:r>
+            <a:r>
+              <a:rPr lang="en-US" baseline="0" dirty="0" smtClean="0"/>
+              <a:t> </a:t>
+            </a:r>
+            <a:r>
+              <a:rPr lang="en-US" baseline="0" dirty="0" err="1" smtClean="0"/>
+              <a:t>ändrats</a:t>
+            </a:r>
+            <a:r>
+              <a:rPr lang="en-US" baseline="0" dirty="0" smtClean="0"/>
+              <a:t> men den </a:t>
+            </a:r>
+            <a:r>
+              <a:rPr lang="en-US" baseline="0" dirty="0" err="1" smtClean="0"/>
+              <a:t>har</a:t>
+            </a:r>
+            <a:r>
+              <a:rPr lang="en-US" baseline="0" dirty="0" smtClean="0"/>
+              <a:t> </a:t>
+            </a:r>
+            <a:r>
+              <a:rPr lang="en-US" baseline="0" dirty="0" err="1" smtClean="0"/>
+              <a:t>inte</a:t>
+            </a:r>
+            <a:r>
+              <a:rPr lang="en-US" baseline="0" dirty="0" smtClean="0"/>
+              <a:t> </a:t>
+            </a:r>
+            <a:r>
+              <a:rPr lang="en-US" baseline="0" dirty="0" err="1" smtClean="0"/>
+              <a:t>blivit</a:t>
+            </a:r>
+            <a:r>
+              <a:rPr lang="en-US" baseline="0" dirty="0" smtClean="0"/>
+              <a:t> </a:t>
+            </a:r>
+            <a:r>
+              <a:rPr lang="en-US" baseline="0" dirty="0" err="1" smtClean="0"/>
+              <a:t>committad</a:t>
+            </a:r>
+            <a:r>
+              <a:rPr lang="en-US" baseline="0" dirty="0" smtClean="0"/>
+              <a:t> till den </a:t>
+            </a:r>
+            <a:r>
+              <a:rPr lang="en-US" baseline="0" dirty="0" err="1" smtClean="0"/>
+              <a:t>lokala</a:t>
+            </a:r>
+            <a:r>
+              <a:rPr lang="en-US" baseline="0" dirty="0" smtClean="0"/>
+              <a:t> </a:t>
+            </a:r>
+            <a:r>
+              <a:rPr lang="en-US" baseline="0" dirty="0" err="1" smtClean="0"/>
+              <a:t>databasen</a:t>
+            </a:r>
+            <a:r>
+              <a:rPr lang="en-US" baseline="0" dirty="0" smtClean="0"/>
+              <a:t> </a:t>
+            </a:r>
+            <a:r>
+              <a:rPr lang="en-US" baseline="0" dirty="0" err="1" smtClean="0"/>
+              <a:t>än</a:t>
+            </a:r>
+            <a:r>
+              <a:rPr lang="en-US" baseline="0" dirty="0" smtClean="0"/>
+              <a:t>.</a:t>
+            </a:r>
+            <a:r>
+              <a:rPr lang="en-US" dirty="0" smtClean="0"/>
+              <a:t> </a:t>
+            </a:r>
+          </a:p>
+          <a:p>
+            <a:r>
+              <a:rPr lang="en-US" dirty="0" smtClean="0"/>
+              <a:t>Staged </a:t>
+            </a:r>
+            <a:r>
+              <a:rPr lang="en-US" dirty="0" err="1" smtClean="0"/>
+              <a:t>innebär</a:t>
+            </a:r>
+            <a:r>
+              <a:rPr lang="en-US" dirty="0" smtClean="0"/>
+              <a:t> </a:t>
+            </a:r>
+            <a:r>
+              <a:rPr lang="en-US" dirty="0" err="1" smtClean="0"/>
+              <a:t>att</a:t>
+            </a:r>
+            <a:r>
+              <a:rPr lang="en-US" dirty="0" smtClean="0"/>
+              <a:t> </a:t>
+            </a:r>
+            <a:r>
+              <a:rPr lang="en-US" dirty="0" err="1" smtClean="0"/>
+              <a:t>en</a:t>
+            </a:r>
+            <a:r>
+              <a:rPr lang="en-US" dirty="0" smtClean="0"/>
+              <a:t> </a:t>
+            </a:r>
+            <a:r>
+              <a:rPr lang="en-US" dirty="0" err="1" smtClean="0"/>
+              <a:t>modifierad</a:t>
+            </a:r>
+            <a:r>
+              <a:rPr lang="en-US" dirty="0" smtClean="0"/>
+              <a:t> fil </a:t>
+            </a:r>
+            <a:r>
+              <a:rPr lang="en-US" dirty="0" err="1" smtClean="0"/>
+              <a:t>blivit</a:t>
+            </a:r>
+            <a:r>
+              <a:rPr lang="en-US" dirty="0" smtClean="0"/>
+              <a:t> </a:t>
+            </a:r>
+            <a:r>
+              <a:rPr lang="en-US" dirty="0" err="1" smtClean="0"/>
+              <a:t>märkt</a:t>
+            </a:r>
+            <a:r>
+              <a:rPr lang="en-US" dirty="0" smtClean="0"/>
+              <a:t> </a:t>
+            </a:r>
+            <a:r>
+              <a:rPr lang="en-US" baseline="0" dirty="0" err="1" smtClean="0"/>
+              <a:t>i</a:t>
+            </a:r>
+            <a:r>
+              <a:rPr lang="en-US" baseline="0" dirty="0" smtClean="0"/>
+              <a:t> </a:t>
+            </a:r>
+            <a:r>
+              <a:rPr lang="en-US" baseline="0" dirty="0" err="1" smtClean="0"/>
+              <a:t>en</a:t>
+            </a:r>
+            <a:r>
+              <a:rPr lang="en-US" baseline="0" dirty="0" smtClean="0"/>
+              <a:t> </a:t>
+            </a:r>
+            <a:r>
+              <a:rPr lang="en-US" baseline="0" dirty="0" err="1" smtClean="0"/>
+              <a:t>viss</a:t>
+            </a:r>
+            <a:r>
+              <a:rPr lang="en-US" baseline="0" dirty="0" smtClean="0"/>
+              <a:t> version, </a:t>
+            </a:r>
+            <a:r>
+              <a:rPr lang="en-US" baseline="0" dirty="0" err="1" smtClean="0"/>
+              <a:t>som</a:t>
+            </a:r>
+            <a:r>
+              <a:rPr lang="en-US" baseline="0" dirty="0" smtClean="0"/>
+              <a:t> </a:t>
+            </a:r>
+            <a:r>
+              <a:rPr lang="en-US" baseline="0" dirty="0" err="1" smtClean="0"/>
+              <a:t>kommer</a:t>
+            </a:r>
+            <a:r>
+              <a:rPr lang="en-US" baseline="0" dirty="0" smtClean="0"/>
+              <a:t> </a:t>
+            </a:r>
+            <a:r>
+              <a:rPr lang="en-US" baseline="0" dirty="0" err="1" smtClean="0"/>
+              <a:t>att</a:t>
+            </a:r>
+            <a:r>
+              <a:rPr lang="en-US" baseline="0" dirty="0" smtClean="0"/>
+              <a:t> </a:t>
+            </a:r>
+            <a:r>
+              <a:rPr lang="en-US" baseline="0" dirty="0" err="1" smtClean="0"/>
+              <a:t>ingå</a:t>
+            </a:r>
+            <a:r>
+              <a:rPr lang="en-US" baseline="0" dirty="0" smtClean="0"/>
+              <a:t> den </a:t>
+            </a:r>
+            <a:r>
+              <a:rPr lang="en-US" baseline="0" dirty="0" err="1" smtClean="0"/>
+              <a:t>kommande</a:t>
+            </a:r>
+            <a:r>
+              <a:rPr lang="en-US" baseline="0" dirty="0" smtClean="0"/>
+              <a:t> </a:t>
+            </a:r>
+            <a:r>
+              <a:rPr lang="en-US" baseline="0" dirty="0" err="1" smtClean="0"/>
+              <a:t>committen</a:t>
+            </a:r>
+            <a:r>
+              <a:rPr lang="en-US" baseline="0" dirty="0" smtClean="0"/>
+              <a:t> </a:t>
+            </a:r>
+            <a:r>
+              <a:rPr lang="en-US" baseline="0" dirty="0" err="1" smtClean="0"/>
+              <a:t>av</a:t>
+            </a:r>
+            <a:r>
+              <a:rPr lang="en-US" baseline="0" dirty="0" smtClean="0"/>
+              <a:t> den </a:t>
+            </a:r>
+            <a:r>
+              <a:rPr lang="en-US" baseline="0" dirty="0" err="1" smtClean="0"/>
+              <a:t>filen</a:t>
+            </a:r>
+            <a:r>
+              <a:rPr lang="en-US" baseline="0" dirty="0" smtClean="0"/>
+              <a:t>.   </a:t>
             </a:r>
           </a:p>
         </p:txBody>
@@ -1340,23 +1562,7 @@
           <a:bodyPr/>
           <a:lstStyle/>
           <a:p>
-            <a:r>
-              <a:rPr lang="en-US" dirty="0" smtClean="0"/>
-              <a:t>Committed means that the data is safely stored in your local database. </a:t>
-            </a:r>
-          </a:p>
-          <a:p>
-            <a:r>
-              <a:rPr lang="en-US" dirty="0" smtClean="0"/>
-              <a:t>Modified means that you have changed the file but have not committed it to your database yet. </a:t>
-            </a:r>
-          </a:p>
-          <a:p>
-            <a:r>
-              <a:rPr lang="en-US" dirty="0" smtClean="0"/>
-              <a:t>Staged means that you have marked a modified file in its current version to go into your next commit snapshot.</a:t>
-            </a:r>
-            <a:endParaRPr lang="en-US" dirty="0"/>
+            <a:endParaRPr lang="sv-SE" dirty="0"/>
           </a:p>
         </p:txBody>
       </p:sp>
@@ -1386,7 +1592,7 @@
     </p:spTree>
     <p:extLst>
       <p:ext uri="{BB962C8B-B14F-4D97-AF65-F5344CB8AC3E}">
-        <p14:creationId xmlns:p14="http://schemas.microsoft.com/office/powerpoint/2010/main" val="927241312"/>
+        <p14:creationId xmlns:p14="http://schemas.microsoft.com/office/powerpoint/2010/main" val="1996492299"/>
       </p:ext>
     </p:extLst>
   </p:cSld>
@@ -1441,30 +1647,20 @@
           <a:lstStyle/>
           <a:p>
             <a:r>
-              <a:rPr lang="en-US"/>
-              <a:t>This</a:t>
-            </a:r>
-            <a:r>
-              <a:rPr lang="en-US" baseline="0"/>
-              <a:t> slide might not be needed</a:t>
-            </a:r>
-          </a:p>
-          <a:p>
-            <a:r>
-              <a:rPr lang="en-US"/>
-              <a:t>You modify files in your working directory.</a:t>
-            </a:r>
-          </a:p>
-          <a:p>
-            <a:r>
-              <a:rPr lang="en-US"/>
-              <a:t>You stage the files, adding snapshots of them to your staging area.</a:t>
-            </a:r>
-          </a:p>
-          <a:p>
-            <a:r>
-              <a:rPr lang="en-US"/>
-              <a:t>You do a commit, which takes the files as they are in the staging area and stores that snapshot permanently to your </a:t>
+              <a:rPr lang="en-US" b="1"/>
+              <a:t>Split work into separate commits.</a:t>
+            </a:r>
+            <a:r>
+              <a:rPr lang="en-US"/>
+              <a:t> You've probably many times opened a file to write a single-line fix, but at the same time you spotted that the formatting was wrong, some documentation could be improved, or some other unrelated fix. With other </a:t>
+            </a:r>
+            <a:r>
+              <a:rPr lang="en-US" err="1"/>
+              <a:t>RCSes</a:t>
+            </a:r>
+            <a:r>
+              <a:rPr lang="en-US"/>
+              <a:t> you'd have to write that down or commit it to memory, finish the fix you came for, commit that, and then return to fix the other stuff (or create a ball-of-mud commit with unrelated stuff). With </a:t>
             </a:r>
             <a:r>
               <a:rPr lang="en-US" err="1"/>
@@ -1472,7 +1668,65 @@
             </a:r>
             <a:r>
               <a:rPr lang="en-US"/>
-              <a:t> directory.</a:t>
+              <a:t> you just fix all of it at once, and </a:t>
+            </a:r>
+            <a:r>
+              <a:rPr lang="en-US" err="1"/>
+              <a:t>stage+commit</a:t>
+            </a:r>
+            <a:r>
+              <a:rPr lang="en-US"/>
+              <a:t> the single line separately, with </a:t>
+            </a:r>
+            <a:r>
+              <a:rPr lang="en-US" err="1"/>
+              <a:t>git</a:t>
+            </a:r>
+            <a:r>
+              <a:rPr lang="en-US"/>
+              <a:t> add -</a:t>
+            </a:r>
+            <a:r>
+              <a:rPr lang="en-US" err="1"/>
+              <a:t>i</a:t>
+            </a:r>
+            <a:r>
+              <a:rPr lang="en-US"/>
+              <a:t> or </a:t>
+            </a:r>
+            <a:r>
+              <a:rPr lang="en-US" err="1"/>
+              <a:t>git-gui</a:t>
+            </a:r>
+            <a:r>
+              <a:rPr lang="en-US"/>
+              <a:t>.</a:t>
+            </a:r>
+          </a:p>
+          <a:p>
+            <a:r>
+              <a:rPr lang="en-US" b="1"/>
+              <a:t>Don't break the build.</a:t>
+            </a:r>
+            <a:r>
+              <a:rPr lang="en-US"/>
+              <a:t> You're working on a complicated modification. So you try different things, some of which work better than others, some which break things. With </a:t>
+            </a:r>
+            <a:r>
+              <a:rPr lang="en-US" err="1"/>
+              <a:t>Git</a:t>
+            </a:r>
+            <a:r>
+              <a:rPr lang="en-US"/>
+              <a:t> you'd stage things when the modification made things better, and checkout (or tweak some more) when the modification didn't work. You won't have to rely on the editor's undo functionality, you can checkout the entire repo instead of just file-by-file, and any file-level mistakes (such as removing a file that has not been committed or </a:t>
+            </a:r>
+            <a:r>
+              <a:rPr lang="en-US" err="1"/>
+              <a:t>saving+closing</a:t>
+            </a:r>
+            <a:r>
+              <a:rPr lang="en-US"/>
+              <a:t> after a bad modification) does not lead to lots of work lost.</a:t>
             </a:r>
           </a:p>
           <a:p>
@@ -1506,7 +1760,7 @@
     </p:spTree>
     <p:extLst>
       <p:ext uri="{BB962C8B-B14F-4D97-AF65-F5344CB8AC3E}">
-        <p14:creationId xmlns:p14="http://schemas.microsoft.com/office/powerpoint/2010/main" val="218841991"/>
+        <p14:creationId xmlns:p14="http://schemas.microsoft.com/office/powerpoint/2010/main" val="3574361280"/>
       </p:ext>
     </p:extLst>
   </p:cSld>
@@ -1560,7 +1814,43 @@
           <a:bodyPr/>
           <a:lstStyle/>
           <a:p>
-            <a:endParaRPr lang="sv-SE" dirty="0"/>
+            <a:r>
+              <a:rPr lang="en-US"/>
+              <a:t>This</a:t>
+            </a:r>
+            <a:r>
+              <a:rPr lang="en-US" baseline="0"/>
+              <a:t> slide might not be needed</a:t>
+            </a:r>
+          </a:p>
+          <a:p>
+            <a:r>
+              <a:rPr lang="en-US"/>
+              <a:t>You modify files in your working directory.</a:t>
+            </a:r>
+          </a:p>
+          <a:p>
+            <a:r>
+              <a:rPr lang="en-US"/>
+              <a:t>You stage the files, adding snapshots of them to your staging area.</a:t>
+            </a:r>
+          </a:p>
+          <a:p>
+            <a:r>
+              <a:rPr lang="en-US"/>
+              <a:t>You do a commit, which takes the files as they are in the staging area and stores that snapshot permanently to your </a:t>
+            </a:r>
+            <a:r>
+              <a:rPr lang="en-US" err="1"/>
+              <a:t>Git</a:t>
+            </a:r>
+            <a:r>
+              <a:rPr lang="en-US"/>
+              <a:t> directory.</a:t>
+            </a:r>
+          </a:p>
+          <a:p>
+            <a:endParaRPr lang="sv-SE"/>
           </a:p>
         </p:txBody>
       </p:sp>
@@ -1581,7 +1871,7 @@
           <a:p>
             <a:fld id="{FFBB3B00-6EC5-46E0-B113-428B4088268D}" type="slidenum">
               <a:rPr lang="sv-SE" smtClean="0"/>
-              <a:t>9</a:t>
+              <a:t>11</a:t>
             </a:fld>
             <a:endParaRPr lang="sv-SE"/>
           </a:p>
@@ -1590,7 +1880,7 @@
     </p:spTree>
     <p:extLst>
       <p:ext uri="{BB962C8B-B14F-4D97-AF65-F5344CB8AC3E}">
-        <p14:creationId xmlns:p14="http://schemas.microsoft.com/office/powerpoint/2010/main" val="1996492299"/>
+        <p14:creationId xmlns:p14="http://schemas.microsoft.com/office/powerpoint/2010/main" val="218841991"/>
       </p:ext>
     </p:extLst>
   </p:cSld>
@@ -1645,36 +1935,20 @@
           <a:lstStyle/>
           <a:p>
             <a:r>
-              <a:rPr lang="en-US" b="1"/>
-              <a:t>Split work into separate commits.</a:t>
-            </a:r>
-            <a:r>
-              <a:rPr lang="en-US"/>
-              <a:t> You've probably many times opened a file to write a single-line fix, but at the same time you spotted that the formatting was wrong, some documentation could be improved, or some other unrelated fix. With other </a:t>
-            </a:r>
-            <a:r>
-              <a:rPr lang="en-US" err="1"/>
-              <a:t>RCSes</a:t>
-            </a:r>
-            <a:r>
-              <a:rPr lang="en-US"/>
-              <a:t> you'd have to write that down or commit it to memory, finish the fix you came for, commit that, and then return to fix the other stuff (or create a ball-of-mud commit with unrelated stuff). With </a:t>
-            </a:r>
-            <a:r>
-              <a:rPr lang="en-US" err="1"/>
-              <a:t>Git</a:t>
-            </a:r>
-            <a:r>
-              <a:rPr lang="en-US"/>
-              <a:t> you just fix all of it at once, and </a:t>
-            </a:r>
-            <a:r>
-              <a:rPr lang="en-US" err="1"/>
-              <a:t>stage+commit</a:t>
-            </a:r>
-            <a:r>
-              <a:rPr lang="en-US"/>
-              <a:t> the single line separately, with </a:t>
+              <a:rPr lang="en-US"/>
+              <a:t>Originally designed as a command line tool and graphical clients came later.</a:t>
+            </a:r>
+          </a:p>
+          <a:p>
+            <a:r>
+              <a:rPr lang="en-US"/>
+              <a:t>More and newer features in the command line.</a:t>
+            </a:r>
+          </a:p>
+          <a:p>
+            <a:r>
+              <a:rPr lang="en-US"/>
+              <a:t>Most often, </a:t>
             </a:r>
             <a:r>
               <a:rPr lang="en-US" err="1"/>
@@ -1682,53 +1956,11 @@
             </a:r>
             <a:r>
               <a:rPr lang="en-US"/>
-              <a:t> add -</a:t>
-            </a:r>
-            <a:r>
-              <a:rPr lang="en-US" err="1"/>
-              <a:t>i</a:t>
-            </a:r>
-            <a:r>
-              <a:rPr lang="en-US"/>
-              <a:t> or </a:t>
-            </a:r>
-            <a:r>
-              <a:rPr lang="en-US" err="1"/>
-              <a:t>git-gui</a:t>
-            </a:r>
-            <a:r>
-              <a:rPr lang="en-US"/>
-              <a:t>.</a:t>
-            </a:r>
-          </a:p>
-          <a:p>
-            <a:r>
-              <a:rPr lang="en-US" b="1"/>
-              <a:t>Don't break the build.</a:t>
-            </a:r>
-            <a:r>
-              <a:rPr lang="en-US"/>
-              <a:t> You're working on a complicated modification. So you try different things, some of which work better than others, some which break things. With </a:t>
-            </a:r>
-            <a:r>
-              <a:rPr lang="en-US" err="1"/>
-              <a:t>Git</a:t>
-            </a:r>
-            <a:r>
-              <a:rPr lang="en-US"/>
-              <a:t> you'd stage things when the modification made things better, and checkout (or tweak some more) when the modification didn't work. You won't have to rely on the editor's undo functionality, you can checkout the entire repo instead of just file-by-file, and any file-level mistakes (such as removing a file that has not been committed or </a:t>
-            </a:r>
-            <a:r>
-              <a:rPr lang="en-US" err="1"/>
-              <a:t>saving+closing</a:t>
-            </a:r>
-            <a:r>
-              <a:rPr lang="en-US"/>
-              <a:t> after a bad modification) does not lead to lots of work lost.</a:t>
-            </a:r>
-          </a:p>
-          <a:p>
-            <a:endParaRPr lang="sv-SE"/>
+              <a:t> features are explained using the command line online.</a:t>
+            </a:r>
+          </a:p>
+          <a:p>
+            <a:endParaRPr lang="en-US"/>
           </a:p>
         </p:txBody>
       </p:sp>
@@ -1749,7 +1981,7 @@
           <a:p>
             <a:fld id="{FFBB3B00-6EC5-46E0-B113-428B4088268D}" type="slidenum">
               <a:rPr lang="sv-SE" smtClean="0"/>
-              <a:t>10</a:t>
+              <a:t>13</a:t>
             </a:fld>
             <a:endParaRPr lang="sv-SE"/>
           </a:p>
@@ -1758,7 +1990,7 @@
     </p:spTree>
     <p:extLst>
       <p:ext uri="{BB962C8B-B14F-4D97-AF65-F5344CB8AC3E}">
-        <p14:creationId xmlns:p14="http://schemas.microsoft.com/office/powerpoint/2010/main" val="3574361280"/>
+        <p14:creationId xmlns:p14="http://schemas.microsoft.com/office/powerpoint/2010/main" val="2311385896"/>
       </p:ext>
     </p:extLst>
   </p:cSld>
@@ -4882,7 +5114,7 @@
           </p:nvPr>
         </p:nvPicPr>
         <p:blipFill>
-          <a:blip r:embed="rId3">
+          <a:blip r:embed="rId2">
             <a:extLst>
               <a:ext uri="{28A0092B-C50C-407E-A947-70E740481C1C}">
                 <a14:useLocalDpi xmlns:a14="http://schemas.microsoft.com/office/drawing/2010/main" val="0"/>
@@ -4895,15 +5127,105 @@
         </p:blipFill>
         <p:spPr>
           <a:xfrm>
-            <a:off x="544594" y="1600200"/>
-            <a:ext cx="8054811" cy="4525963"/>
+            <a:off x="555402" y="1600200"/>
+            <a:ext cx="8033195" cy="4525963"/>
           </a:xfrm>
         </p:spPr>
       </p:pic>
+      <p:sp>
+        <p:nvSpPr>
+          <p:cNvPr id="5" name="TextBox 4"/>
+          <p:cNvSpPr txBox="1"/>
+          <p:nvPr/>
+        </p:nvSpPr>
+        <p:spPr>
+          <a:xfrm>
+            <a:off x="842839" y="3464983"/>
+            <a:ext cx="1039067" cy="369332"/>
+          </a:xfrm>
+          <a:prstGeom prst="rect">
+            <a:avLst/>
+          </a:prstGeom>
+          <a:noFill/>
+        </p:spPr>
+        <p:txBody>
+          <a:bodyPr wrap="none" rtlCol="0">
+            <a:spAutoFit/>
+          </a:bodyPr>
+          <a:lstStyle/>
+          <a:p>
+            <a:r>
+              <a:rPr lang="sv-SE" dirty="0" err="1" smtClean="0"/>
+              <a:t>Modified</a:t>
+            </a:r>
+            <a:endParaRPr lang="sv-SE" dirty="0"/>
+          </a:p>
+        </p:txBody>
+      </p:sp>
+      <p:sp>
+        <p:nvSpPr>
+          <p:cNvPr id="6" name="TextBox 5"/>
+          <p:cNvSpPr txBox="1"/>
+          <p:nvPr/>
+        </p:nvSpPr>
+        <p:spPr>
+          <a:xfrm>
+            <a:off x="3005595" y="3463197"/>
+            <a:ext cx="866691" cy="369332"/>
+          </a:xfrm>
+          <a:prstGeom prst="rect">
+            <a:avLst/>
+          </a:prstGeom>
+          <a:noFill/>
+        </p:spPr>
+        <p:txBody>
+          <a:bodyPr wrap="square" rtlCol="0">
+            <a:spAutoFit/>
+          </a:bodyPr>
+          <a:lstStyle/>
+          <a:p>
+            <a:r>
+              <a:rPr lang="sv-SE" dirty="0" err="1" smtClean="0"/>
+              <a:t>Staged</a:t>
+            </a:r>
+            <a:endParaRPr lang="sv-SE" dirty="0"/>
+          </a:p>
+        </p:txBody>
+      </p:sp>
+      <p:sp>
+        <p:nvSpPr>
+          <p:cNvPr id="7" name="TextBox 6"/>
+          <p:cNvSpPr txBox="1"/>
+          <p:nvPr/>
+        </p:nvSpPr>
+        <p:spPr>
+          <a:xfrm>
+            <a:off x="4890053" y="3463197"/>
+            <a:ext cx="1256306" cy="369332"/>
+          </a:xfrm>
+          <a:prstGeom prst="rect">
+            <a:avLst/>
+          </a:prstGeom>
+          <a:noFill/>
+        </p:spPr>
+        <p:txBody>
+          <a:bodyPr wrap="square" rtlCol="0">
+            <a:spAutoFit/>
+          </a:bodyPr>
+          <a:lstStyle/>
+          <a:p>
+            <a:r>
+              <a:rPr lang="sv-SE" dirty="0" err="1" smtClean="0"/>
+              <a:t>Commited</a:t>
+            </a:r>
+            <a:endParaRPr lang="sv-SE" dirty="0"/>
+          </a:p>
+        </p:txBody>
+      </p:sp>
     </p:spTree>
     <p:extLst>
       <p:ext uri="{BB962C8B-B14F-4D97-AF65-F5344CB8AC3E}">
-        <p14:creationId xmlns:p14="http://schemas.microsoft.com/office/powerpoint/2010/main" val="687049417"/>
+        <p14:creationId xmlns:p14="http://schemas.microsoft.com/office/powerpoint/2010/main" val="391707125"/>
       </p:ext>
     </p:extLst>
   </p:cSld>
@@ -4946,45 +5268,77 @@
           <a:lstStyle/>
           <a:p>
             <a:r>
-              <a:rPr lang="en-US" dirty="0" err="1"/>
+              <a:rPr lang="en-US" err="1"/>
               <a:t>Git</a:t>
             </a:r>
             <a:r>
-              <a:rPr lang="en-US" dirty="0"/>
-              <a:t> Basics(</a:t>
-            </a:r>
-            <a:r>
-              <a:rPr lang="en-US" dirty="0" err="1"/>
-              <a:t>kanske</a:t>
-            </a:r>
-            <a:r>
-              <a:rPr lang="en-US" dirty="0"/>
-              <a:t> ta </a:t>
-            </a:r>
-            <a:r>
-              <a:rPr lang="en-US" dirty="0" err="1"/>
-              <a:t>bort</a:t>
-            </a:r>
-            <a:r>
-              <a:rPr lang="en-US" dirty="0"/>
-              <a:t>)</a:t>
-            </a:r>
-            <a:endParaRPr lang="sv-SE" dirty="0"/>
+              <a:rPr lang="en-US"/>
+              <a:t> Basics</a:t>
+            </a:r>
+            <a:endParaRPr lang="sv-SE"/>
+          </a:p>
+        </p:txBody>
+      </p:sp>
+      <p:sp>
+        <p:nvSpPr>
+          <p:cNvPr id="3" name="Content Placeholder 2"/>
+          <p:cNvSpPr>
+            <a:spLocks noGrp="1"/>
+          </p:cNvSpPr>
+          <p:nvPr>
+            <p:ph idx="1"/>
+          </p:nvPr>
+        </p:nvSpPr>
+        <p:spPr/>
+        <p:txBody>
+          <a:bodyPr/>
+          <a:lstStyle/>
+          <a:p>
+            <a:r>
+              <a:rPr lang="en-US" sz="3000" dirty="0" err="1" smtClean="0"/>
+              <a:t>Huvudelarna</a:t>
+            </a:r>
+            <a:r>
+              <a:rPr lang="en-US" sz="3000" dirty="0" smtClean="0"/>
+              <a:t> </a:t>
+            </a:r>
+            <a:r>
+              <a:rPr lang="en-US" sz="3000" dirty="0" err="1" smtClean="0"/>
+              <a:t>i</a:t>
+            </a:r>
+            <a:r>
+              <a:rPr lang="en-US" sz="3000" dirty="0" smtClean="0"/>
+              <a:t> </a:t>
+            </a:r>
+            <a:r>
+              <a:rPr lang="en-US" sz="3000" dirty="0" err="1" smtClean="0"/>
+              <a:t>ett</a:t>
+            </a:r>
+            <a:r>
+              <a:rPr lang="en-US" sz="3000" dirty="0" smtClean="0"/>
+              <a:t> </a:t>
+            </a:r>
+            <a:r>
+              <a:rPr lang="en-US" sz="3000" dirty="0" err="1" smtClean="0"/>
+              <a:t>Git-projekt</a:t>
+            </a:r>
+            <a:endParaRPr lang="en-US" sz="3000" dirty="0"/>
+          </a:p>
+          <a:p>
+            <a:endParaRPr lang="en-US" sz="3000" dirty="0"/>
           </a:p>
         </p:txBody>
       </p:sp>
       <p:pic>
         <p:nvPicPr>
-          <p:cNvPr id="5" name="Content Placeholder 4"/>
+          <p:cNvPr id="4" name="Picture 3"/>
           <p:cNvPicPr>
-            <a:picLocks noGrp="1" noChangeAspect="1"/>
+            <a:picLocks noChangeAspect="1"/>
           </p:cNvPicPr>
-          <p:nvPr>
-            <p:ph idx="1"/>
-          </p:nvPr>
+          <p:nvPr/>
         </p:nvPicPr>
         <p:blipFill>
-          <a:blip r:embed="rId2">
+          <a:blip r:embed="rId3">
             <a:extLst>
               <a:ext uri="{28A0092B-C50C-407E-A947-70E740481C1C}">
                 <a14:useLocalDpi xmlns:a14="http://schemas.microsoft.com/office/drawing/2010/main" val="0"/>
@@ -4997,15 +5351,18 @@
         </p:blipFill>
         <p:spPr>
           <a:xfrm>
-            <a:off x="541552" y="1600200"/>
-            <a:ext cx="8060896" cy="4525963"/>
+            <a:off x="1043608" y="2282063"/>
+            <a:ext cx="6912768" cy="3810663"/>
           </a:xfrm>
+          <a:prstGeom prst="rect">
+            <a:avLst/>
+          </a:prstGeom>
         </p:spPr>
       </p:pic>
     </p:spTree>
     <p:extLst>
       <p:ext uri="{BB962C8B-B14F-4D97-AF65-F5344CB8AC3E}">
-        <p14:creationId xmlns:p14="http://schemas.microsoft.com/office/powerpoint/2010/main" val="3152771827"/>
+        <p14:creationId xmlns:p14="http://schemas.microsoft.com/office/powerpoint/2010/main" val="3519528039"/>
       </p:ext>
     </p:extLst>
   </p:cSld>
@@ -5016,108 +5373,6 @@
 </file>
 
 <file path=ppt/slides/slide12.xml><?xml version="1.0" encoding="utf-8"?>
-<p:sld xmlns:a="http://schemas.openxmlformats.org/drawingml/2006/main" xmlns:r="http://schemas.openxmlformats.org/officeDocument/2006/relationships" xmlns:p="http://schemas.openxmlformats.org/presentationml/2006/main">
-  <p:cSld>
-    <p:spTree>
-      <p:nvGrpSpPr>
-        <p:cNvPr id="1" name=""/>
-        <p:cNvGrpSpPr/>
-        <p:nvPr/>
-      </p:nvGrpSpPr>
-      <p:grpSpPr>
-        <a:xfrm>
-          <a:off x="0" y="0"/>
-          <a:ext cx="0" cy="0"/>
-          <a:chOff x="0" y="0"/>
-          <a:chExt cx="0" cy="0"/>
-        </a:xfrm>
-      </p:grpSpPr>
-      <p:sp>
-        <p:nvSpPr>
-          <p:cNvPr id="2" name="Title 1"/>
-          <p:cNvSpPr>
-            <a:spLocks noGrp="1"/>
-          </p:cNvSpPr>
-          <p:nvPr>
-            <p:ph type="title"/>
-          </p:nvPr>
-        </p:nvSpPr>
-        <p:spPr/>
-        <p:txBody>
-          <a:bodyPr/>
-          <a:lstStyle/>
-          <a:p>
-            <a:r>
-              <a:rPr lang="en-US" dirty="0" err="1"/>
-              <a:t>Git</a:t>
-            </a:r>
-            <a:r>
-              <a:rPr lang="en-US" dirty="0"/>
-              <a:t> Basics(</a:t>
-            </a:r>
-            <a:r>
-              <a:rPr lang="en-US" dirty="0" err="1"/>
-              <a:t>kanske</a:t>
-            </a:r>
-            <a:r>
-              <a:rPr lang="en-US" dirty="0"/>
-              <a:t> ta </a:t>
-            </a:r>
-            <a:r>
-              <a:rPr lang="en-US" dirty="0" err="1"/>
-              <a:t>bort</a:t>
-            </a:r>
-            <a:r>
-              <a:rPr lang="en-US" dirty="0"/>
-              <a:t>)</a:t>
-            </a:r>
-            <a:endParaRPr lang="sv-SE" dirty="0"/>
-          </a:p>
-        </p:txBody>
-      </p:sp>
-      <p:pic>
-        <p:nvPicPr>
-          <p:cNvPr id="4" name="Content Placeholder 3"/>
-          <p:cNvPicPr>
-            <a:picLocks noGrp="1" noChangeAspect="1"/>
-          </p:cNvPicPr>
-          <p:nvPr>
-            <p:ph idx="1"/>
-          </p:nvPr>
-        </p:nvPicPr>
-        <p:blipFill>
-          <a:blip r:embed="rId2">
-            <a:extLst>
-              <a:ext uri="{28A0092B-C50C-407E-A947-70E740481C1C}">
-                <a14:useLocalDpi xmlns:a14="http://schemas.microsoft.com/office/drawing/2010/main" val="0"/>
-              </a:ext>
-            </a:extLst>
-          </a:blip>
-          <a:stretch>
-            <a:fillRect/>
-          </a:stretch>
-        </p:blipFill>
-        <p:spPr>
-          <a:xfrm>
-            <a:off x="555402" y="1600200"/>
-            <a:ext cx="8033195" cy="4525963"/>
-          </a:xfrm>
-        </p:spPr>
-      </p:pic>
-    </p:spTree>
-    <p:extLst>
-      <p:ext uri="{BB962C8B-B14F-4D97-AF65-F5344CB8AC3E}">
-        <p14:creationId xmlns:p14="http://schemas.microsoft.com/office/powerpoint/2010/main" val="391707125"/>
-      </p:ext>
-    </p:extLst>
-  </p:cSld>
-  <p:clrMapOvr>
-    <a:masterClrMapping/>
-  </p:clrMapOvr>
-</p:sld>
-</file>
-
-<file path=ppt/slides/slide13.xml><?xml version="1.0" encoding="utf-8"?>
 <p:sld xmlns:a="http://schemas.openxmlformats.org/drawingml/2006/main" xmlns:r="http://schemas.openxmlformats.org/officeDocument/2006/relationships" xmlns:p="http://schemas.openxmlformats.org/presentationml/2006/main">
   <p:cSld>
     <p:spTree>
@@ -5237,7 +5492,7 @@
 </p:sld>
 </file>
 
-<file path=ppt/slides/slide14.xml><?xml version="1.0" encoding="utf-8"?>
+<file path=ppt/slides/slide13.xml><?xml version="1.0" encoding="utf-8"?>
 <p:sld xmlns:a="http://schemas.openxmlformats.org/drawingml/2006/main" xmlns:r="http://schemas.openxmlformats.org/officeDocument/2006/relationships" xmlns:p="http://schemas.openxmlformats.org/presentationml/2006/main">
   <p:cSld>
     <p:spTree>
@@ -5421,7 +5676,7 @@
         <p:spPr/>
         <p:txBody>
           <a:bodyPr>
-            <a:normAutofit fontScale="92500" lnSpcReduction="20000"/>
+            <a:normAutofit fontScale="92500" lnSpcReduction="10000"/>
           </a:bodyPr>
           <a:lstStyle/>
           <a:p>
@@ -5469,12 +5724,8 @@
           <a:p>
             <a:pPr lvl="1"/>
             <a:r>
-              <a:rPr lang="sv-SE" dirty="0" err="1" smtClean="0"/>
-              <a:t>Stakrt</a:t>
-            </a:r>
-            <a:r>
               <a:rPr lang="sv-SE" dirty="0" smtClean="0"/>
-              <a:t> stöd för icke</a:t>
+              <a:t>Fokus på stöd för icke</a:t>
             </a:r>
             <a:r>
               <a:rPr lang="sv-SE" dirty="0" smtClean="0"/>
@@ -5504,23 +5755,7 @@
             <a:pPr lvl="1"/>
             <a:r>
               <a:rPr lang="sv-SE" dirty="0" smtClean="0"/>
-              <a:t>Ha kapacitet att hantera stora projekt som </a:t>
-            </a:r>
-            <a:r>
-              <a:rPr lang="sv-SE" dirty="0" err="1" smtClean="0"/>
-              <a:t>linuxkärnan</a:t>
-            </a:r>
-            <a:r>
-              <a:rPr lang="sv-SE" dirty="0" smtClean="0"/>
-              <a:t> effektivt (speed and data </a:t>
-            </a:r>
-            <a:r>
-              <a:rPr lang="sv-SE" dirty="0" err="1" smtClean="0"/>
-              <a:t>size</a:t>
-            </a:r>
-            <a:r>
-              <a:rPr lang="sv-SE" dirty="0" smtClean="0"/>
-              <a:t>)</a:t>
+              <a:t>Ha kapacitet att hantera stora projekt effektivt</a:t>
             </a:r>
           </a:p>
           <a:p>
@@ -5603,12 +5838,8 @@
           <a:lstStyle/>
           <a:p>
             <a:r>
-              <a:rPr lang="en-US" dirty="0" err="1" smtClean="0"/>
-              <a:t>Hur</a:t>
-            </a:r>
-            <a:r>
               <a:rPr lang="en-US" dirty="0" smtClean="0"/>
-              <a:t> SVN </a:t>
+              <a:t>SVN </a:t>
             </a:r>
             <a:r>
               <a:rPr lang="en-US" dirty="0" err="1" smtClean="0"/>
@@ -5628,7 +5859,7 @@
             </a:r>
             <a:r>
               <a:rPr lang="en-US" dirty="0" err="1" smtClean="0"/>
-              <a:t>ser</a:t>
+              <a:t>syn</a:t>
             </a:r>
             <a:r>
               <a:rPr lang="en-US" dirty="0" smtClean="0"/>
@@ -5792,11 +6023,7 @@
             </a:r>
             <a:r>
               <a:rPr lang="en-US" dirty="0" smtClean="0"/>
-              <a:t> </a:t>
-            </a:r>
-            <a:r>
-              <a:rPr lang="en-US" dirty="0" err="1" smtClean="0"/>
-              <a:t>ögonblicksbilder</a:t>
+              <a:t> snapshots</a:t>
             </a:r>
             <a:endParaRPr lang="sv-SE" dirty="0"/>
           </a:p>
@@ -5913,59 +6140,226 @@
         <p:spPr/>
         <p:txBody>
           <a:bodyPr vert="horz" lIns="91440" tIns="45720" rIns="91440" bIns="45720" rtlCol="0" anchor="t">
-            <a:normAutofit lnSpcReduction="10000"/>
+            <a:normAutofit/>
           </a:bodyPr>
           <a:lstStyle/>
           <a:p>
             <a:r>
-              <a:rPr lang="en-US" sz="3000" err="1"/>
+              <a:rPr lang="en-US" sz="3000" dirty="0" err="1"/>
               <a:t>Git</a:t>
             </a:r>
             <a:r>
-              <a:rPr lang="en-US" sz="3000"/>
-              <a:t> is Distributed</a:t>
+              <a:rPr lang="en-US" sz="3000" dirty="0"/>
+              <a:t> </a:t>
+            </a:r>
+            <a:r>
+              <a:rPr lang="en-US" sz="3000" dirty="0" err="1" smtClean="0"/>
+              <a:t>är</a:t>
+            </a:r>
+            <a:r>
+              <a:rPr lang="en-US" sz="3000" dirty="0" smtClean="0"/>
+              <a:t> </a:t>
+            </a:r>
+            <a:r>
+              <a:rPr lang="en-US" sz="3000" dirty="0" err="1" smtClean="0"/>
+              <a:t>distribuerat</a:t>
+            </a:r>
+            <a:endParaRPr lang="en-US" sz="3000" dirty="0"/>
+          </a:p>
+          <a:p>
+            <a:pPr lvl="1"/>
+            <a:r>
+              <a:rPr lang="en-US" sz="2600" dirty="0" smtClean="0"/>
+              <a:t>Mesta </a:t>
+            </a:r>
+            <a:r>
+              <a:rPr lang="en-US" sz="2600" dirty="0" err="1"/>
+              <a:t>delen</a:t>
+            </a:r>
+            <a:r>
+              <a:rPr lang="en-US" sz="2600" dirty="0"/>
+              <a:t> </a:t>
+            </a:r>
+            <a:r>
+              <a:rPr lang="en-US" sz="2600" dirty="0" err="1"/>
+              <a:t>av</a:t>
+            </a:r>
+            <a:r>
+              <a:rPr lang="en-US" sz="2600" dirty="0"/>
+              <a:t> </a:t>
+            </a:r>
+            <a:r>
+              <a:rPr lang="en-US" sz="2600" dirty="0" err="1"/>
+              <a:t>arbetet</a:t>
+            </a:r>
+            <a:r>
+              <a:rPr lang="en-US" sz="2600" dirty="0"/>
+              <a:t> </a:t>
+            </a:r>
+            <a:r>
+              <a:rPr lang="en-US" sz="2600" dirty="0" err="1"/>
+              <a:t>sker</a:t>
+            </a:r>
+            <a:r>
+              <a:rPr lang="en-US" sz="2600" dirty="0"/>
+              <a:t> </a:t>
+            </a:r>
+            <a:r>
+              <a:rPr lang="en-US" sz="2600" dirty="0" err="1"/>
+              <a:t>lokalt</a:t>
+            </a:r>
+            <a:r>
+              <a:rPr lang="en-US" sz="2600" dirty="0"/>
+              <a:t>. </a:t>
+            </a:r>
+            <a:endParaRPr lang="en-US" sz="2600" dirty="0" smtClean="0"/>
+          </a:p>
+          <a:p>
+            <a:pPr lvl="1"/>
+            <a:r>
+              <a:rPr lang="en-US" sz="2600" dirty="0" err="1" smtClean="0"/>
+              <a:t>En</a:t>
+            </a:r>
+            <a:r>
+              <a:rPr lang="en-US" sz="2600" dirty="0" smtClean="0"/>
+              <a:t> </a:t>
+            </a:r>
+            <a:r>
+              <a:rPr lang="en-US" sz="2600" dirty="0"/>
+              <a:t>central </a:t>
+            </a:r>
+            <a:r>
+              <a:rPr lang="en-US" sz="2600" dirty="0"/>
+              <a:t>server </a:t>
+            </a:r>
+            <a:r>
+              <a:rPr lang="en-US" sz="2600" dirty="0" err="1"/>
+              <a:t>behövs</a:t>
+            </a:r>
+            <a:r>
+              <a:rPr lang="en-US" sz="2600" dirty="0"/>
+              <a:t> </a:t>
+            </a:r>
+            <a:r>
+              <a:rPr lang="en-US" sz="2600" dirty="0" err="1"/>
+              <a:t>inte</a:t>
+            </a:r>
+            <a:r>
+              <a:rPr lang="en-US" sz="2600" dirty="0"/>
+              <a:t>, men </a:t>
+            </a:r>
+            <a:r>
+              <a:rPr lang="en-US" sz="2600" dirty="0" err="1"/>
+              <a:t>används</a:t>
+            </a:r>
+            <a:r>
+              <a:rPr lang="en-US" sz="2600" dirty="0"/>
+              <a:t> </a:t>
+            </a:r>
+            <a:r>
+              <a:rPr lang="en-US" sz="2600" dirty="0" err="1"/>
+              <a:t>oftast</a:t>
+            </a:r>
+            <a:r>
+              <a:rPr lang="en-US" sz="2600" dirty="0"/>
+              <a:t>.</a:t>
+            </a:r>
+            <a:endParaRPr lang="en-US" sz="2600" dirty="0"/>
+          </a:p>
+          <a:p>
+            <a:endParaRPr lang="en-US" sz="3000" dirty="0"/>
+          </a:p>
+          <a:p>
+            <a:r>
+              <a:rPr lang="en-US" sz="3000" dirty="0"/>
+              <a:t>SVN </a:t>
+            </a:r>
+            <a:r>
+              <a:rPr lang="en-US" sz="3000" dirty="0" err="1" smtClean="0"/>
+              <a:t>och</a:t>
+            </a:r>
+            <a:r>
+              <a:rPr lang="en-US" sz="3000" dirty="0" smtClean="0"/>
+              <a:t> </a:t>
+            </a:r>
+            <a:r>
+              <a:rPr lang="en-US" sz="3000" dirty="0"/>
+              <a:t>Clear </a:t>
+            </a:r>
+            <a:r>
+              <a:rPr lang="en-US" sz="3000" dirty="0" smtClean="0"/>
+              <a:t>Case</a:t>
+            </a:r>
+            <a:endParaRPr lang="en-US" sz="3000" dirty="0"/>
+          </a:p>
+          <a:p>
+            <a:pPr lvl="1"/>
+            <a:r>
+              <a:rPr lang="en-US" sz="2600" dirty="0" err="1" smtClean="0"/>
+              <a:t>En</a:t>
+            </a:r>
+            <a:r>
+              <a:rPr lang="en-US" sz="2600" dirty="0" smtClean="0"/>
+              <a:t> </a:t>
+            </a:r>
+            <a:r>
+              <a:rPr lang="en-US" sz="2600" dirty="0" err="1" smtClean="0"/>
+              <a:t>nätverksuppkoppling</a:t>
+            </a:r>
+            <a:r>
+              <a:rPr lang="en-US" sz="2600" dirty="0" smtClean="0"/>
+              <a:t> till </a:t>
+            </a:r>
+            <a:r>
+              <a:rPr lang="en-US" sz="2600" dirty="0" err="1" smtClean="0"/>
+              <a:t>en</a:t>
+            </a:r>
+            <a:r>
+              <a:rPr lang="en-US" sz="2600" dirty="0" smtClean="0"/>
+              <a:t> central server </a:t>
+            </a:r>
+            <a:r>
+              <a:rPr lang="en-US" sz="2600" dirty="0" err="1" smtClean="0"/>
+              <a:t>behövs</a:t>
+            </a:r>
+            <a:r>
+              <a:rPr lang="en-US" sz="2600" dirty="0" smtClean="0"/>
+              <a:t> </a:t>
+            </a:r>
+            <a:r>
+              <a:rPr lang="en-US" sz="2600" dirty="0" err="1" smtClean="0"/>
+              <a:t>alltid</a:t>
+            </a:r>
+            <a:r>
+              <a:rPr lang="en-US" sz="2600" dirty="0" smtClean="0"/>
+              <a:t>. </a:t>
+            </a:r>
+            <a:r>
+              <a:rPr lang="en-US" sz="2600" dirty="0" smtClean="0"/>
+              <a:t> </a:t>
+            </a:r>
+            <a:r>
+              <a:rPr lang="en-US" sz="2600" dirty="0"/>
+              <a:t/>
             </a:r>
             <a:br>
-              <a:rPr lang="en-US" sz="3000"/>
+              <a:rPr lang="en-US" sz="2600" dirty="0"/>
             </a:br>
             <a:r>
-              <a:rPr lang="en-US" sz="3000"/>
-              <a:t>Most operations are local. Central server not needed (but often used).</a:t>
-            </a:r>
-          </a:p>
-          <a:p>
-            <a:endParaRPr lang="en-US" sz="3000"/>
-          </a:p>
-          <a:p>
-            <a:r>
-              <a:rPr lang="en-US" sz="3000"/>
-              <a:t>SVN and Clear Case</a:t>
+              <a:rPr lang="en-US" sz="2600" dirty="0"/>
+              <a:t>             </a:t>
             </a:r>
             <a:br>
-              <a:rPr lang="en-US" sz="3000"/>
+              <a:rPr lang="en-US" sz="2600" dirty="0"/>
             </a:br>
-            <a:r>
-              <a:rPr lang="en-US" sz="3000"/>
-              <a:t>Centralized server that is the ultimate source of truth. Network connection needed to central server. </a:t>
-            </a:r>
-            <a:br>
-              <a:rPr lang="en-US" sz="3000"/>
-            </a:br>
-            <a:r>
-              <a:rPr lang="en-US" sz="3000"/>
-              <a:t>             </a:t>
-            </a:r>
-            <a:br>
-              <a:rPr lang="en-US" sz="3000"/>
-            </a:br>
-            <a:endParaRPr lang="en-US" sz="3000"/>
+            <a:endParaRPr lang="en-US" sz="2600" dirty="0"/>
           </a:p>
         </p:txBody>
       </p:sp>
     </p:spTree>
     <p:extLst>
       <p:ext uri="{BB962C8B-B14F-4D97-AF65-F5344CB8AC3E}">
-        <p14:creationId xmlns:p14="http://schemas.microsoft.com/office/powerpoint/2010/main" val="537672865"/>
+        <p14:creationId xmlns:p14="http://schemas.microsoft.com/office/powerpoint/2010/main" val="1683249439"/>
       </p:ext>
     </p:extLst>
   </p:cSld>
@@ -6008,14 +6402,26 @@
           <a:lstStyle/>
           <a:p>
             <a:r>
-              <a:rPr lang="en-US" err="1"/>
-              <a:t>Git</a:t>
-            </a:r>
-            <a:r>
-              <a:rPr lang="en-US"/>
-              <a:t> Basics</a:t>
-            </a:r>
-            <a:endParaRPr lang="sv-SE"/>
+              <a:rPr lang="en-US" dirty="0" err="1" smtClean="0"/>
+              <a:t>Git’s</a:t>
+            </a:r>
+            <a:r>
+              <a:rPr lang="en-US" dirty="0" smtClean="0"/>
+              <a:t> </a:t>
+            </a:r>
+            <a:r>
+              <a:rPr lang="en-US" dirty="0" err="1" smtClean="0"/>
+              <a:t>tre</a:t>
+            </a:r>
+            <a:r>
+              <a:rPr lang="en-US" dirty="0" smtClean="0"/>
+              <a:t> </a:t>
+            </a:r>
+            <a:r>
+              <a:rPr lang="en-US" dirty="0" err="1" smtClean="0"/>
+              <a:t>tillstånd</a:t>
+            </a:r>
+            <a:endParaRPr lang="sv-SE" dirty="0"/>
           </a:p>
         </p:txBody>
       </p:sp>
@@ -6037,198 +6443,20 @@
           <a:lstStyle/>
           <a:p>
             <a:r>
-              <a:rPr lang="en-US" sz="3000" dirty="0" err="1"/>
-              <a:t>Git</a:t>
-            </a:r>
-            <a:r>
-              <a:rPr lang="en-US" sz="3000" dirty="0"/>
-              <a:t> </a:t>
-            </a:r>
-            <a:r>
-              <a:rPr lang="en-US" sz="3000" dirty="0" err="1" smtClean="0"/>
-              <a:t>är</a:t>
-            </a:r>
-            <a:r>
-              <a:rPr lang="en-US" sz="3000" dirty="0" smtClean="0"/>
-              <a:t> </a:t>
-            </a:r>
-            <a:r>
-              <a:rPr lang="en-US" sz="3000" dirty="0" err="1" smtClean="0"/>
-              <a:t>distribuerat</a:t>
-            </a:r>
-            <a:endParaRPr lang="en-US" sz="3000" dirty="0"/>
-          </a:p>
-          <a:p>
-            <a:pPr lvl="1"/>
-            <a:r>
               <a:rPr lang="en-US" sz="2600" dirty="0" smtClean="0"/>
-              <a:t>Mesta </a:t>
-            </a:r>
-            <a:r>
-              <a:rPr lang="en-US" sz="2600" dirty="0" err="1"/>
-              <a:t>delen</a:t>
-            </a:r>
-            <a:r>
-              <a:rPr lang="en-US" sz="2600" dirty="0"/>
-              <a:t> </a:t>
-            </a:r>
-            <a:r>
-              <a:rPr lang="en-US" sz="2600" dirty="0" err="1"/>
-              <a:t>av</a:t>
-            </a:r>
-            <a:r>
-              <a:rPr lang="en-US" sz="2600" dirty="0"/>
-              <a:t> </a:t>
-            </a:r>
-            <a:r>
-              <a:rPr lang="en-US" sz="2600" dirty="0" err="1"/>
-              <a:t>arbetet</a:t>
-            </a:r>
-            <a:r>
-              <a:rPr lang="en-US" sz="2600" dirty="0"/>
-              <a:t> </a:t>
-            </a:r>
-            <a:r>
-              <a:rPr lang="en-US" sz="2600" dirty="0" err="1"/>
-              <a:t>sker</a:t>
-            </a:r>
-            <a:r>
-              <a:rPr lang="en-US" sz="2600" dirty="0"/>
-              <a:t> </a:t>
-            </a:r>
-            <a:r>
-              <a:rPr lang="en-US" sz="2600" dirty="0" err="1"/>
-              <a:t>lokalt</a:t>
-            </a:r>
-            <a:r>
-              <a:rPr lang="en-US" sz="2600" dirty="0"/>
-              <a:t>. </a:t>
-            </a:r>
-            <a:endParaRPr lang="en-US" sz="2600" dirty="0" smtClean="0"/>
-          </a:p>
-          <a:p>
-            <a:pPr lvl="1"/>
-            <a:r>
-              <a:rPr lang="en-US" sz="2600" dirty="0" err="1" smtClean="0"/>
-              <a:t>En</a:t>
-            </a:r>
+              <a:t>Committed </a:t>
+            </a:r>
+          </a:p>
+          <a:p>
             <a:r>
               <a:rPr lang="en-US" sz="2600" dirty="0" smtClean="0"/>
-              <a:t> </a:t>
-            </a:r>
-            <a:r>
-              <a:rPr lang="en-US" sz="2600" dirty="0"/>
-              <a:t>central </a:t>
-            </a:r>
-            <a:r>
-              <a:rPr lang="en-US" sz="2600" dirty="0"/>
-              <a:t>server </a:t>
-            </a:r>
-            <a:r>
-              <a:rPr lang="en-US" sz="2600" dirty="0" err="1"/>
-              <a:t>behövs</a:t>
-            </a:r>
-            <a:r>
-              <a:rPr lang="en-US" sz="2600" dirty="0"/>
-              <a:t> </a:t>
-            </a:r>
-            <a:r>
-              <a:rPr lang="en-US" sz="2600" dirty="0" err="1"/>
-              <a:t>inte</a:t>
-            </a:r>
-            <a:r>
-              <a:rPr lang="en-US" sz="2600" dirty="0"/>
-              <a:t>, men </a:t>
-            </a:r>
-            <a:r>
-              <a:rPr lang="en-US" sz="2600" dirty="0" err="1"/>
-              <a:t>används</a:t>
-            </a:r>
-            <a:r>
-              <a:rPr lang="en-US" sz="2600" dirty="0"/>
-              <a:t> </a:t>
-            </a:r>
-            <a:r>
-              <a:rPr lang="en-US" sz="2600" dirty="0" err="1"/>
-              <a:t>oftast</a:t>
-            </a:r>
-            <a:r>
-              <a:rPr lang="en-US" sz="2600" dirty="0"/>
-              <a:t>.</a:t>
-            </a:r>
-            <a:endParaRPr lang="en-US" sz="2600" dirty="0"/>
-          </a:p>
-          <a:p>
-            <a:endParaRPr lang="en-US" sz="3000" dirty="0"/>
-          </a:p>
-          <a:p>
-            <a:r>
-              <a:rPr lang="en-US" sz="3000" dirty="0"/>
-              <a:t>SVN </a:t>
-            </a:r>
-            <a:r>
-              <a:rPr lang="en-US" sz="3000" dirty="0" err="1" smtClean="0"/>
-              <a:t>och</a:t>
-            </a:r>
-            <a:r>
-              <a:rPr lang="en-US" sz="3000" dirty="0" smtClean="0"/>
-              <a:t> </a:t>
-            </a:r>
-            <a:r>
-              <a:rPr lang="en-US" sz="3000" dirty="0"/>
-              <a:t>Clear </a:t>
-            </a:r>
-            <a:r>
-              <a:rPr lang="en-US" sz="3000" dirty="0" smtClean="0"/>
-              <a:t>Case</a:t>
-            </a:r>
-            <a:endParaRPr lang="en-US" sz="3000" dirty="0"/>
-          </a:p>
-          <a:p>
-            <a:pPr lvl="1"/>
-            <a:r>
-              <a:rPr lang="en-US" sz="2600" dirty="0" err="1" smtClean="0"/>
-              <a:t>En</a:t>
-            </a:r>
+              <a:t>Modified</a:t>
+            </a:r>
+          </a:p>
+          <a:p>
             <a:r>
               <a:rPr lang="en-US" sz="2600" dirty="0" smtClean="0"/>
-              <a:t> </a:t>
-            </a:r>
-            <a:r>
-              <a:rPr lang="en-US" sz="2600" dirty="0" err="1" smtClean="0"/>
-              <a:t>nätverksuppkoppling</a:t>
-            </a:r>
-            <a:r>
-              <a:rPr lang="en-US" sz="2600" dirty="0" smtClean="0"/>
-              <a:t> till </a:t>
-            </a:r>
-            <a:r>
-              <a:rPr lang="en-US" sz="2600" dirty="0" err="1" smtClean="0"/>
-              <a:t>en</a:t>
-            </a:r>
-            <a:r>
-              <a:rPr lang="en-US" sz="2600" dirty="0" smtClean="0"/>
-              <a:t> central server </a:t>
-            </a:r>
-            <a:r>
-              <a:rPr lang="en-US" sz="2600" dirty="0" err="1" smtClean="0"/>
-              <a:t>behövs</a:t>
-            </a:r>
-            <a:r>
-              <a:rPr lang="en-US" sz="2600" dirty="0" smtClean="0"/>
-              <a:t> </a:t>
-            </a:r>
-            <a:r>
-              <a:rPr lang="en-US" sz="2600" dirty="0" err="1" smtClean="0"/>
-              <a:t>alltid</a:t>
-            </a:r>
-            <a:r>
-              <a:rPr lang="en-US" sz="2600" dirty="0" smtClean="0"/>
-              <a:t>. </a:t>
-            </a:r>
-            <a:r>
-              <a:rPr lang="en-US" sz="2600" dirty="0" smtClean="0"/>
-              <a:t> </a:t>
+              <a:t>Staged</a:t>
             </a:r>
             <a:r>
               <a:rPr lang="en-US" sz="2600" dirty="0"/>
@@ -6251,7 +6479,7 @@
     </p:spTree>
     <p:extLst>
       <p:ext uri="{BB962C8B-B14F-4D97-AF65-F5344CB8AC3E}">
-        <p14:creationId xmlns:p14="http://schemas.microsoft.com/office/powerpoint/2010/main" val="1683249439"/>
+        <p14:creationId xmlns:p14="http://schemas.microsoft.com/office/powerpoint/2010/main" val="2645403389"/>
       </p:ext>
     </p:extLst>
   </p:cSld>
@@ -6294,84 +6522,160 @@
           <a:lstStyle/>
           <a:p>
             <a:r>
+              <a:rPr lang="en-US" dirty="0" err="1"/>
+              <a:t>Git</a:t>
+            </a:r>
+            <a:r>
+              <a:rPr lang="en-US" dirty="0"/>
+              <a:t> </a:t>
+            </a:r>
+            <a:r>
+              <a:rPr lang="en-US" dirty="0" smtClean="0"/>
+              <a:t>Basics(</a:t>
+            </a:r>
+            <a:r>
               <a:rPr lang="en-US" dirty="0" err="1" smtClean="0"/>
-              <a:t>Git’s</a:t>
+              <a:t>kanske</a:t>
             </a:r>
             <a:r>
               <a:rPr lang="en-US" dirty="0" smtClean="0"/>
-              <a:t> </a:t>
+              <a:t> ta </a:t>
             </a:r>
             <a:r>
               <a:rPr lang="en-US" dirty="0" err="1" smtClean="0"/>
-              <a:t>tre</a:t>
+              <a:t>bort</a:t>
             </a:r>
             <a:r>
               <a:rPr lang="en-US" dirty="0" smtClean="0"/>
-              <a:t> </a:t>
-            </a:r>
-            <a:r>
-              <a:rPr lang="en-US" dirty="0" err="1" smtClean="0"/>
-              <a:t>tillstånd</a:t>
+              <a:t>)</a:t>
             </a:r>
             <a:endParaRPr lang="sv-SE" dirty="0"/>
           </a:p>
         </p:txBody>
       </p:sp>
-      <p:sp>
-        <p:nvSpPr>
-          <p:cNvPr id="3" name="Content Placeholder 2"/>
-          <p:cNvSpPr>
-            <a:spLocks noGrp="1"/>
-          </p:cNvSpPr>
+      <p:pic>
+        <p:nvPicPr>
+          <p:cNvPr id="8" name="Content Placeholder 7"/>
+          <p:cNvPicPr>
+            <a:picLocks noGrp="1" noChangeAspect="1"/>
+          </p:cNvPicPr>
           <p:nvPr>
             <p:ph idx="1"/>
           </p:nvPr>
-        </p:nvSpPr>
-        <p:spPr/>
-        <p:txBody>
-          <a:bodyPr vert="horz" lIns="91440" tIns="45720" rIns="91440" bIns="45720" rtlCol="0" anchor="t">
-            <a:normAutofit/>
+        </p:nvPicPr>
+        <p:blipFill>
+          <a:blip r:embed="rId3">
+            <a:extLst>
+              <a:ext uri="{28A0092B-C50C-407E-A947-70E740481C1C}">
+                <a14:useLocalDpi xmlns:a14="http://schemas.microsoft.com/office/drawing/2010/main" val="0"/>
+              </a:ext>
+            </a:extLst>
+          </a:blip>
+          <a:stretch>
+            <a:fillRect/>
+          </a:stretch>
+        </p:blipFill>
+        <p:spPr>
+          <a:xfrm>
+            <a:off x="569158" y="1600200"/>
+            <a:ext cx="8005684" cy="4525963"/>
+          </a:xfrm>
+        </p:spPr>
+      </p:pic>
+      <p:sp>
+        <p:nvSpPr>
+          <p:cNvPr id="3" name="TextBox 2"/>
+          <p:cNvSpPr txBox="1"/>
+          <p:nvPr/>
+        </p:nvSpPr>
+        <p:spPr>
+          <a:xfrm>
+            <a:off x="842839" y="3464983"/>
+            <a:ext cx="1039067" cy="369332"/>
+          </a:xfrm>
+          <a:prstGeom prst="rect">
+            <a:avLst/>
+          </a:prstGeom>
+          <a:noFill/>
+        </p:spPr>
+        <p:txBody>
+          <a:bodyPr wrap="none" rtlCol="0">
+            <a:spAutoFit/>
           </a:bodyPr>
           <a:lstStyle/>
           <a:p>
             <a:r>
-              <a:rPr lang="en-US" sz="2600" dirty="0" smtClean="0"/>
-              <a:t>Committed </a:t>
-            </a:r>
-          </a:p>
-          <a:p>
-            <a:r>
-              <a:rPr lang="en-US" sz="2600" dirty="0" smtClean="0"/>
+              <a:rPr lang="sv-SE" dirty="0" err="1" smtClean="0"/>
               <a:t>Modified</a:t>
             </a:r>
-          </a:p>
-          <a:p>
-            <a:r>
-              <a:rPr lang="en-US" sz="2600" dirty="0" smtClean="0"/>
+            <a:endParaRPr lang="sv-SE" dirty="0"/>
+          </a:p>
+        </p:txBody>
+      </p:sp>
+      <p:sp>
+        <p:nvSpPr>
+          <p:cNvPr id="4" name="TextBox 3"/>
+          <p:cNvSpPr txBox="1"/>
+          <p:nvPr/>
+        </p:nvSpPr>
+        <p:spPr>
+          <a:xfrm>
+            <a:off x="4890053" y="3463197"/>
+            <a:ext cx="1256306" cy="369332"/>
+          </a:xfrm>
+          <a:prstGeom prst="rect">
+            <a:avLst/>
+          </a:prstGeom>
+          <a:noFill/>
+        </p:spPr>
+        <p:txBody>
+          <a:bodyPr wrap="square" rtlCol="0">
+            <a:spAutoFit/>
+          </a:bodyPr>
+          <a:lstStyle/>
+          <a:p>
+            <a:r>
+              <a:rPr lang="sv-SE" dirty="0" err="1" smtClean="0"/>
+              <a:t>Commited</a:t>
+            </a:r>
+            <a:endParaRPr lang="sv-SE" dirty="0"/>
+          </a:p>
+        </p:txBody>
+      </p:sp>
+      <p:sp>
+        <p:nvSpPr>
+          <p:cNvPr id="6" name="TextBox 5"/>
+          <p:cNvSpPr txBox="1"/>
+          <p:nvPr/>
+        </p:nvSpPr>
+        <p:spPr>
+          <a:xfrm>
+            <a:off x="2941984" y="3463197"/>
+            <a:ext cx="866691" cy="369332"/>
+          </a:xfrm>
+          <a:prstGeom prst="rect">
+            <a:avLst/>
+          </a:prstGeom>
+          <a:noFill/>
+        </p:spPr>
+        <p:txBody>
+          <a:bodyPr wrap="square" rtlCol="0">
+            <a:spAutoFit/>
+          </a:bodyPr>
+          <a:lstStyle/>
+          <a:p>
+            <a:r>
+              <a:rPr lang="sv-SE" dirty="0" err="1" smtClean="0"/>
               <a:t>Staged</a:t>
             </a:r>
-            <a:r>
-              <a:rPr lang="en-US" sz="2600" dirty="0"/>
-              <a:t/>
-            </a:r>
-            <a:br>
-              <a:rPr lang="en-US" sz="2600" dirty="0"/>
-            </a:br>
-            <a:r>
-              <a:rPr lang="en-US" sz="2600" dirty="0"/>
-              <a:t>             </a:t>
-            </a:r>
-            <a:br>
-              <a:rPr lang="en-US" sz="2600" dirty="0"/>
-            </a:br>
-            <a:endParaRPr lang="en-US" sz="2600" dirty="0"/>
+            <a:endParaRPr lang="sv-SE" dirty="0"/>
           </a:p>
         </p:txBody>
       </p:sp>
     </p:spTree>
     <p:extLst>
       <p:ext uri="{BB962C8B-B14F-4D97-AF65-F5344CB8AC3E}">
-        <p14:creationId xmlns:p14="http://schemas.microsoft.com/office/powerpoint/2010/main" val="2645403389"/>
+        <p14:creationId xmlns:p14="http://schemas.microsoft.com/office/powerpoint/2010/main" val="4261299813"/>
       </p:ext>
     </p:extLst>
   </p:cSld>
@@ -6414,74 +6718,42 @@
           <a:lstStyle/>
           <a:p>
             <a:r>
-              <a:rPr lang="en-US" err="1"/>
+              <a:rPr lang="en-US" dirty="0" err="1"/>
               <a:t>Git</a:t>
             </a:r>
             <a:r>
-              <a:rPr lang="en-US"/>
-              <a:t> Basics</a:t>
-            </a:r>
-            <a:endParaRPr lang="sv-SE"/>
-          </a:p>
-        </p:txBody>
-      </p:sp>
-      <p:sp>
-        <p:nvSpPr>
-          <p:cNvPr id="3" name="Content Placeholder 2"/>
-          <p:cNvSpPr>
-            <a:spLocks noGrp="1"/>
-          </p:cNvSpPr>
-          <p:nvPr>
-            <p:ph idx="1"/>
-          </p:nvPr>
-        </p:nvSpPr>
-        <p:spPr/>
-        <p:txBody>
-          <a:bodyPr/>
-          <a:lstStyle/>
-          <a:p>
-            <a:r>
-              <a:rPr lang="en-US" sz="3000" dirty="0" err="1" smtClean="0"/>
-              <a:t>Huvudelarna</a:t>
-            </a:r>
-            <a:r>
-              <a:rPr lang="en-US" sz="3000" dirty="0" smtClean="0"/>
-              <a:t> </a:t>
-            </a:r>
-            <a:r>
-              <a:rPr lang="en-US" sz="3000" dirty="0" err="1" smtClean="0"/>
-              <a:t>i</a:t>
-            </a:r>
-            <a:r>
-              <a:rPr lang="en-US" sz="3000" dirty="0" smtClean="0"/>
-              <a:t> </a:t>
-            </a:r>
-            <a:r>
-              <a:rPr lang="en-US" sz="3000" dirty="0" err="1" smtClean="0"/>
-              <a:t>ett</a:t>
-            </a:r>
-            <a:r>
-              <a:rPr lang="en-US" sz="3000" dirty="0" smtClean="0"/>
-              <a:t> </a:t>
-            </a:r>
-            <a:r>
-              <a:rPr lang="en-US" sz="3000" dirty="0" err="1" smtClean="0"/>
-              <a:t>Git-projekt</a:t>
-            </a:r>
-            <a:endParaRPr lang="en-US" sz="3000" dirty="0"/>
-          </a:p>
-          <a:p>
-            <a:endParaRPr lang="en-US" sz="3000" dirty="0"/>
+              <a:rPr lang="en-US" dirty="0"/>
+              <a:t> Basics(</a:t>
+            </a:r>
+            <a:r>
+              <a:rPr lang="en-US" dirty="0" err="1"/>
+              <a:t>kanske</a:t>
+            </a:r>
+            <a:r>
+              <a:rPr lang="en-US" dirty="0"/>
+              <a:t> ta </a:t>
+            </a:r>
+            <a:r>
+              <a:rPr lang="en-US" dirty="0" err="1"/>
+              <a:t>bort</a:t>
+            </a:r>
+            <a:r>
+              <a:rPr lang="en-US" dirty="0"/>
+              <a:t>)</a:t>
+            </a:r>
+            <a:endParaRPr lang="sv-SE" dirty="0"/>
           </a:p>
         </p:txBody>
       </p:sp>
       <p:pic>
         <p:nvPicPr>
-          <p:cNvPr id="4" name="Picture 3"/>
+          <p:cNvPr id="4" name="Content Placeholder 3"/>
           <p:cNvPicPr>
-            <a:picLocks noChangeAspect="1"/>
+            <a:picLocks noGrp="1" noChangeAspect="1"/>
           </p:cNvPicPr>
-          <p:nvPr/>
+          <p:nvPr>
+            <p:ph idx="1"/>
+          </p:nvPr>
         </p:nvPicPr>
         <p:blipFill>
           <a:blip r:embed="rId3">
@@ -6497,18 +6769,105 @@
         </p:blipFill>
         <p:spPr>
           <a:xfrm>
-            <a:off x="1043608" y="2282063"/>
-            <a:ext cx="6912768" cy="3810663"/>
+            <a:off x="544594" y="1600200"/>
+            <a:ext cx="8054811" cy="4525963"/>
+          </a:xfrm>
+        </p:spPr>
+      </p:pic>
+      <p:sp>
+        <p:nvSpPr>
+          <p:cNvPr id="5" name="TextBox 4"/>
+          <p:cNvSpPr txBox="1"/>
+          <p:nvPr/>
+        </p:nvSpPr>
+        <p:spPr>
+          <a:xfrm>
+            <a:off x="4890053" y="3463197"/>
+            <a:ext cx="1256306" cy="369332"/>
           </a:xfrm>
           <a:prstGeom prst="rect">
             <a:avLst/>
           </a:prstGeom>
+          <a:noFill/>
         </p:spPr>
-      </p:pic>
+        <p:txBody>
+          <a:bodyPr wrap="square" rtlCol="0">
+            <a:spAutoFit/>
+          </a:bodyPr>
+          <a:lstStyle/>
+          <a:p>
+            <a:r>
+              <a:rPr lang="sv-SE" dirty="0" err="1" smtClean="0"/>
+              <a:t>Commited</a:t>
+            </a:r>
+            <a:endParaRPr lang="sv-SE" dirty="0"/>
+          </a:p>
+        </p:txBody>
+      </p:sp>
+      <p:sp>
+        <p:nvSpPr>
+          <p:cNvPr id="6" name="TextBox 5"/>
+          <p:cNvSpPr txBox="1"/>
+          <p:nvPr/>
+        </p:nvSpPr>
+        <p:spPr>
+          <a:xfrm>
+            <a:off x="3005595" y="3463197"/>
+            <a:ext cx="866691" cy="369332"/>
+          </a:xfrm>
+          <a:prstGeom prst="rect">
+            <a:avLst/>
+          </a:prstGeom>
+          <a:noFill/>
+        </p:spPr>
+        <p:txBody>
+          <a:bodyPr wrap="square" rtlCol="0">
+            <a:spAutoFit/>
+          </a:bodyPr>
+          <a:lstStyle/>
+          <a:p>
+            <a:r>
+              <a:rPr lang="sv-SE" dirty="0" err="1" smtClean="0"/>
+              <a:t>Staged</a:t>
+            </a:r>
+            <a:endParaRPr lang="sv-SE" dirty="0"/>
+          </a:p>
+        </p:txBody>
+      </p:sp>
+      <p:sp>
+        <p:nvSpPr>
+          <p:cNvPr id="7" name="TextBox 6"/>
+          <p:cNvSpPr txBox="1"/>
+          <p:nvPr/>
+        </p:nvSpPr>
+        <p:spPr>
+          <a:xfrm>
+            <a:off x="842839" y="3464983"/>
+            <a:ext cx="1039067" cy="369332"/>
+          </a:xfrm>
+          <a:prstGeom prst="rect">
+            <a:avLst/>
+          </a:prstGeom>
+          <a:noFill/>
+        </p:spPr>
+        <p:txBody>
+          <a:bodyPr wrap="none" rtlCol="0">
+            <a:spAutoFit/>
+          </a:bodyPr>
+          <a:lstStyle/>
+          <a:p>
+            <a:r>
+              <a:rPr lang="sv-SE" dirty="0" err="1" smtClean="0"/>
+              <a:t>Modified</a:t>
+            </a:r>
+            <a:endParaRPr lang="sv-SE" dirty="0"/>
+          </a:p>
+        </p:txBody>
+      </p:sp>
     </p:spTree>
     <p:extLst>
       <p:ext uri="{BB962C8B-B14F-4D97-AF65-F5344CB8AC3E}">
-        <p14:creationId xmlns:p14="http://schemas.microsoft.com/office/powerpoint/2010/main" val="3519528039"/>
+        <p14:creationId xmlns:p14="http://schemas.microsoft.com/office/powerpoint/2010/main" val="687049417"/>
       </p:ext>
     </p:extLst>
   </p:cSld>
@@ -6556,26 +6915,22 @@
             </a:r>
             <a:r>
               <a:rPr lang="en-US" dirty="0"/>
-              <a:t> </a:t>
-            </a:r>
-            <a:r>
-              <a:rPr lang="en-US" dirty="0" smtClean="0"/>
-              <a:t>Basics(</a:t>
-            </a:r>
-            <a:r>
-              <a:rPr lang="en-US" dirty="0" err="1" smtClean="0"/>
+              <a:t> Basics(</a:t>
+            </a:r>
+            <a:r>
+              <a:rPr lang="en-US" dirty="0" err="1"/>
               <a:t>kanske</a:t>
             </a:r>
             <a:r>
-              <a:rPr lang="en-US" dirty="0" smtClean="0"/>
+              <a:rPr lang="en-US" dirty="0"/>
               <a:t> ta </a:t>
             </a:r>
             <a:r>
-              <a:rPr lang="en-US" dirty="0" err="1" smtClean="0"/>
+              <a:rPr lang="en-US" dirty="0" err="1"/>
               <a:t>bort</a:t>
             </a:r>
             <a:r>
-              <a:rPr lang="en-US" dirty="0" smtClean="0"/>
+              <a:rPr lang="en-US" dirty="0"/>
               <a:t>)</a:t>
             </a:r>
             <a:endParaRPr lang="sv-SE" dirty="0"/>
@@ -6584,7 +6939,7 @@
       </p:sp>
       <p:pic>
         <p:nvPicPr>
-          <p:cNvPr id="8" name="Content Placeholder 7"/>
+          <p:cNvPr id="5" name="Content Placeholder 4"/>
           <p:cNvPicPr>
             <a:picLocks noGrp="1" noChangeAspect="1"/>
           </p:cNvPicPr>
@@ -6593,7 +6948,7 @@
           </p:nvPr>
         </p:nvPicPr>
         <p:blipFill>
-          <a:blip r:embed="rId3">
+          <a:blip r:embed="rId2">
             <a:extLst>
               <a:ext uri="{28A0092B-C50C-407E-A947-70E740481C1C}">
                 <a14:useLocalDpi xmlns:a14="http://schemas.microsoft.com/office/drawing/2010/main" val="0"/>
@@ -6606,15 +6961,105 @@
         </p:blipFill>
         <p:spPr>
           <a:xfrm>
-            <a:off x="569158" y="1600200"/>
-            <a:ext cx="8005684" cy="4525963"/>
+            <a:off x="541552" y="1600200"/>
+            <a:ext cx="8060896" cy="4525963"/>
           </a:xfrm>
         </p:spPr>
       </p:pic>
+      <p:sp>
+        <p:nvSpPr>
+          <p:cNvPr id="4" name="TextBox 3"/>
+          <p:cNvSpPr txBox="1"/>
+          <p:nvPr/>
+        </p:nvSpPr>
+        <p:spPr>
+          <a:xfrm>
+            <a:off x="842839" y="3464983"/>
+            <a:ext cx="1039067" cy="369332"/>
+          </a:xfrm>
+          <a:prstGeom prst="rect">
+            <a:avLst/>
+          </a:prstGeom>
+          <a:noFill/>
+        </p:spPr>
+        <p:txBody>
+          <a:bodyPr wrap="none" rtlCol="0">
+            <a:spAutoFit/>
+          </a:bodyPr>
+          <a:lstStyle/>
+          <a:p>
+            <a:r>
+              <a:rPr lang="sv-SE" dirty="0" err="1" smtClean="0"/>
+              <a:t>Modified</a:t>
+            </a:r>
+            <a:endParaRPr lang="sv-SE" dirty="0"/>
+          </a:p>
+        </p:txBody>
+      </p:sp>
+      <p:sp>
+        <p:nvSpPr>
+          <p:cNvPr id="6" name="TextBox 5"/>
+          <p:cNvSpPr txBox="1"/>
+          <p:nvPr/>
+        </p:nvSpPr>
+        <p:spPr>
+          <a:xfrm>
+            <a:off x="3005595" y="3463197"/>
+            <a:ext cx="866691" cy="369332"/>
+          </a:xfrm>
+          <a:prstGeom prst="rect">
+            <a:avLst/>
+          </a:prstGeom>
+          <a:noFill/>
+        </p:spPr>
+        <p:txBody>
+          <a:bodyPr wrap="square" rtlCol="0">
+            <a:spAutoFit/>
+          </a:bodyPr>
+          <a:lstStyle/>
+          <a:p>
+            <a:r>
+              <a:rPr lang="sv-SE" dirty="0" err="1" smtClean="0"/>
+              <a:t>Staged</a:t>
+            </a:r>
+            <a:endParaRPr lang="sv-SE" dirty="0"/>
+          </a:p>
+        </p:txBody>
+      </p:sp>
+      <p:sp>
+        <p:nvSpPr>
+          <p:cNvPr id="7" name="TextBox 6"/>
+          <p:cNvSpPr txBox="1"/>
+          <p:nvPr/>
+        </p:nvSpPr>
+        <p:spPr>
+          <a:xfrm>
+            <a:off x="4890053" y="3463197"/>
+            <a:ext cx="1256306" cy="369332"/>
+          </a:xfrm>
+          <a:prstGeom prst="rect">
+            <a:avLst/>
+          </a:prstGeom>
+          <a:noFill/>
+        </p:spPr>
+        <p:txBody>
+          <a:bodyPr wrap="square" rtlCol="0">
+            <a:spAutoFit/>
+          </a:bodyPr>
+          <a:lstStyle/>
+          <a:p>
+            <a:r>
+              <a:rPr lang="sv-SE" dirty="0" err="1" smtClean="0"/>
+              <a:t>Commited</a:t>
+            </a:r>
+            <a:endParaRPr lang="sv-SE" dirty="0"/>
+          </a:p>
+        </p:txBody>
+      </p:sp>
     </p:spTree>
     <p:extLst>
       <p:ext uri="{BB962C8B-B14F-4D97-AF65-F5344CB8AC3E}">
-        <p14:creationId xmlns:p14="http://schemas.microsoft.com/office/powerpoint/2010/main" val="4261299813"/>
+        <p14:creationId xmlns:p14="http://schemas.microsoft.com/office/powerpoint/2010/main" val="3152771827"/>
       </p:ext>
     </p:extLst>
   </p:cSld>
